--- a/doc/ppt/新建 Microsoft PowerPoint 演示文稿 (2).pptx
+++ b/doc/ppt/新建 Microsoft PowerPoint 演示文稿 (2).pptx
@@ -8,18 +8,21 @@
     <p:sldId id="256" r:id="rId2"/>
     <p:sldId id="260" r:id="rId3"/>
     <p:sldId id="261" r:id="rId4"/>
-    <p:sldId id="257" r:id="rId5"/>
+    <p:sldId id="266" r:id="rId5"/>
     <p:sldId id="262" r:id="rId6"/>
-    <p:sldId id="264" r:id="rId7"/>
-    <p:sldId id="263" r:id="rId8"/>
-    <p:sldId id="265" r:id="rId9"/>
-    <p:sldId id="269" r:id="rId10"/>
-    <p:sldId id="268" r:id="rId11"/>
-    <p:sldId id="267" r:id="rId12"/>
-    <p:sldId id="266" r:id="rId13"/>
-    <p:sldId id="270" r:id="rId14"/>
+    <p:sldId id="274" r:id="rId7"/>
+    <p:sldId id="264" r:id="rId8"/>
+    <p:sldId id="263" r:id="rId9"/>
+    <p:sldId id="265" r:id="rId10"/>
+    <p:sldId id="273" r:id="rId11"/>
+    <p:sldId id="269" r:id="rId12"/>
+    <p:sldId id="268" r:id="rId13"/>
+    <p:sldId id="267" r:id="rId14"/>
     <p:sldId id="271" r:id="rId15"/>
-    <p:sldId id="272" r:id="rId16"/>
+    <p:sldId id="270" r:id="rId16"/>
+    <p:sldId id="278" r:id="rId17"/>
+    <p:sldId id="275" r:id="rId18"/>
+    <p:sldId id="277" r:id="rId19"/>
   </p:sldIdLst>
   <p:sldSz cx="9144000" cy="6858000" type="screen4x3"/>
   <p:notesSz cx="6858000" cy="9144000"/>
@@ -257,7 +260,7 @@
           <a:p>
             <a:fld id="{007EA67F-351E-47B3-8BE3-A09E54191E18}" type="datetimeFigureOut">
               <a:rPr lang="zh-CN" altLang="en-US" smtClean="0"/>
-              <a:t>2015/6/20</a:t>
+              <a:t>2015/6/21</a:t>
             </a:fld>
             <a:endParaRPr lang="zh-CN" altLang="en-US"/>
           </a:p>
@@ -427,7 +430,7 @@
           <a:p>
             <a:fld id="{007EA67F-351E-47B3-8BE3-A09E54191E18}" type="datetimeFigureOut">
               <a:rPr lang="zh-CN" altLang="en-US" smtClean="0"/>
-              <a:t>2015/6/20</a:t>
+              <a:t>2015/6/21</a:t>
             </a:fld>
             <a:endParaRPr lang="zh-CN" altLang="en-US"/>
           </a:p>
@@ -607,7 +610,7 @@
           <a:p>
             <a:fld id="{007EA67F-351E-47B3-8BE3-A09E54191E18}" type="datetimeFigureOut">
               <a:rPr lang="zh-CN" altLang="en-US" smtClean="0"/>
-              <a:t>2015/6/20</a:t>
+              <a:t>2015/6/21</a:t>
             </a:fld>
             <a:endParaRPr lang="zh-CN" altLang="en-US"/>
           </a:p>
@@ -777,7 +780,7 @@
           <a:p>
             <a:fld id="{007EA67F-351E-47B3-8BE3-A09E54191E18}" type="datetimeFigureOut">
               <a:rPr lang="zh-CN" altLang="en-US" smtClean="0"/>
-              <a:t>2015/6/20</a:t>
+              <a:t>2015/6/21</a:t>
             </a:fld>
             <a:endParaRPr lang="zh-CN" altLang="en-US"/>
           </a:p>
@@ -1021,7 +1024,7 @@
           <a:p>
             <a:fld id="{007EA67F-351E-47B3-8BE3-A09E54191E18}" type="datetimeFigureOut">
               <a:rPr lang="zh-CN" altLang="en-US" smtClean="0"/>
-              <a:t>2015/6/20</a:t>
+              <a:t>2015/6/21</a:t>
             </a:fld>
             <a:endParaRPr lang="zh-CN" altLang="en-US"/>
           </a:p>
@@ -1253,7 +1256,7 @@
           <a:p>
             <a:fld id="{007EA67F-351E-47B3-8BE3-A09E54191E18}" type="datetimeFigureOut">
               <a:rPr lang="zh-CN" altLang="en-US" smtClean="0"/>
-              <a:t>2015/6/20</a:t>
+              <a:t>2015/6/21</a:t>
             </a:fld>
             <a:endParaRPr lang="zh-CN" altLang="en-US"/>
           </a:p>
@@ -1620,7 +1623,7 @@
           <a:p>
             <a:fld id="{007EA67F-351E-47B3-8BE3-A09E54191E18}" type="datetimeFigureOut">
               <a:rPr lang="zh-CN" altLang="en-US" smtClean="0"/>
-              <a:t>2015/6/20</a:t>
+              <a:t>2015/6/21</a:t>
             </a:fld>
             <a:endParaRPr lang="zh-CN" altLang="en-US"/>
           </a:p>
@@ -1738,7 +1741,7 @@
           <a:p>
             <a:fld id="{007EA67F-351E-47B3-8BE3-A09E54191E18}" type="datetimeFigureOut">
               <a:rPr lang="zh-CN" altLang="en-US" smtClean="0"/>
-              <a:t>2015/6/20</a:t>
+              <a:t>2015/6/21</a:t>
             </a:fld>
             <a:endParaRPr lang="zh-CN" altLang="en-US"/>
           </a:p>
@@ -1833,7 +1836,7 @@
           <a:p>
             <a:fld id="{007EA67F-351E-47B3-8BE3-A09E54191E18}" type="datetimeFigureOut">
               <a:rPr lang="zh-CN" altLang="en-US" smtClean="0"/>
-              <a:t>2015/6/20</a:t>
+              <a:t>2015/6/21</a:t>
             </a:fld>
             <a:endParaRPr lang="zh-CN" altLang="en-US"/>
           </a:p>
@@ -2110,7 +2113,7 @@
           <a:p>
             <a:fld id="{007EA67F-351E-47B3-8BE3-A09E54191E18}" type="datetimeFigureOut">
               <a:rPr lang="zh-CN" altLang="en-US" smtClean="0"/>
-              <a:t>2015/6/20</a:t>
+              <a:t>2015/6/21</a:t>
             </a:fld>
             <a:endParaRPr lang="zh-CN" altLang="en-US"/>
           </a:p>
@@ -2367,7 +2370,7 @@
           <a:p>
             <a:fld id="{007EA67F-351E-47B3-8BE3-A09E54191E18}" type="datetimeFigureOut">
               <a:rPr lang="zh-CN" altLang="en-US" smtClean="0"/>
-              <a:t>2015/6/20</a:t>
+              <a:t>2015/6/21</a:t>
             </a:fld>
             <a:endParaRPr lang="zh-CN" altLang="en-US"/>
           </a:p>
@@ -2580,7 +2583,7 @@
           <a:p>
             <a:fld id="{007EA67F-351E-47B3-8BE3-A09E54191E18}" type="datetimeFigureOut">
               <a:rPr lang="zh-CN" altLang="en-US" smtClean="0"/>
-              <a:t>2015/6/20</a:t>
+              <a:t>2015/6/21</a:t>
             </a:fld>
             <a:endParaRPr lang="zh-CN" altLang="en-US"/>
           </a:p>
@@ -2995,21 +2998,31 @@
             <p:ph type="ctrTitle"/>
           </p:nvPr>
         </p:nvSpPr>
-        <p:spPr/>
+        <p:spPr>
+          <a:xfrm>
+            <a:off x="0" y="1122363"/>
+            <a:ext cx="9144000" cy="2387600"/>
+          </a:xfrm>
+          <a:solidFill>
+            <a:schemeClr val="bg1">
+              <a:alpha val="60000"/>
+            </a:schemeClr>
+          </a:solidFill>
+        </p:spPr>
         <p:txBody>
           <a:bodyPr/>
           <a:lstStyle/>
           <a:p>
             <a:r>
               <a:rPr lang="zh-CN" altLang="en-US" dirty="0" smtClean="0">
-                <a:latin typeface="微软雅黑" panose="020B0503020204020204" pitchFamily="34" charset="-122"/>
-                <a:ea typeface="微软雅黑" panose="020B0503020204020204" pitchFamily="34" charset="-122"/>
+                <a:latin typeface="华康海报体W12" panose="040B0C09000000000000" pitchFamily="81" charset="-122"/>
+                <a:ea typeface="华康海报体W12" panose="040B0C09000000000000" pitchFamily="81" charset="-122"/>
               </a:rPr>
               <a:t>铃铛网</a:t>
             </a:r>
             <a:endParaRPr lang="zh-CN" altLang="en-US" dirty="0">
-              <a:latin typeface="微软雅黑" panose="020B0503020204020204" pitchFamily="34" charset="-122"/>
-              <a:ea typeface="微软雅黑" panose="020B0503020204020204" pitchFamily="34" charset="-122"/>
+              <a:latin typeface="华康海报体W12" panose="040B0C09000000000000" pitchFamily="81" charset="-122"/>
+              <a:ea typeface="华康海报体W12" panose="040B0C09000000000000" pitchFamily="81" charset="-122"/>
             </a:endParaRPr>
           </a:p>
         </p:txBody>
@@ -3142,6 +3155,1416 @@
                 <a:latin typeface="微软雅黑" panose="020B0503020204020204" pitchFamily="34" charset="-122"/>
                 <a:ea typeface="微软雅黑" panose="020B0503020204020204" pitchFamily="34" charset="-122"/>
               </a:rPr>
+              <a:t>结论</a:t>
+            </a:r>
+            <a:endParaRPr lang="en-US" altLang="zh-CN" dirty="0" smtClean="0">
+              <a:solidFill>
+                <a:schemeClr val="bg1">
+                  <a:lumMod val="95000"/>
+                </a:schemeClr>
+              </a:solidFill>
+              <a:latin typeface="微软雅黑" panose="020B0503020204020204" pitchFamily="34" charset="-122"/>
+              <a:ea typeface="微软雅黑" panose="020B0503020204020204" pitchFamily="34" charset="-122"/>
+            </a:endParaRPr>
+          </a:p>
+          <a:p>
+            <a:r>
+              <a:rPr lang="en-US" altLang="zh-CN" sz="2800" dirty="0" smtClean="0">
+                <a:solidFill>
+                  <a:schemeClr val="bg1">
+                    <a:lumMod val="95000"/>
+                  </a:schemeClr>
+                </a:solidFill>
+                <a:latin typeface="微软雅黑" panose="020B0503020204020204" pitchFamily="34" charset="-122"/>
+                <a:ea typeface="微软雅黑" panose="020B0503020204020204" pitchFamily="34" charset="-122"/>
+              </a:rPr>
+              <a:t>Conclusion </a:t>
+            </a:r>
+            <a:endParaRPr lang="zh-CN" altLang="en-US" sz="2800" dirty="0">
+              <a:solidFill>
+                <a:schemeClr val="bg1">
+                  <a:lumMod val="95000"/>
+                </a:schemeClr>
+              </a:solidFill>
+              <a:latin typeface="微软雅黑" panose="020B0503020204020204" pitchFamily="34" charset="-122"/>
+              <a:ea typeface="微软雅黑" panose="020B0503020204020204" pitchFamily="34" charset="-122"/>
+            </a:endParaRPr>
+          </a:p>
+        </p:txBody>
+      </p:sp>
+      <p:sp>
+        <p:nvSpPr>
+          <p:cNvPr id="7" name="副标题 2"/>
+          <p:cNvSpPr txBox="1">
+            <a:spLocks/>
+          </p:cNvSpPr>
+          <p:nvPr/>
+        </p:nvSpPr>
+        <p:spPr>
+          <a:xfrm>
+            <a:off x="850005" y="1880315"/>
+            <a:ext cx="7521263" cy="4288665"/>
+          </a:xfrm>
+          <a:prstGeom prst="rect">
+            <a:avLst/>
+          </a:prstGeom>
+          <a:noFill/>
+        </p:spPr>
+        <p:txBody>
+          <a:bodyPr vert="horz" lIns="91440" tIns="45720" rIns="91440" bIns="45720" rtlCol="0">
+            <a:noAutofit/>
+          </a:bodyPr>
+          <a:lstStyle>
+            <a:lvl1pPr marL="228600" indent="-228600" algn="l" defTabSz="914400" rtl="0" eaLnBrk="1" latinLnBrk="0" hangingPunct="1">
+              <a:lnSpc>
+                <a:spcPct val="90000"/>
+              </a:lnSpc>
+              <a:spcBef>
+                <a:spcPts val="1000"/>
+              </a:spcBef>
+              <a:buFont typeface="Arial" panose="020B0604020202020204" pitchFamily="34" charset="0"/>
+              <a:buChar char="•"/>
+              <a:defRPr sz="2800" kern="1200">
+                <a:solidFill>
+                  <a:schemeClr val="tx1"/>
+                </a:solidFill>
+                <a:latin typeface="+mn-lt"/>
+                <a:ea typeface="+mn-ea"/>
+                <a:cs typeface="+mn-cs"/>
+              </a:defRPr>
+            </a:lvl1pPr>
+            <a:lvl2pPr marL="685800" indent="-228600" algn="l" defTabSz="914400" rtl="0" eaLnBrk="1" latinLnBrk="0" hangingPunct="1">
+              <a:lnSpc>
+                <a:spcPct val="90000"/>
+              </a:lnSpc>
+              <a:spcBef>
+                <a:spcPts val="500"/>
+              </a:spcBef>
+              <a:buFont typeface="Arial" panose="020B0604020202020204" pitchFamily="34" charset="0"/>
+              <a:buChar char="•"/>
+              <a:defRPr sz="2400" kern="1200">
+                <a:solidFill>
+                  <a:schemeClr val="tx1"/>
+                </a:solidFill>
+                <a:latin typeface="+mn-lt"/>
+                <a:ea typeface="+mn-ea"/>
+                <a:cs typeface="+mn-cs"/>
+              </a:defRPr>
+            </a:lvl2pPr>
+            <a:lvl3pPr marL="1143000" indent="-228600" algn="l" defTabSz="914400" rtl="0" eaLnBrk="1" latinLnBrk="0" hangingPunct="1">
+              <a:lnSpc>
+                <a:spcPct val="90000"/>
+              </a:lnSpc>
+              <a:spcBef>
+                <a:spcPts val="500"/>
+              </a:spcBef>
+              <a:buFont typeface="Arial" panose="020B0604020202020204" pitchFamily="34" charset="0"/>
+              <a:buChar char="•"/>
+              <a:defRPr sz="2000" kern="1200">
+                <a:solidFill>
+                  <a:schemeClr val="tx1"/>
+                </a:solidFill>
+                <a:latin typeface="+mn-lt"/>
+                <a:ea typeface="+mn-ea"/>
+                <a:cs typeface="+mn-cs"/>
+              </a:defRPr>
+            </a:lvl3pPr>
+            <a:lvl4pPr marL="1600200" indent="-228600" algn="l" defTabSz="914400" rtl="0" eaLnBrk="1" latinLnBrk="0" hangingPunct="1">
+              <a:lnSpc>
+                <a:spcPct val="90000"/>
+              </a:lnSpc>
+              <a:spcBef>
+                <a:spcPts val="500"/>
+              </a:spcBef>
+              <a:buFont typeface="Arial" panose="020B0604020202020204" pitchFamily="34" charset="0"/>
+              <a:buChar char="•"/>
+              <a:defRPr sz="1800" kern="1200">
+                <a:solidFill>
+                  <a:schemeClr val="tx1"/>
+                </a:solidFill>
+                <a:latin typeface="+mn-lt"/>
+                <a:ea typeface="+mn-ea"/>
+                <a:cs typeface="+mn-cs"/>
+              </a:defRPr>
+            </a:lvl4pPr>
+            <a:lvl5pPr marL="2057400" indent="-228600" algn="l" defTabSz="914400" rtl="0" eaLnBrk="1" latinLnBrk="0" hangingPunct="1">
+              <a:lnSpc>
+                <a:spcPct val="90000"/>
+              </a:lnSpc>
+              <a:spcBef>
+                <a:spcPts val="500"/>
+              </a:spcBef>
+              <a:buFont typeface="Arial" panose="020B0604020202020204" pitchFamily="34" charset="0"/>
+              <a:buChar char="•"/>
+              <a:defRPr sz="1800" kern="1200">
+                <a:solidFill>
+                  <a:schemeClr val="tx1"/>
+                </a:solidFill>
+                <a:latin typeface="+mn-lt"/>
+                <a:ea typeface="+mn-ea"/>
+                <a:cs typeface="+mn-cs"/>
+              </a:defRPr>
+            </a:lvl5pPr>
+            <a:lvl6pPr marL="2514600" indent="-228600" algn="l" defTabSz="914400" rtl="0" eaLnBrk="1" latinLnBrk="0" hangingPunct="1">
+              <a:lnSpc>
+                <a:spcPct val="90000"/>
+              </a:lnSpc>
+              <a:spcBef>
+                <a:spcPts val="500"/>
+              </a:spcBef>
+              <a:buFont typeface="Arial" panose="020B0604020202020204" pitchFamily="34" charset="0"/>
+              <a:buChar char="•"/>
+              <a:defRPr sz="1800" kern="1200">
+                <a:solidFill>
+                  <a:schemeClr val="tx1"/>
+                </a:solidFill>
+                <a:latin typeface="+mn-lt"/>
+                <a:ea typeface="+mn-ea"/>
+                <a:cs typeface="+mn-cs"/>
+              </a:defRPr>
+            </a:lvl6pPr>
+            <a:lvl7pPr marL="2971800" indent="-228600" algn="l" defTabSz="914400" rtl="0" eaLnBrk="1" latinLnBrk="0" hangingPunct="1">
+              <a:lnSpc>
+                <a:spcPct val="90000"/>
+              </a:lnSpc>
+              <a:spcBef>
+                <a:spcPts val="500"/>
+              </a:spcBef>
+              <a:buFont typeface="Arial" panose="020B0604020202020204" pitchFamily="34" charset="0"/>
+              <a:buChar char="•"/>
+              <a:defRPr sz="1800" kern="1200">
+                <a:solidFill>
+                  <a:schemeClr val="tx1"/>
+                </a:solidFill>
+                <a:latin typeface="+mn-lt"/>
+                <a:ea typeface="+mn-ea"/>
+                <a:cs typeface="+mn-cs"/>
+              </a:defRPr>
+            </a:lvl7pPr>
+            <a:lvl8pPr marL="3429000" indent="-228600" algn="l" defTabSz="914400" rtl="0" eaLnBrk="1" latinLnBrk="0" hangingPunct="1">
+              <a:lnSpc>
+                <a:spcPct val="90000"/>
+              </a:lnSpc>
+              <a:spcBef>
+                <a:spcPts val="500"/>
+              </a:spcBef>
+              <a:buFont typeface="Arial" panose="020B0604020202020204" pitchFamily="34" charset="0"/>
+              <a:buChar char="•"/>
+              <a:defRPr sz="1800" kern="1200">
+                <a:solidFill>
+                  <a:schemeClr val="tx1"/>
+                </a:solidFill>
+                <a:latin typeface="+mn-lt"/>
+                <a:ea typeface="+mn-ea"/>
+                <a:cs typeface="+mn-cs"/>
+              </a:defRPr>
+            </a:lvl8pPr>
+            <a:lvl9pPr marL="3886200" indent="-228600" algn="l" defTabSz="914400" rtl="0" eaLnBrk="1" latinLnBrk="0" hangingPunct="1">
+              <a:lnSpc>
+                <a:spcPct val="90000"/>
+              </a:lnSpc>
+              <a:spcBef>
+                <a:spcPts val="500"/>
+              </a:spcBef>
+              <a:buFont typeface="Arial" panose="020B0604020202020204" pitchFamily="34" charset="0"/>
+              <a:buChar char="•"/>
+              <a:defRPr sz="1800" kern="1200">
+                <a:solidFill>
+                  <a:schemeClr val="tx1"/>
+                </a:solidFill>
+                <a:latin typeface="+mn-lt"/>
+                <a:ea typeface="+mn-ea"/>
+                <a:cs typeface="+mn-cs"/>
+              </a:defRPr>
+            </a:lvl9pPr>
+          </a:lstStyle>
+          <a:p>
+            <a:pPr marL="457200" indent="-457200">
+              <a:lnSpc>
+                <a:spcPct val="150000"/>
+              </a:lnSpc>
+              <a:buFont typeface="+mj-lt"/>
+              <a:buAutoNum type="arabicPeriod"/>
+            </a:pPr>
+            <a:r>
+              <a:rPr lang="zh-CN" altLang="en-US" sz="1800" dirty="0" smtClean="0">
+                <a:solidFill>
+                  <a:schemeClr val="bg1">
+                    <a:lumMod val="95000"/>
+                  </a:schemeClr>
+                </a:solidFill>
+                <a:latin typeface="微软雅黑" panose="020B0503020204020204" pitchFamily="34" charset="-122"/>
+                <a:ea typeface="微软雅黑" panose="020B0503020204020204" pitchFamily="34" charset="-122"/>
+              </a:rPr>
+              <a:t>未来宠物市场会进入一个高速增长的阶段，且由于情感变化，宠物消费会在收入中所占比重逐渐增加。</a:t>
+            </a:r>
+            <a:endParaRPr lang="en-US" altLang="zh-CN" sz="1800" dirty="0" smtClean="0">
+              <a:solidFill>
+                <a:schemeClr val="bg1">
+                  <a:lumMod val="95000"/>
+                </a:schemeClr>
+              </a:solidFill>
+              <a:latin typeface="微软雅黑" panose="020B0503020204020204" pitchFamily="34" charset="-122"/>
+              <a:ea typeface="微软雅黑" panose="020B0503020204020204" pitchFamily="34" charset="-122"/>
+            </a:endParaRPr>
+          </a:p>
+          <a:p>
+            <a:pPr marL="457200" indent="-457200">
+              <a:lnSpc>
+                <a:spcPct val="150000"/>
+              </a:lnSpc>
+              <a:buFont typeface="+mj-lt"/>
+              <a:buAutoNum type="arabicPeriod"/>
+            </a:pPr>
+            <a:r>
+              <a:rPr lang="zh-CN" altLang="en-US" sz="1800" dirty="0" smtClean="0">
+                <a:solidFill>
+                  <a:schemeClr val="bg1">
+                    <a:lumMod val="95000"/>
+                  </a:schemeClr>
+                </a:solidFill>
+                <a:latin typeface="微软雅黑" panose="020B0503020204020204" pitchFamily="34" charset="-122"/>
+                <a:ea typeface="微软雅黑" panose="020B0503020204020204" pitchFamily="34" charset="-122"/>
+              </a:rPr>
+              <a:t>强势父母（高净值人群中的很大比例）的子女普遍不会养宠物，所以高端宠物市场（</a:t>
+            </a:r>
+            <a:r>
+              <a:rPr lang="en-US" altLang="zh-CN" sz="1800" dirty="0" smtClean="0">
+                <a:solidFill>
+                  <a:schemeClr val="bg1">
+                    <a:lumMod val="95000"/>
+                  </a:schemeClr>
+                </a:solidFill>
+                <a:latin typeface="微软雅黑" panose="020B0503020204020204" pitchFamily="34" charset="-122"/>
+                <a:ea typeface="微软雅黑" panose="020B0503020204020204" pitchFamily="34" charset="-122"/>
+              </a:rPr>
+              <a:t>2</a:t>
+            </a:r>
+            <a:r>
+              <a:rPr lang="zh-CN" altLang="en-US" sz="1800" dirty="0" smtClean="0">
+                <a:solidFill>
+                  <a:schemeClr val="bg1">
+                    <a:lumMod val="95000"/>
+                  </a:schemeClr>
+                </a:solidFill>
+                <a:latin typeface="微软雅黑" panose="020B0503020204020204" pitchFamily="34" charset="-122"/>
+                <a:ea typeface="微软雅黑" panose="020B0503020204020204" pitchFamily="34" charset="-122"/>
+              </a:rPr>
+              <a:t>万元以上）在一段时间内，都将是专业化的市场，而非普通消费市场。</a:t>
+            </a:r>
+            <a:endParaRPr lang="en-US" altLang="zh-CN" sz="1800" dirty="0" smtClean="0">
+              <a:solidFill>
+                <a:schemeClr val="bg1">
+                  <a:lumMod val="95000"/>
+                </a:schemeClr>
+              </a:solidFill>
+              <a:latin typeface="微软雅黑" panose="020B0503020204020204" pitchFamily="34" charset="-122"/>
+              <a:ea typeface="微软雅黑" panose="020B0503020204020204" pitchFamily="34" charset="-122"/>
+            </a:endParaRPr>
+          </a:p>
+          <a:p>
+            <a:pPr marL="457200" indent="-457200">
+              <a:lnSpc>
+                <a:spcPct val="150000"/>
+              </a:lnSpc>
+              <a:buFont typeface="+mj-lt"/>
+              <a:buAutoNum type="arabicPeriod"/>
+            </a:pPr>
+            <a:r>
+              <a:rPr lang="zh-CN" altLang="en-US" sz="1800" dirty="0" smtClean="0">
+                <a:solidFill>
+                  <a:schemeClr val="bg1">
+                    <a:lumMod val="95000"/>
+                  </a:schemeClr>
+                </a:solidFill>
+                <a:latin typeface="微软雅黑" panose="020B0503020204020204" pitchFamily="34" charset="-122"/>
+                <a:ea typeface="微软雅黑" panose="020B0503020204020204" pitchFamily="34" charset="-122"/>
+              </a:rPr>
+              <a:t>宠物的医疗、保健等与健康相关的行业，在未来有很好的成长空间。</a:t>
+            </a:r>
+            <a:endParaRPr lang="en-US" altLang="zh-CN" sz="1800" dirty="0" smtClean="0">
+              <a:solidFill>
+                <a:schemeClr val="bg1">
+                  <a:lumMod val="95000"/>
+                </a:schemeClr>
+              </a:solidFill>
+              <a:latin typeface="微软雅黑" panose="020B0503020204020204" pitchFamily="34" charset="-122"/>
+              <a:ea typeface="微软雅黑" panose="020B0503020204020204" pitchFamily="34" charset="-122"/>
+            </a:endParaRPr>
+          </a:p>
+          <a:p>
+            <a:pPr marL="457200" indent="-457200">
+              <a:lnSpc>
+                <a:spcPct val="150000"/>
+              </a:lnSpc>
+              <a:buFont typeface="+mj-lt"/>
+              <a:buAutoNum type="arabicPeriod"/>
+            </a:pPr>
+            <a:r>
+              <a:rPr lang="zh-CN" altLang="en-US" sz="1800" dirty="0" smtClean="0">
+                <a:solidFill>
+                  <a:schemeClr val="bg1">
+                    <a:lumMod val="95000"/>
+                  </a:schemeClr>
+                </a:solidFill>
+                <a:latin typeface="微软雅黑" panose="020B0503020204020204" pitchFamily="34" charset="-122"/>
+                <a:ea typeface="微软雅黑" panose="020B0503020204020204" pitchFamily="34" charset="-122"/>
+              </a:rPr>
+              <a:t>宠物装扮类的服装、饰品类市场，需求会越来越旺盛，且向个性化发展。</a:t>
+            </a:r>
+            <a:endParaRPr lang="en-US" altLang="zh-CN" sz="1800" dirty="0" smtClean="0">
+              <a:solidFill>
+                <a:schemeClr val="bg1">
+                  <a:lumMod val="95000"/>
+                </a:schemeClr>
+              </a:solidFill>
+              <a:latin typeface="微软雅黑" panose="020B0503020204020204" pitchFamily="34" charset="-122"/>
+              <a:ea typeface="微软雅黑" panose="020B0503020204020204" pitchFamily="34" charset="-122"/>
+            </a:endParaRPr>
+          </a:p>
+          <a:p>
+            <a:pPr marL="457200" indent="-457200">
+              <a:lnSpc>
+                <a:spcPct val="150000"/>
+              </a:lnSpc>
+              <a:buFont typeface="+mj-lt"/>
+              <a:buAutoNum type="arabicPeriod"/>
+            </a:pPr>
+            <a:r>
+              <a:rPr lang="zh-CN" altLang="en-US" sz="1800" dirty="0">
+                <a:solidFill>
+                  <a:schemeClr val="bg1">
+                    <a:lumMod val="95000"/>
+                  </a:schemeClr>
+                </a:solidFill>
+                <a:latin typeface="微软雅黑" panose="020B0503020204020204" pitchFamily="34" charset="-122"/>
+                <a:ea typeface="微软雅黑" panose="020B0503020204020204" pitchFamily="34" charset="-122"/>
+              </a:rPr>
+              <a:t>湿</a:t>
+            </a:r>
+            <a:r>
+              <a:rPr lang="zh-CN" altLang="en-US" sz="1800" dirty="0" smtClean="0">
+                <a:solidFill>
+                  <a:schemeClr val="bg1">
+                    <a:lumMod val="95000"/>
+                  </a:schemeClr>
+                </a:solidFill>
+                <a:latin typeface="微软雅黑" panose="020B0503020204020204" pitchFamily="34" charset="-122"/>
+                <a:ea typeface="微软雅黑" panose="020B0503020204020204" pitchFamily="34" charset="-122"/>
+              </a:rPr>
+              <a:t>粮在宠物食品中所占比重会逐渐增加。</a:t>
+            </a:r>
+            <a:endParaRPr lang="en-US" altLang="zh-CN" sz="1800" dirty="0" smtClean="0">
+              <a:solidFill>
+                <a:schemeClr val="bg1">
+                  <a:lumMod val="95000"/>
+                </a:schemeClr>
+              </a:solidFill>
+              <a:latin typeface="微软雅黑" panose="020B0503020204020204" pitchFamily="34" charset="-122"/>
+              <a:ea typeface="微软雅黑" panose="020B0503020204020204" pitchFamily="34" charset="-122"/>
+            </a:endParaRPr>
+          </a:p>
+        </p:txBody>
+      </p:sp>
+    </p:spTree>
+    <p:extLst>
+      <p:ext uri="{BB962C8B-B14F-4D97-AF65-F5344CB8AC3E}">
+        <p14:creationId xmlns:p14="http://schemas.microsoft.com/office/powerpoint/2010/main" val="463647870"/>
+      </p:ext>
+    </p:extLst>
+  </p:cSld>
+  <p:clrMapOvr>
+    <a:masterClrMapping/>
+  </p:clrMapOvr>
+  <p:timing>
+    <p:tnLst>
+      <p:par>
+        <p:cTn id="1" dur="indefinite" restart="never" nodeType="tmRoot"/>
+      </p:par>
+    </p:tnLst>
+  </p:timing>
+</p:sld>
+</file>
+
+<file path=ppt/slides/slide11.xml><?xml version="1.0" encoding="utf-8"?>
+<p:sld xmlns:a="http://schemas.openxmlformats.org/drawingml/2006/main" xmlns:r="http://schemas.openxmlformats.org/officeDocument/2006/relationships" xmlns:p="http://schemas.openxmlformats.org/presentationml/2006/main">
+  <p:cSld>
+    <p:spTree>
+      <p:nvGrpSpPr>
+        <p:cNvPr id="1" name=""/>
+        <p:cNvGrpSpPr/>
+        <p:nvPr/>
+      </p:nvGrpSpPr>
+      <p:grpSpPr>
+        <a:xfrm>
+          <a:off x="0" y="0"/>
+          <a:ext cx="0" cy="0"/>
+          <a:chOff x="0" y="0"/>
+          <a:chExt cx="0" cy="0"/>
+        </a:xfrm>
+      </p:grpSpPr>
+      <p:sp>
+        <p:nvSpPr>
+          <p:cNvPr id="5" name="标题 1"/>
+          <p:cNvSpPr txBox="1">
+            <a:spLocks/>
+          </p:cNvSpPr>
+          <p:nvPr/>
+        </p:nvSpPr>
+        <p:spPr>
+          <a:xfrm>
+            <a:off x="300037" y="205470"/>
+            <a:ext cx="7890926" cy="1325563"/>
+          </a:xfrm>
+          <a:prstGeom prst="rect">
+            <a:avLst/>
+          </a:prstGeom>
+          <a:noFill/>
+        </p:spPr>
+        <p:txBody>
+          <a:bodyPr vert="horz" lIns="91440" tIns="45720" rIns="91440" bIns="45720" rtlCol="0" anchor="ctr">
+            <a:normAutofit/>
+          </a:bodyPr>
+          <a:lstStyle>
+            <a:lvl1pPr algn="l" defTabSz="914400" rtl="0" eaLnBrk="1" latinLnBrk="0" hangingPunct="1">
+              <a:lnSpc>
+                <a:spcPct val="90000"/>
+              </a:lnSpc>
+              <a:spcBef>
+                <a:spcPct val="0"/>
+              </a:spcBef>
+              <a:buNone/>
+              <a:defRPr sz="4400" kern="1200">
+                <a:solidFill>
+                  <a:schemeClr val="tx1"/>
+                </a:solidFill>
+                <a:latin typeface="+mj-lt"/>
+                <a:ea typeface="+mj-ea"/>
+                <a:cs typeface="+mj-cs"/>
+              </a:defRPr>
+            </a:lvl1pPr>
+          </a:lstStyle>
+          <a:p>
+            <a:r>
+              <a:rPr lang="zh-CN" altLang="en-US" dirty="0" smtClean="0">
+                <a:solidFill>
+                  <a:schemeClr val="accent5"/>
+                </a:solidFill>
+                <a:latin typeface="微软雅黑" panose="020B0503020204020204" pitchFamily="34" charset="-122"/>
+                <a:ea typeface="微软雅黑" panose="020B0503020204020204" pitchFamily="34" charset="-122"/>
+              </a:rPr>
+              <a:t>竞争对手</a:t>
+            </a:r>
+            <a:endParaRPr lang="en-US" altLang="zh-CN" dirty="0" smtClean="0">
+              <a:solidFill>
+                <a:schemeClr val="accent5"/>
+              </a:solidFill>
+              <a:latin typeface="微软雅黑" panose="020B0503020204020204" pitchFamily="34" charset="-122"/>
+              <a:ea typeface="微软雅黑" panose="020B0503020204020204" pitchFamily="34" charset="-122"/>
+            </a:endParaRPr>
+          </a:p>
+          <a:p>
+            <a:r>
+              <a:rPr lang="en-US" altLang="zh-CN" sz="2800" dirty="0" smtClean="0">
+                <a:solidFill>
+                  <a:schemeClr val="accent5"/>
+                </a:solidFill>
+                <a:latin typeface="微软雅黑" panose="020B0503020204020204" pitchFamily="34" charset="-122"/>
+                <a:ea typeface="微软雅黑" panose="020B0503020204020204" pitchFamily="34" charset="-122"/>
+              </a:rPr>
+              <a:t>Rival</a:t>
+            </a:r>
+            <a:endParaRPr lang="zh-CN" altLang="en-US" sz="2800" dirty="0">
+              <a:solidFill>
+                <a:schemeClr val="accent5"/>
+              </a:solidFill>
+              <a:latin typeface="微软雅黑" panose="020B0503020204020204" pitchFamily="34" charset="-122"/>
+              <a:ea typeface="微软雅黑" panose="020B0503020204020204" pitchFamily="34" charset="-122"/>
+            </a:endParaRPr>
+          </a:p>
+        </p:txBody>
+      </p:sp>
+      <p:sp>
+        <p:nvSpPr>
+          <p:cNvPr id="7" name="副标题 2"/>
+          <p:cNvSpPr txBox="1">
+            <a:spLocks/>
+          </p:cNvSpPr>
+          <p:nvPr/>
+        </p:nvSpPr>
+        <p:spPr>
+          <a:xfrm>
+            <a:off x="300037" y="1531033"/>
+            <a:ext cx="8543925" cy="4865849"/>
+          </a:xfrm>
+          <a:prstGeom prst="rect">
+            <a:avLst/>
+          </a:prstGeom>
+          <a:noFill/>
+        </p:spPr>
+        <p:txBody>
+          <a:bodyPr vert="horz" lIns="91440" tIns="45720" rIns="91440" bIns="45720" rtlCol="0">
+            <a:normAutofit/>
+          </a:bodyPr>
+          <a:lstStyle>
+            <a:lvl1pPr marL="228600" indent="-228600" algn="l" defTabSz="914400" rtl="0" eaLnBrk="1" latinLnBrk="0" hangingPunct="1">
+              <a:lnSpc>
+                <a:spcPct val="90000"/>
+              </a:lnSpc>
+              <a:spcBef>
+                <a:spcPts val="1000"/>
+              </a:spcBef>
+              <a:buFont typeface="Arial" panose="020B0604020202020204" pitchFamily="34" charset="0"/>
+              <a:buChar char="•"/>
+              <a:defRPr sz="2800" kern="1200">
+                <a:solidFill>
+                  <a:schemeClr val="tx1"/>
+                </a:solidFill>
+                <a:latin typeface="+mn-lt"/>
+                <a:ea typeface="+mn-ea"/>
+                <a:cs typeface="+mn-cs"/>
+              </a:defRPr>
+            </a:lvl1pPr>
+            <a:lvl2pPr marL="685800" indent="-228600" algn="l" defTabSz="914400" rtl="0" eaLnBrk="1" latinLnBrk="0" hangingPunct="1">
+              <a:lnSpc>
+                <a:spcPct val="90000"/>
+              </a:lnSpc>
+              <a:spcBef>
+                <a:spcPts val="500"/>
+              </a:spcBef>
+              <a:buFont typeface="Arial" panose="020B0604020202020204" pitchFamily="34" charset="0"/>
+              <a:buChar char="•"/>
+              <a:defRPr sz="2400" kern="1200">
+                <a:solidFill>
+                  <a:schemeClr val="tx1"/>
+                </a:solidFill>
+                <a:latin typeface="+mn-lt"/>
+                <a:ea typeface="+mn-ea"/>
+                <a:cs typeface="+mn-cs"/>
+              </a:defRPr>
+            </a:lvl2pPr>
+            <a:lvl3pPr marL="1143000" indent="-228600" algn="l" defTabSz="914400" rtl="0" eaLnBrk="1" latinLnBrk="0" hangingPunct="1">
+              <a:lnSpc>
+                <a:spcPct val="90000"/>
+              </a:lnSpc>
+              <a:spcBef>
+                <a:spcPts val="500"/>
+              </a:spcBef>
+              <a:buFont typeface="Arial" panose="020B0604020202020204" pitchFamily="34" charset="0"/>
+              <a:buChar char="•"/>
+              <a:defRPr sz="2000" kern="1200">
+                <a:solidFill>
+                  <a:schemeClr val="tx1"/>
+                </a:solidFill>
+                <a:latin typeface="+mn-lt"/>
+                <a:ea typeface="+mn-ea"/>
+                <a:cs typeface="+mn-cs"/>
+              </a:defRPr>
+            </a:lvl3pPr>
+            <a:lvl4pPr marL="1600200" indent="-228600" algn="l" defTabSz="914400" rtl="0" eaLnBrk="1" latinLnBrk="0" hangingPunct="1">
+              <a:lnSpc>
+                <a:spcPct val="90000"/>
+              </a:lnSpc>
+              <a:spcBef>
+                <a:spcPts val="500"/>
+              </a:spcBef>
+              <a:buFont typeface="Arial" panose="020B0604020202020204" pitchFamily="34" charset="0"/>
+              <a:buChar char="•"/>
+              <a:defRPr sz="1800" kern="1200">
+                <a:solidFill>
+                  <a:schemeClr val="tx1"/>
+                </a:solidFill>
+                <a:latin typeface="+mn-lt"/>
+                <a:ea typeface="+mn-ea"/>
+                <a:cs typeface="+mn-cs"/>
+              </a:defRPr>
+            </a:lvl4pPr>
+            <a:lvl5pPr marL="2057400" indent="-228600" algn="l" defTabSz="914400" rtl="0" eaLnBrk="1" latinLnBrk="0" hangingPunct="1">
+              <a:lnSpc>
+                <a:spcPct val="90000"/>
+              </a:lnSpc>
+              <a:spcBef>
+                <a:spcPts val="500"/>
+              </a:spcBef>
+              <a:buFont typeface="Arial" panose="020B0604020202020204" pitchFamily="34" charset="0"/>
+              <a:buChar char="•"/>
+              <a:defRPr sz="1800" kern="1200">
+                <a:solidFill>
+                  <a:schemeClr val="tx1"/>
+                </a:solidFill>
+                <a:latin typeface="+mn-lt"/>
+                <a:ea typeface="+mn-ea"/>
+                <a:cs typeface="+mn-cs"/>
+              </a:defRPr>
+            </a:lvl5pPr>
+            <a:lvl6pPr marL="2514600" indent="-228600" algn="l" defTabSz="914400" rtl="0" eaLnBrk="1" latinLnBrk="0" hangingPunct="1">
+              <a:lnSpc>
+                <a:spcPct val="90000"/>
+              </a:lnSpc>
+              <a:spcBef>
+                <a:spcPts val="500"/>
+              </a:spcBef>
+              <a:buFont typeface="Arial" panose="020B0604020202020204" pitchFamily="34" charset="0"/>
+              <a:buChar char="•"/>
+              <a:defRPr sz="1800" kern="1200">
+                <a:solidFill>
+                  <a:schemeClr val="tx1"/>
+                </a:solidFill>
+                <a:latin typeface="+mn-lt"/>
+                <a:ea typeface="+mn-ea"/>
+                <a:cs typeface="+mn-cs"/>
+              </a:defRPr>
+            </a:lvl6pPr>
+            <a:lvl7pPr marL="2971800" indent="-228600" algn="l" defTabSz="914400" rtl="0" eaLnBrk="1" latinLnBrk="0" hangingPunct="1">
+              <a:lnSpc>
+                <a:spcPct val="90000"/>
+              </a:lnSpc>
+              <a:spcBef>
+                <a:spcPts val="500"/>
+              </a:spcBef>
+              <a:buFont typeface="Arial" panose="020B0604020202020204" pitchFamily="34" charset="0"/>
+              <a:buChar char="•"/>
+              <a:defRPr sz="1800" kern="1200">
+                <a:solidFill>
+                  <a:schemeClr val="tx1"/>
+                </a:solidFill>
+                <a:latin typeface="+mn-lt"/>
+                <a:ea typeface="+mn-ea"/>
+                <a:cs typeface="+mn-cs"/>
+              </a:defRPr>
+            </a:lvl7pPr>
+            <a:lvl8pPr marL="3429000" indent="-228600" algn="l" defTabSz="914400" rtl="0" eaLnBrk="1" latinLnBrk="0" hangingPunct="1">
+              <a:lnSpc>
+                <a:spcPct val="90000"/>
+              </a:lnSpc>
+              <a:spcBef>
+                <a:spcPts val="500"/>
+              </a:spcBef>
+              <a:buFont typeface="Arial" panose="020B0604020202020204" pitchFamily="34" charset="0"/>
+              <a:buChar char="•"/>
+              <a:defRPr sz="1800" kern="1200">
+                <a:solidFill>
+                  <a:schemeClr val="tx1"/>
+                </a:solidFill>
+                <a:latin typeface="+mn-lt"/>
+                <a:ea typeface="+mn-ea"/>
+                <a:cs typeface="+mn-cs"/>
+              </a:defRPr>
+            </a:lvl8pPr>
+            <a:lvl9pPr marL="3886200" indent="-228600" algn="l" defTabSz="914400" rtl="0" eaLnBrk="1" latinLnBrk="0" hangingPunct="1">
+              <a:lnSpc>
+                <a:spcPct val="90000"/>
+              </a:lnSpc>
+              <a:spcBef>
+                <a:spcPts val="500"/>
+              </a:spcBef>
+              <a:buFont typeface="Arial" panose="020B0604020202020204" pitchFamily="34" charset="0"/>
+              <a:buChar char="•"/>
+              <a:defRPr sz="1800" kern="1200">
+                <a:solidFill>
+                  <a:schemeClr val="tx1"/>
+                </a:solidFill>
+                <a:latin typeface="+mn-lt"/>
+                <a:ea typeface="+mn-ea"/>
+                <a:cs typeface="+mn-cs"/>
+              </a:defRPr>
+            </a:lvl9pPr>
+          </a:lstStyle>
+          <a:p>
+            <a:pPr marL="0" indent="0">
+              <a:lnSpc>
+                <a:spcPct val="150000"/>
+              </a:lnSpc>
+              <a:buNone/>
+            </a:pPr>
+            <a:r>
+              <a:rPr lang="zh-CN" altLang="en-US" sz="1800" dirty="0">
+                <a:solidFill>
+                  <a:schemeClr val="tx1">
+                    <a:lumMod val="75000"/>
+                    <a:lumOff val="25000"/>
+                  </a:schemeClr>
+                </a:solidFill>
+                <a:latin typeface="微软雅黑" panose="020B0503020204020204" pitchFamily="34" charset="-122"/>
+                <a:ea typeface="微软雅黑" panose="020B0503020204020204" pitchFamily="34" charset="-122"/>
+              </a:rPr>
+              <a:t>爱</a:t>
+            </a:r>
+            <a:r>
+              <a:rPr lang="zh-CN" altLang="en-US" sz="1800" dirty="0" smtClean="0">
+                <a:solidFill>
+                  <a:schemeClr val="tx1">
+                    <a:lumMod val="75000"/>
+                    <a:lumOff val="25000"/>
+                  </a:schemeClr>
+                </a:solidFill>
+                <a:latin typeface="微软雅黑" panose="020B0503020204020204" pitchFamily="34" charset="-122"/>
+                <a:ea typeface="微软雅黑" panose="020B0503020204020204" pitchFamily="34" charset="-122"/>
+              </a:rPr>
+              <a:t>狗</a:t>
+            </a:r>
+            <a:r>
+              <a:rPr lang="zh-CN" altLang="en-US" sz="1800" dirty="0" smtClean="0">
+                <a:solidFill>
+                  <a:schemeClr val="tx1">
+                    <a:lumMod val="75000"/>
+                    <a:lumOff val="25000"/>
+                  </a:schemeClr>
+                </a:solidFill>
+                <a:latin typeface="微软雅黑" panose="020B0503020204020204" pitchFamily="34" charset="-122"/>
+                <a:ea typeface="微软雅黑" panose="020B0503020204020204" pitchFamily="34" charset="-122"/>
+              </a:rPr>
+              <a:t>网</a:t>
+            </a:r>
+            <a:r>
+              <a:rPr lang="en-US" altLang="zh-CN" sz="1800" dirty="0" smtClean="0">
+                <a:solidFill>
+                  <a:schemeClr val="tx1">
+                    <a:lumMod val="75000"/>
+                    <a:lumOff val="25000"/>
+                  </a:schemeClr>
+                </a:solidFill>
+                <a:latin typeface="微软雅黑" panose="020B0503020204020204" pitchFamily="34" charset="-122"/>
+                <a:ea typeface="微软雅黑" panose="020B0503020204020204" pitchFamily="34" charset="-122"/>
+              </a:rPr>
+              <a:t>——</a:t>
+            </a:r>
+            <a:r>
+              <a:rPr lang="zh-CN" altLang="en-US" sz="1800" dirty="0" smtClean="0">
+                <a:solidFill>
+                  <a:schemeClr val="tx1">
+                    <a:lumMod val="75000"/>
+                    <a:lumOff val="25000"/>
+                  </a:schemeClr>
+                </a:solidFill>
+                <a:latin typeface="微软雅黑" panose="020B0503020204020204" pitchFamily="34" charset="-122"/>
+                <a:ea typeface="微软雅黑" panose="020B0503020204020204" pitchFamily="34" charset="-122"/>
+              </a:rPr>
+              <a:t>传统</a:t>
+            </a:r>
+            <a:r>
+              <a:rPr lang="en-US" altLang="zh-CN" sz="1800" dirty="0" smtClean="0">
+                <a:solidFill>
+                  <a:schemeClr val="tx1">
+                    <a:lumMod val="75000"/>
+                    <a:lumOff val="25000"/>
+                  </a:schemeClr>
+                </a:solidFill>
+                <a:latin typeface="微软雅黑" panose="020B0503020204020204" pitchFamily="34" charset="-122"/>
+                <a:ea typeface="微软雅黑" panose="020B0503020204020204" pitchFamily="34" charset="-122"/>
+              </a:rPr>
+              <a:t>BBS+</a:t>
+            </a:r>
+            <a:r>
+              <a:rPr lang="zh-CN" altLang="en-US" sz="1800" dirty="0" smtClean="0">
+                <a:solidFill>
+                  <a:schemeClr val="tx1">
+                    <a:lumMod val="75000"/>
+                    <a:lumOff val="25000"/>
+                  </a:schemeClr>
+                </a:solidFill>
+                <a:latin typeface="微软雅黑" panose="020B0503020204020204" pitchFamily="34" charset="-122"/>
+                <a:ea typeface="微软雅黑" panose="020B0503020204020204" pitchFamily="34" charset="-122"/>
+              </a:rPr>
+              <a:t>团购</a:t>
+            </a:r>
+            <a:endParaRPr lang="en-US" altLang="zh-CN" sz="1800" dirty="0" smtClean="0">
+              <a:solidFill>
+                <a:schemeClr val="tx1">
+                  <a:lumMod val="75000"/>
+                  <a:lumOff val="25000"/>
+                </a:schemeClr>
+              </a:solidFill>
+              <a:latin typeface="微软雅黑" panose="020B0503020204020204" pitchFamily="34" charset="-122"/>
+              <a:ea typeface="微软雅黑" panose="020B0503020204020204" pitchFamily="34" charset="-122"/>
+            </a:endParaRPr>
+          </a:p>
+          <a:p>
+            <a:pPr marL="0" indent="0">
+              <a:lnSpc>
+                <a:spcPct val="150000"/>
+              </a:lnSpc>
+              <a:buNone/>
+            </a:pPr>
+            <a:r>
+              <a:rPr lang="zh-CN" altLang="en-US" sz="1800" dirty="0" smtClean="0">
+                <a:solidFill>
+                  <a:schemeClr val="tx1">
+                    <a:lumMod val="75000"/>
+                    <a:lumOff val="25000"/>
+                  </a:schemeClr>
+                </a:solidFill>
+                <a:latin typeface="微软雅黑" panose="020B0503020204020204" pitchFamily="34" charset="-122"/>
+                <a:ea typeface="微软雅黑" panose="020B0503020204020204" pitchFamily="34" charset="-122"/>
+              </a:rPr>
+              <a:t>狗民网</a:t>
+            </a:r>
+            <a:r>
+              <a:rPr lang="en-US" altLang="zh-CN" sz="1800" dirty="0" smtClean="0">
+                <a:solidFill>
+                  <a:schemeClr val="tx1">
+                    <a:lumMod val="75000"/>
+                    <a:lumOff val="25000"/>
+                  </a:schemeClr>
+                </a:solidFill>
+                <a:latin typeface="微软雅黑" panose="020B0503020204020204" pitchFamily="34" charset="-122"/>
+                <a:ea typeface="微软雅黑" panose="020B0503020204020204" pitchFamily="34" charset="-122"/>
+              </a:rPr>
+              <a:t>——</a:t>
+            </a:r>
+            <a:r>
+              <a:rPr lang="zh-CN" altLang="en-US" sz="1800" dirty="0" smtClean="0">
+                <a:solidFill>
+                  <a:schemeClr val="tx1">
+                    <a:lumMod val="75000"/>
+                    <a:lumOff val="25000"/>
+                  </a:schemeClr>
+                </a:solidFill>
+                <a:latin typeface="微软雅黑" panose="020B0503020204020204" pitchFamily="34" charset="-122"/>
+                <a:ea typeface="微软雅黑" panose="020B0503020204020204" pitchFamily="34" charset="-122"/>
+              </a:rPr>
+              <a:t>传统</a:t>
+            </a:r>
+            <a:r>
+              <a:rPr lang="en-US" altLang="zh-CN" sz="1800" dirty="0" smtClean="0">
+                <a:solidFill>
+                  <a:schemeClr val="tx1">
+                    <a:lumMod val="75000"/>
+                    <a:lumOff val="25000"/>
+                  </a:schemeClr>
+                </a:solidFill>
+                <a:latin typeface="微软雅黑" panose="020B0503020204020204" pitchFamily="34" charset="-122"/>
+                <a:ea typeface="微软雅黑" panose="020B0503020204020204" pitchFamily="34" charset="-122"/>
+              </a:rPr>
+              <a:t>BBS+</a:t>
+            </a:r>
+            <a:r>
+              <a:rPr lang="zh-CN" altLang="en-US" sz="1800" dirty="0" smtClean="0">
+                <a:solidFill>
+                  <a:schemeClr val="tx1">
+                    <a:lumMod val="75000"/>
+                    <a:lumOff val="25000"/>
+                  </a:schemeClr>
+                </a:solidFill>
+                <a:latin typeface="微软雅黑" panose="020B0503020204020204" pitchFamily="34" charset="-122"/>
+                <a:ea typeface="微软雅黑" panose="020B0503020204020204" pitchFamily="34" charset="-122"/>
+              </a:rPr>
+              <a:t>团购</a:t>
+            </a:r>
+            <a:endParaRPr lang="en-US" altLang="zh-CN" sz="1800" dirty="0" smtClean="0">
+              <a:solidFill>
+                <a:schemeClr val="tx1">
+                  <a:lumMod val="75000"/>
+                  <a:lumOff val="25000"/>
+                </a:schemeClr>
+              </a:solidFill>
+              <a:latin typeface="微软雅黑" panose="020B0503020204020204" pitchFamily="34" charset="-122"/>
+              <a:ea typeface="微软雅黑" panose="020B0503020204020204" pitchFamily="34" charset="-122"/>
+            </a:endParaRPr>
+          </a:p>
+          <a:p>
+            <a:pPr marL="0" indent="0">
+              <a:lnSpc>
+                <a:spcPct val="150000"/>
+              </a:lnSpc>
+              <a:buNone/>
+            </a:pPr>
+            <a:r>
+              <a:rPr lang="zh-CN" altLang="en-US" sz="1800" dirty="0" smtClean="0">
+                <a:solidFill>
+                  <a:schemeClr val="tx1">
+                    <a:lumMod val="75000"/>
+                    <a:lumOff val="25000"/>
+                  </a:schemeClr>
+                </a:solidFill>
+                <a:latin typeface="微软雅黑" panose="020B0503020204020204" pitchFamily="34" charset="-122"/>
+                <a:ea typeface="微软雅黑" panose="020B0503020204020204" pitchFamily="34" charset="-122"/>
+              </a:rPr>
+              <a:t>铃铛</a:t>
+            </a:r>
+            <a:r>
+              <a:rPr lang="en-US" altLang="zh-CN" sz="1800" dirty="0" smtClean="0">
+                <a:solidFill>
+                  <a:schemeClr val="tx1">
+                    <a:lumMod val="75000"/>
+                    <a:lumOff val="25000"/>
+                  </a:schemeClr>
+                </a:solidFill>
+                <a:latin typeface="微软雅黑" panose="020B0503020204020204" pitchFamily="34" charset="-122"/>
+                <a:ea typeface="微软雅黑" panose="020B0503020204020204" pitchFamily="34" charset="-122"/>
+              </a:rPr>
+              <a:t>——</a:t>
+            </a:r>
+            <a:r>
+              <a:rPr lang="zh-CN" altLang="en-US" sz="1800" dirty="0" smtClean="0">
+                <a:solidFill>
+                  <a:schemeClr val="tx1">
+                    <a:lumMod val="75000"/>
+                    <a:lumOff val="25000"/>
+                  </a:schemeClr>
+                </a:solidFill>
+                <a:latin typeface="微软雅黑" panose="020B0503020204020204" pitchFamily="34" charset="-122"/>
+                <a:ea typeface="微软雅黑" panose="020B0503020204020204" pitchFamily="34" charset="-122"/>
+              </a:rPr>
+              <a:t>狗民网下属</a:t>
+            </a:r>
+            <a:r>
+              <a:rPr lang="en-US" altLang="zh-CN" sz="1800" dirty="0" smtClean="0">
+                <a:solidFill>
+                  <a:schemeClr val="tx1">
+                    <a:lumMod val="75000"/>
+                    <a:lumOff val="25000"/>
+                  </a:schemeClr>
+                </a:solidFill>
+                <a:latin typeface="微软雅黑" panose="020B0503020204020204" pitchFamily="34" charset="-122"/>
+                <a:ea typeface="微软雅黑" panose="020B0503020204020204" pitchFamily="34" charset="-122"/>
+              </a:rPr>
+              <a:t>App</a:t>
+            </a:r>
+            <a:r>
+              <a:rPr lang="zh-CN" altLang="en-US" sz="1800" dirty="0" smtClean="0">
+                <a:solidFill>
+                  <a:schemeClr val="tx1">
+                    <a:lumMod val="75000"/>
+                    <a:lumOff val="25000"/>
+                  </a:schemeClr>
+                </a:solidFill>
+                <a:latin typeface="微软雅黑" panose="020B0503020204020204" pitchFamily="34" charset="-122"/>
+                <a:ea typeface="微软雅黑" panose="020B0503020204020204" pitchFamily="34" charset="-122"/>
+              </a:rPr>
+              <a:t>，移动社区，微商城</a:t>
+            </a:r>
+            <a:endParaRPr lang="en-US" altLang="zh-CN" sz="1800" dirty="0" smtClean="0">
+              <a:solidFill>
+                <a:schemeClr val="tx1">
+                  <a:lumMod val="75000"/>
+                  <a:lumOff val="25000"/>
+                </a:schemeClr>
+              </a:solidFill>
+              <a:latin typeface="微软雅黑" panose="020B0503020204020204" pitchFamily="34" charset="-122"/>
+              <a:ea typeface="微软雅黑" panose="020B0503020204020204" pitchFamily="34" charset="-122"/>
+            </a:endParaRPr>
+          </a:p>
+          <a:p>
+            <a:pPr marL="0" indent="0">
+              <a:lnSpc>
+                <a:spcPct val="150000"/>
+              </a:lnSpc>
+              <a:buNone/>
+            </a:pPr>
+            <a:r>
+              <a:rPr lang="zh-CN" altLang="en-US" sz="1800" dirty="0" smtClean="0">
+                <a:solidFill>
+                  <a:schemeClr val="tx1">
+                    <a:lumMod val="75000"/>
+                    <a:lumOff val="25000"/>
+                  </a:schemeClr>
+                </a:solidFill>
+                <a:latin typeface="微软雅黑" panose="020B0503020204020204" pitchFamily="34" charset="-122"/>
+                <a:ea typeface="微软雅黑" panose="020B0503020204020204" pitchFamily="34" charset="-122"/>
+              </a:rPr>
+              <a:t>闻闻窝</a:t>
+            </a:r>
+            <a:r>
+              <a:rPr lang="en-US" altLang="zh-CN" sz="1800" dirty="0">
+                <a:solidFill>
+                  <a:schemeClr val="tx1">
+                    <a:lumMod val="75000"/>
+                    <a:lumOff val="25000"/>
+                  </a:schemeClr>
+                </a:solidFill>
+                <a:latin typeface="微软雅黑" panose="020B0503020204020204" pitchFamily="34" charset="-122"/>
+                <a:ea typeface="微软雅黑" panose="020B0503020204020204" pitchFamily="34" charset="-122"/>
+              </a:rPr>
+              <a:t>——App</a:t>
+            </a:r>
+            <a:r>
+              <a:rPr lang="zh-CN" altLang="en-US" sz="1800" dirty="0">
+                <a:solidFill>
+                  <a:schemeClr val="tx1">
+                    <a:lumMod val="75000"/>
+                    <a:lumOff val="25000"/>
+                  </a:schemeClr>
+                </a:solidFill>
+                <a:latin typeface="微软雅黑" panose="020B0503020204020204" pitchFamily="34" charset="-122"/>
+                <a:ea typeface="微软雅黑" panose="020B0503020204020204" pitchFamily="34" charset="-122"/>
+              </a:rPr>
+              <a:t>，移动社区，微商城</a:t>
+            </a:r>
+            <a:endParaRPr lang="en-US" altLang="zh-CN" sz="1800" dirty="0">
+              <a:solidFill>
+                <a:schemeClr val="tx1">
+                  <a:lumMod val="75000"/>
+                  <a:lumOff val="25000"/>
+                </a:schemeClr>
+              </a:solidFill>
+              <a:latin typeface="微软雅黑" panose="020B0503020204020204" pitchFamily="34" charset="-122"/>
+              <a:ea typeface="微软雅黑" panose="020B0503020204020204" pitchFamily="34" charset="-122"/>
+            </a:endParaRPr>
+          </a:p>
+          <a:p>
+            <a:pPr marL="0" indent="0">
+              <a:lnSpc>
+                <a:spcPct val="150000"/>
+              </a:lnSpc>
+              <a:buNone/>
+            </a:pPr>
+            <a:r>
+              <a:rPr lang="zh-CN" altLang="en-US" sz="1800" dirty="0" smtClean="0">
+                <a:solidFill>
+                  <a:schemeClr val="tx1">
+                    <a:lumMod val="75000"/>
+                    <a:lumOff val="25000"/>
+                  </a:schemeClr>
+                </a:solidFill>
+                <a:latin typeface="微软雅黑" panose="020B0503020204020204" pitchFamily="34" charset="-122"/>
+                <a:ea typeface="微软雅黑" panose="020B0503020204020204" pitchFamily="34" charset="-122"/>
+              </a:rPr>
+              <a:t>狗</a:t>
+            </a:r>
+            <a:r>
+              <a:rPr lang="zh-CN" altLang="en-US" sz="1800" dirty="0" smtClean="0">
+                <a:solidFill>
+                  <a:schemeClr val="tx1">
+                    <a:lumMod val="75000"/>
+                    <a:lumOff val="25000"/>
+                  </a:schemeClr>
+                </a:solidFill>
+                <a:latin typeface="微软雅黑" panose="020B0503020204020204" pitchFamily="34" charset="-122"/>
+                <a:ea typeface="微软雅黑" panose="020B0503020204020204" pitchFamily="34" charset="-122"/>
+              </a:rPr>
+              <a:t>迷</a:t>
+            </a:r>
+            <a:r>
+              <a:rPr lang="zh-CN" altLang="en-US" sz="1800" dirty="0" smtClean="0">
+                <a:solidFill>
+                  <a:schemeClr val="tx1">
+                    <a:lumMod val="75000"/>
+                    <a:lumOff val="25000"/>
+                  </a:schemeClr>
+                </a:solidFill>
+                <a:latin typeface="微软雅黑" panose="020B0503020204020204" pitchFamily="34" charset="-122"/>
+                <a:ea typeface="微软雅黑" panose="020B0503020204020204" pitchFamily="34" charset="-122"/>
+              </a:rPr>
+              <a:t>杂志</a:t>
+            </a:r>
+            <a:r>
+              <a:rPr lang="en-US" altLang="zh-CN" sz="1800" dirty="0" smtClean="0">
+                <a:solidFill>
+                  <a:schemeClr val="tx1">
+                    <a:lumMod val="75000"/>
+                    <a:lumOff val="25000"/>
+                  </a:schemeClr>
+                </a:solidFill>
+                <a:latin typeface="微软雅黑" panose="020B0503020204020204" pitchFamily="34" charset="-122"/>
+                <a:ea typeface="微软雅黑" panose="020B0503020204020204" pitchFamily="34" charset="-122"/>
+              </a:rPr>
+              <a:t>——</a:t>
+            </a:r>
+            <a:r>
+              <a:rPr lang="zh-CN" altLang="en-US" sz="1800" dirty="0" smtClean="0">
+                <a:solidFill>
+                  <a:schemeClr val="tx1">
+                    <a:lumMod val="75000"/>
+                    <a:lumOff val="25000"/>
+                  </a:schemeClr>
+                </a:solidFill>
+                <a:latin typeface="微软雅黑" panose="020B0503020204020204" pitchFamily="34" charset="-122"/>
+                <a:ea typeface="微软雅黑" panose="020B0503020204020204" pitchFamily="34" charset="-122"/>
+              </a:rPr>
+              <a:t>国内第一宠物类杂志</a:t>
+            </a:r>
+            <a:endParaRPr lang="en-US" altLang="zh-CN" sz="1800" dirty="0" smtClean="0">
+              <a:solidFill>
+                <a:schemeClr val="tx1">
+                  <a:lumMod val="75000"/>
+                  <a:lumOff val="25000"/>
+                </a:schemeClr>
+              </a:solidFill>
+              <a:latin typeface="微软雅黑" panose="020B0503020204020204" pitchFamily="34" charset="-122"/>
+              <a:ea typeface="微软雅黑" panose="020B0503020204020204" pitchFamily="34" charset="-122"/>
+            </a:endParaRPr>
+          </a:p>
+          <a:p>
+            <a:pPr marL="0" indent="0">
+              <a:lnSpc>
+                <a:spcPct val="150000"/>
+              </a:lnSpc>
+              <a:buNone/>
+            </a:pPr>
+            <a:r>
+              <a:rPr lang="zh-CN" altLang="en-US" sz="1800" dirty="0" smtClean="0">
+                <a:solidFill>
+                  <a:schemeClr val="tx1">
+                    <a:lumMod val="75000"/>
+                    <a:lumOff val="25000"/>
+                  </a:schemeClr>
+                </a:solidFill>
+                <a:latin typeface="微软雅黑" panose="020B0503020204020204" pitchFamily="34" charset="-122"/>
+                <a:ea typeface="微软雅黑" panose="020B0503020204020204" pitchFamily="34" charset="-122"/>
+              </a:rPr>
+              <a:t>尾巴圈</a:t>
+            </a:r>
+            <a:r>
+              <a:rPr lang="en-US" altLang="zh-CN" sz="1800" dirty="0" smtClean="0">
+                <a:solidFill>
+                  <a:schemeClr val="tx1">
+                    <a:lumMod val="75000"/>
+                    <a:lumOff val="25000"/>
+                  </a:schemeClr>
+                </a:solidFill>
+                <a:latin typeface="微软雅黑" panose="020B0503020204020204" pitchFamily="34" charset="-122"/>
+                <a:ea typeface="微软雅黑" panose="020B0503020204020204" pitchFamily="34" charset="-122"/>
+              </a:rPr>
+              <a:t>——</a:t>
+            </a:r>
+            <a:r>
+              <a:rPr lang="en-US" altLang="zh-CN" sz="1800" dirty="0">
+                <a:solidFill>
+                  <a:schemeClr val="tx1">
+                    <a:lumMod val="75000"/>
+                    <a:lumOff val="25000"/>
+                  </a:schemeClr>
+                </a:solidFill>
+                <a:latin typeface="微软雅黑" panose="020B0503020204020204" pitchFamily="34" charset="-122"/>
+                <a:ea typeface="微软雅黑" panose="020B0503020204020204" pitchFamily="34" charset="-122"/>
+              </a:rPr>
+              <a:t>App</a:t>
+            </a:r>
+            <a:r>
+              <a:rPr lang="zh-CN" altLang="en-US" sz="1800" dirty="0">
+                <a:solidFill>
+                  <a:schemeClr val="tx1">
+                    <a:lumMod val="75000"/>
+                    <a:lumOff val="25000"/>
+                  </a:schemeClr>
+                </a:solidFill>
+                <a:latin typeface="微软雅黑" panose="020B0503020204020204" pitchFamily="34" charset="-122"/>
+                <a:ea typeface="微软雅黑" panose="020B0503020204020204" pitchFamily="34" charset="-122"/>
+              </a:rPr>
+              <a:t>，移动社区，微</a:t>
+            </a:r>
+            <a:r>
+              <a:rPr lang="zh-CN" altLang="en-US" sz="1800" dirty="0" smtClean="0">
+                <a:solidFill>
+                  <a:schemeClr val="tx1">
+                    <a:lumMod val="75000"/>
+                    <a:lumOff val="25000"/>
+                  </a:schemeClr>
+                </a:solidFill>
+                <a:latin typeface="微软雅黑" panose="020B0503020204020204" pitchFamily="34" charset="-122"/>
+                <a:ea typeface="微软雅黑" panose="020B0503020204020204" pitchFamily="34" charset="-122"/>
+              </a:rPr>
+              <a:t>商城</a:t>
+            </a:r>
+            <a:endParaRPr lang="en-US" altLang="zh-CN" sz="1800" dirty="0" smtClean="0">
+              <a:solidFill>
+                <a:schemeClr val="tx1">
+                  <a:lumMod val="75000"/>
+                  <a:lumOff val="25000"/>
+                </a:schemeClr>
+              </a:solidFill>
+              <a:latin typeface="微软雅黑" panose="020B0503020204020204" pitchFamily="34" charset="-122"/>
+              <a:ea typeface="微软雅黑" panose="020B0503020204020204" pitchFamily="34" charset="-122"/>
+            </a:endParaRPr>
+          </a:p>
+          <a:p>
+            <a:pPr marL="0" indent="0">
+              <a:lnSpc>
+                <a:spcPct val="150000"/>
+              </a:lnSpc>
+              <a:buNone/>
+            </a:pPr>
+            <a:r>
+              <a:rPr lang="zh-CN" altLang="en-US" sz="1800" dirty="0">
+                <a:solidFill>
+                  <a:schemeClr val="tx1">
+                    <a:lumMod val="75000"/>
+                    <a:lumOff val="25000"/>
+                  </a:schemeClr>
+                </a:solidFill>
+                <a:latin typeface="微软雅黑" panose="020B0503020204020204" pitchFamily="34" charset="-122"/>
+                <a:ea typeface="微软雅黑" panose="020B0503020204020204" pitchFamily="34" charset="-122"/>
+              </a:rPr>
+              <a:t>百</a:t>
+            </a:r>
+            <a:r>
+              <a:rPr lang="zh-CN" altLang="en-US" sz="1800" dirty="0" smtClean="0">
+                <a:solidFill>
+                  <a:schemeClr val="tx1">
+                    <a:lumMod val="75000"/>
+                    <a:lumOff val="25000"/>
+                  </a:schemeClr>
+                </a:solidFill>
+                <a:latin typeface="微软雅黑" panose="020B0503020204020204" pitchFamily="34" charset="-122"/>
+                <a:ea typeface="微软雅黑" panose="020B0503020204020204" pitchFamily="34" charset="-122"/>
+              </a:rPr>
+              <a:t>度贴吧</a:t>
+            </a:r>
+            <a:r>
+              <a:rPr lang="en-US" altLang="zh-CN" sz="1800" dirty="0">
+                <a:solidFill>
+                  <a:schemeClr val="tx1">
+                    <a:lumMod val="75000"/>
+                    <a:lumOff val="25000"/>
+                  </a:schemeClr>
+                </a:solidFill>
+                <a:latin typeface="微软雅黑" panose="020B0503020204020204" pitchFamily="34" charset="-122"/>
+                <a:ea typeface="微软雅黑" panose="020B0503020204020204" pitchFamily="34" charset="-122"/>
+              </a:rPr>
+              <a:t>——</a:t>
+            </a:r>
+            <a:r>
+              <a:rPr lang="zh-CN" altLang="en-US" sz="1800" dirty="0">
+                <a:solidFill>
+                  <a:schemeClr val="tx1">
+                    <a:lumMod val="75000"/>
+                    <a:lumOff val="25000"/>
+                  </a:schemeClr>
+                </a:solidFill>
+                <a:latin typeface="微软雅黑" panose="020B0503020204020204" pitchFamily="34" charset="-122"/>
+                <a:ea typeface="微软雅黑" panose="020B0503020204020204" pitchFamily="34" charset="-122"/>
+              </a:rPr>
+              <a:t>传统</a:t>
+            </a:r>
+            <a:r>
+              <a:rPr lang="en-US" altLang="zh-CN" sz="1800" dirty="0" smtClean="0">
+                <a:solidFill>
+                  <a:schemeClr val="tx1">
+                    <a:lumMod val="75000"/>
+                    <a:lumOff val="25000"/>
+                  </a:schemeClr>
+                </a:solidFill>
+                <a:latin typeface="微软雅黑" panose="020B0503020204020204" pitchFamily="34" charset="-122"/>
+                <a:ea typeface="微软雅黑" panose="020B0503020204020204" pitchFamily="34" charset="-122"/>
+              </a:rPr>
+              <a:t>BBS</a:t>
+            </a:r>
+            <a:r>
+              <a:rPr lang="zh-CN" altLang="en-US" sz="1800" dirty="0" smtClean="0">
+                <a:solidFill>
+                  <a:schemeClr val="tx1">
+                    <a:lumMod val="75000"/>
+                    <a:lumOff val="25000"/>
+                  </a:schemeClr>
+                </a:solidFill>
+                <a:latin typeface="微软雅黑" panose="020B0503020204020204" pitchFamily="34" charset="-122"/>
+                <a:ea typeface="微软雅黑" panose="020B0503020204020204" pitchFamily="34" charset="-122"/>
+              </a:rPr>
+              <a:t>，较分散。</a:t>
+            </a:r>
+            <a:endParaRPr lang="zh-CN" altLang="en-US" sz="1800" dirty="0" smtClean="0">
+              <a:solidFill>
+                <a:schemeClr val="tx1">
+                  <a:lumMod val="75000"/>
+                  <a:lumOff val="25000"/>
+                </a:schemeClr>
+              </a:solidFill>
+              <a:latin typeface="微软雅黑" panose="020B0503020204020204" pitchFamily="34" charset="-122"/>
+              <a:ea typeface="微软雅黑" panose="020B0503020204020204" pitchFamily="34" charset="-122"/>
+            </a:endParaRPr>
+          </a:p>
+        </p:txBody>
+      </p:sp>
+    </p:spTree>
+    <p:extLst>
+      <p:ext uri="{BB962C8B-B14F-4D97-AF65-F5344CB8AC3E}">
+        <p14:creationId xmlns:p14="http://schemas.microsoft.com/office/powerpoint/2010/main" val="1934036027"/>
+      </p:ext>
+    </p:extLst>
+  </p:cSld>
+  <p:clrMapOvr>
+    <a:masterClrMapping/>
+  </p:clrMapOvr>
+  <p:timing>
+    <p:tnLst>
+      <p:par>
+        <p:cTn id="1" dur="indefinite" restart="never" nodeType="tmRoot"/>
+      </p:par>
+    </p:tnLst>
+  </p:timing>
+</p:sld>
+</file>
+
+<file path=ppt/slides/slide12.xml><?xml version="1.0" encoding="utf-8"?>
+<p:sld xmlns:a="http://schemas.openxmlformats.org/drawingml/2006/main" xmlns:r="http://schemas.openxmlformats.org/officeDocument/2006/relationships" xmlns:p="http://schemas.openxmlformats.org/presentationml/2006/main">
+  <p:cSld>
+    <p:bg>
+      <p:bgPr>
+        <a:solidFill>
+          <a:schemeClr val="accent5">
+            <a:lumMod val="75000"/>
+          </a:schemeClr>
+        </a:solidFill>
+        <a:effectLst/>
+      </p:bgPr>
+    </p:bg>
+    <p:spTree>
+      <p:nvGrpSpPr>
+        <p:cNvPr id="1" name=""/>
+        <p:cNvGrpSpPr/>
+        <p:nvPr/>
+      </p:nvGrpSpPr>
+      <p:grpSpPr>
+        <a:xfrm>
+          <a:off x="0" y="0"/>
+          <a:ext cx="0" cy="0"/>
+          <a:chOff x="0" y="0"/>
+          <a:chExt cx="0" cy="0"/>
+        </a:xfrm>
+      </p:grpSpPr>
+      <p:sp>
+        <p:nvSpPr>
+          <p:cNvPr id="5" name="标题 1"/>
+          <p:cNvSpPr txBox="1">
+            <a:spLocks/>
+          </p:cNvSpPr>
+          <p:nvPr/>
+        </p:nvSpPr>
+        <p:spPr>
+          <a:xfrm>
+            <a:off x="300037" y="205470"/>
+            <a:ext cx="7890926" cy="1325563"/>
+          </a:xfrm>
+          <a:prstGeom prst="rect">
+            <a:avLst/>
+          </a:prstGeom>
+          <a:noFill/>
+        </p:spPr>
+        <p:txBody>
+          <a:bodyPr vert="horz" lIns="91440" tIns="45720" rIns="91440" bIns="45720" rtlCol="0" anchor="ctr">
+            <a:normAutofit/>
+          </a:bodyPr>
+          <a:lstStyle>
+            <a:lvl1pPr algn="l" defTabSz="914400" rtl="0" eaLnBrk="1" latinLnBrk="0" hangingPunct="1">
+              <a:lnSpc>
+                <a:spcPct val="90000"/>
+              </a:lnSpc>
+              <a:spcBef>
+                <a:spcPct val="0"/>
+              </a:spcBef>
+              <a:buNone/>
+              <a:defRPr sz="4400" kern="1200">
+                <a:solidFill>
+                  <a:schemeClr val="tx1"/>
+                </a:solidFill>
+                <a:latin typeface="+mj-lt"/>
+                <a:ea typeface="+mj-ea"/>
+                <a:cs typeface="+mj-cs"/>
+              </a:defRPr>
+            </a:lvl1pPr>
+          </a:lstStyle>
+          <a:p>
+            <a:r>
+              <a:rPr lang="zh-CN" altLang="en-US" dirty="0">
+                <a:solidFill>
+                  <a:schemeClr val="bg1">
+                    <a:lumMod val="95000"/>
+                  </a:schemeClr>
+                </a:solidFill>
+                <a:latin typeface="微软雅黑" panose="020B0503020204020204" pitchFamily="34" charset="-122"/>
+                <a:ea typeface="微软雅黑" panose="020B0503020204020204" pitchFamily="34" charset="-122"/>
+              </a:rPr>
               <a:t>愿</a:t>
             </a:r>
             <a:r>
@@ -3428,7 +4851,7 @@
 </p:sld>
 </file>
 
-<file path=ppt/slides/slide11.xml><?xml version="1.0" encoding="utf-8"?>
+<file path=ppt/slides/slide13.xml><?xml version="1.0" encoding="utf-8"?>
 <p:sld xmlns:a="http://schemas.openxmlformats.org/drawingml/2006/main" xmlns:r="http://schemas.openxmlformats.org/officeDocument/2006/relationships" xmlns:p="http://schemas.openxmlformats.org/presentationml/2006/main">
   <p:cSld>
     <p:bg>
@@ -3503,508 +4926,6 @@
     <p:extLst>
       <p:ext uri="{BB962C8B-B14F-4D97-AF65-F5344CB8AC3E}">
         <p14:creationId xmlns:p14="http://schemas.microsoft.com/office/powerpoint/2010/main" val="2714282599"/>
-      </p:ext>
-    </p:extLst>
-  </p:cSld>
-  <p:clrMapOvr>
-    <a:masterClrMapping/>
-  </p:clrMapOvr>
-</p:sld>
-</file>
-
-<file path=ppt/slides/slide12.xml><?xml version="1.0" encoding="utf-8"?>
-<p:sld xmlns:a="http://schemas.openxmlformats.org/drawingml/2006/main" xmlns:r="http://schemas.openxmlformats.org/officeDocument/2006/relationships" xmlns:p="http://schemas.openxmlformats.org/presentationml/2006/main">
-  <p:cSld>
-    <p:spTree>
-      <p:nvGrpSpPr>
-        <p:cNvPr id="1" name=""/>
-        <p:cNvGrpSpPr/>
-        <p:nvPr/>
-      </p:nvGrpSpPr>
-      <p:grpSpPr>
-        <a:xfrm>
-          <a:off x="0" y="0"/>
-          <a:ext cx="0" cy="0"/>
-          <a:chOff x="0" y="0"/>
-          <a:chExt cx="0" cy="0"/>
-        </a:xfrm>
-      </p:grpSpPr>
-      <p:sp>
-        <p:nvSpPr>
-          <p:cNvPr id="5" name="标题 1"/>
-          <p:cNvSpPr txBox="1">
-            <a:spLocks/>
-          </p:cNvSpPr>
-          <p:nvPr/>
-        </p:nvSpPr>
-        <p:spPr>
-          <a:xfrm>
-            <a:off x="300037" y="205470"/>
-            <a:ext cx="7890926" cy="1325563"/>
-          </a:xfrm>
-          <a:prstGeom prst="rect">
-            <a:avLst/>
-          </a:prstGeom>
-          <a:noFill/>
-        </p:spPr>
-        <p:txBody>
-          <a:bodyPr vert="horz" lIns="91440" tIns="45720" rIns="91440" bIns="45720" rtlCol="0" anchor="ctr">
-            <a:normAutofit/>
-          </a:bodyPr>
-          <a:lstStyle>
-            <a:lvl1pPr algn="l" defTabSz="914400" rtl="0" eaLnBrk="1" latinLnBrk="0" hangingPunct="1">
-              <a:lnSpc>
-                <a:spcPct val="90000"/>
-              </a:lnSpc>
-              <a:spcBef>
-                <a:spcPct val="0"/>
-              </a:spcBef>
-              <a:buNone/>
-              <a:defRPr sz="4400" kern="1200">
-                <a:solidFill>
-                  <a:schemeClr val="tx1"/>
-                </a:solidFill>
-                <a:latin typeface="+mj-lt"/>
-                <a:ea typeface="+mj-ea"/>
-                <a:cs typeface="+mj-cs"/>
-              </a:defRPr>
-            </a:lvl1pPr>
-          </a:lstStyle>
-          <a:p>
-            <a:r>
-              <a:rPr lang="zh-CN" altLang="en-US" dirty="0">
-                <a:solidFill>
-                  <a:schemeClr val="accent5"/>
-                </a:solidFill>
-                <a:latin typeface="微软雅黑" panose="020B0503020204020204" pitchFamily="34" charset="-122"/>
-                <a:ea typeface="微软雅黑" panose="020B0503020204020204" pitchFamily="34" charset="-122"/>
-              </a:rPr>
-              <a:t>业务</a:t>
-            </a:r>
-            <a:endParaRPr lang="en-US" altLang="zh-CN" dirty="0" smtClean="0">
-              <a:solidFill>
-                <a:schemeClr val="accent5"/>
-              </a:solidFill>
-              <a:latin typeface="微软雅黑" panose="020B0503020204020204" pitchFamily="34" charset="-122"/>
-              <a:ea typeface="微软雅黑" panose="020B0503020204020204" pitchFamily="34" charset="-122"/>
-            </a:endParaRPr>
-          </a:p>
-          <a:p>
-            <a:r>
-              <a:rPr lang="en-US" altLang="zh-CN" sz="2800" dirty="0">
-                <a:solidFill>
-                  <a:schemeClr val="accent5"/>
-                </a:solidFill>
-                <a:latin typeface="微软雅黑" panose="020B0503020204020204" pitchFamily="34" charset="-122"/>
-                <a:ea typeface="微软雅黑" panose="020B0503020204020204" pitchFamily="34" charset="-122"/>
-              </a:rPr>
-              <a:t>Business</a:t>
-            </a:r>
-            <a:endParaRPr lang="zh-CN" altLang="en-US" sz="2800" dirty="0">
-              <a:solidFill>
-                <a:schemeClr val="accent5"/>
-              </a:solidFill>
-              <a:latin typeface="微软雅黑" panose="020B0503020204020204" pitchFamily="34" charset="-122"/>
-              <a:ea typeface="微软雅黑" panose="020B0503020204020204" pitchFamily="34" charset="-122"/>
-            </a:endParaRPr>
-          </a:p>
-        </p:txBody>
-      </p:sp>
-      <p:sp>
-        <p:nvSpPr>
-          <p:cNvPr id="7" name="副标题 2"/>
-          <p:cNvSpPr txBox="1">
-            <a:spLocks/>
-          </p:cNvSpPr>
-          <p:nvPr/>
-        </p:nvSpPr>
-        <p:spPr>
-          <a:xfrm>
-            <a:off x="300037" y="5563518"/>
-            <a:ext cx="8543925" cy="833364"/>
-          </a:xfrm>
-          <a:prstGeom prst="rect">
-            <a:avLst/>
-          </a:prstGeom>
-          <a:noFill/>
-        </p:spPr>
-        <p:txBody>
-          <a:bodyPr vert="horz" lIns="91440" tIns="45720" rIns="91440" bIns="45720" rtlCol="0">
-            <a:normAutofit/>
-          </a:bodyPr>
-          <a:lstStyle>
-            <a:lvl1pPr marL="228600" indent="-228600" algn="l" defTabSz="914400" rtl="0" eaLnBrk="1" latinLnBrk="0" hangingPunct="1">
-              <a:lnSpc>
-                <a:spcPct val="90000"/>
-              </a:lnSpc>
-              <a:spcBef>
-                <a:spcPts val="1000"/>
-              </a:spcBef>
-              <a:buFont typeface="Arial" panose="020B0604020202020204" pitchFamily="34" charset="0"/>
-              <a:buChar char="•"/>
-              <a:defRPr sz="2800" kern="1200">
-                <a:solidFill>
-                  <a:schemeClr val="tx1"/>
-                </a:solidFill>
-                <a:latin typeface="+mn-lt"/>
-                <a:ea typeface="+mn-ea"/>
-                <a:cs typeface="+mn-cs"/>
-              </a:defRPr>
-            </a:lvl1pPr>
-            <a:lvl2pPr marL="685800" indent="-228600" algn="l" defTabSz="914400" rtl="0" eaLnBrk="1" latinLnBrk="0" hangingPunct="1">
-              <a:lnSpc>
-                <a:spcPct val="90000"/>
-              </a:lnSpc>
-              <a:spcBef>
-                <a:spcPts val="500"/>
-              </a:spcBef>
-              <a:buFont typeface="Arial" panose="020B0604020202020204" pitchFamily="34" charset="0"/>
-              <a:buChar char="•"/>
-              <a:defRPr sz="2400" kern="1200">
-                <a:solidFill>
-                  <a:schemeClr val="tx1"/>
-                </a:solidFill>
-                <a:latin typeface="+mn-lt"/>
-                <a:ea typeface="+mn-ea"/>
-                <a:cs typeface="+mn-cs"/>
-              </a:defRPr>
-            </a:lvl2pPr>
-            <a:lvl3pPr marL="1143000" indent="-228600" algn="l" defTabSz="914400" rtl="0" eaLnBrk="1" latinLnBrk="0" hangingPunct="1">
-              <a:lnSpc>
-                <a:spcPct val="90000"/>
-              </a:lnSpc>
-              <a:spcBef>
-                <a:spcPts val="500"/>
-              </a:spcBef>
-              <a:buFont typeface="Arial" panose="020B0604020202020204" pitchFamily="34" charset="0"/>
-              <a:buChar char="•"/>
-              <a:defRPr sz="2000" kern="1200">
-                <a:solidFill>
-                  <a:schemeClr val="tx1"/>
-                </a:solidFill>
-                <a:latin typeface="+mn-lt"/>
-                <a:ea typeface="+mn-ea"/>
-                <a:cs typeface="+mn-cs"/>
-              </a:defRPr>
-            </a:lvl3pPr>
-            <a:lvl4pPr marL="1600200" indent="-228600" algn="l" defTabSz="914400" rtl="0" eaLnBrk="1" latinLnBrk="0" hangingPunct="1">
-              <a:lnSpc>
-                <a:spcPct val="90000"/>
-              </a:lnSpc>
-              <a:spcBef>
-                <a:spcPts val="500"/>
-              </a:spcBef>
-              <a:buFont typeface="Arial" panose="020B0604020202020204" pitchFamily="34" charset="0"/>
-              <a:buChar char="•"/>
-              <a:defRPr sz="1800" kern="1200">
-                <a:solidFill>
-                  <a:schemeClr val="tx1"/>
-                </a:solidFill>
-                <a:latin typeface="+mn-lt"/>
-                <a:ea typeface="+mn-ea"/>
-                <a:cs typeface="+mn-cs"/>
-              </a:defRPr>
-            </a:lvl4pPr>
-            <a:lvl5pPr marL="2057400" indent="-228600" algn="l" defTabSz="914400" rtl="0" eaLnBrk="1" latinLnBrk="0" hangingPunct="1">
-              <a:lnSpc>
-                <a:spcPct val="90000"/>
-              </a:lnSpc>
-              <a:spcBef>
-                <a:spcPts val="500"/>
-              </a:spcBef>
-              <a:buFont typeface="Arial" panose="020B0604020202020204" pitchFamily="34" charset="0"/>
-              <a:buChar char="•"/>
-              <a:defRPr sz="1800" kern="1200">
-                <a:solidFill>
-                  <a:schemeClr val="tx1"/>
-                </a:solidFill>
-                <a:latin typeface="+mn-lt"/>
-                <a:ea typeface="+mn-ea"/>
-                <a:cs typeface="+mn-cs"/>
-              </a:defRPr>
-            </a:lvl5pPr>
-            <a:lvl6pPr marL="2514600" indent="-228600" algn="l" defTabSz="914400" rtl="0" eaLnBrk="1" latinLnBrk="0" hangingPunct="1">
-              <a:lnSpc>
-                <a:spcPct val="90000"/>
-              </a:lnSpc>
-              <a:spcBef>
-                <a:spcPts val="500"/>
-              </a:spcBef>
-              <a:buFont typeface="Arial" panose="020B0604020202020204" pitchFamily="34" charset="0"/>
-              <a:buChar char="•"/>
-              <a:defRPr sz="1800" kern="1200">
-                <a:solidFill>
-                  <a:schemeClr val="tx1"/>
-                </a:solidFill>
-                <a:latin typeface="+mn-lt"/>
-                <a:ea typeface="+mn-ea"/>
-                <a:cs typeface="+mn-cs"/>
-              </a:defRPr>
-            </a:lvl6pPr>
-            <a:lvl7pPr marL="2971800" indent="-228600" algn="l" defTabSz="914400" rtl="0" eaLnBrk="1" latinLnBrk="0" hangingPunct="1">
-              <a:lnSpc>
-                <a:spcPct val="90000"/>
-              </a:lnSpc>
-              <a:spcBef>
-                <a:spcPts val="500"/>
-              </a:spcBef>
-              <a:buFont typeface="Arial" panose="020B0604020202020204" pitchFamily="34" charset="0"/>
-              <a:buChar char="•"/>
-              <a:defRPr sz="1800" kern="1200">
-                <a:solidFill>
-                  <a:schemeClr val="tx1"/>
-                </a:solidFill>
-                <a:latin typeface="+mn-lt"/>
-                <a:ea typeface="+mn-ea"/>
-                <a:cs typeface="+mn-cs"/>
-              </a:defRPr>
-            </a:lvl7pPr>
-            <a:lvl8pPr marL="3429000" indent="-228600" algn="l" defTabSz="914400" rtl="0" eaLnBrk="1" latinLnBrk="0" hangingPunct="1">
-              <a:lnSpc>
-                <a:spcPct val="90000"/>
-              </a:lnSpc>
-              <a:spcBef>
-                <a:spcPts val="500"/>
-              </a:spcBef>
-              <a:buFont typeface="Arial" panose="020B0604020202020204" pitchFamily="34" charset="0"/>
-              <a:buChar char="•"/>
-              <a:defRPr sz="1800" kern="1200">
-                <a:solidFill>
-                  <a:schemeClr val="tx1"/>
-                </a:solidFill>
-                <a:latin typeface="+mn-lt"/>
-                <a:ea typeface="+mn-ea"/>
-                <a:cs typeface="+mn-cs"/>
-              </a:defRPr>
-            </a:lvl8pPr>
-            <a:lvl9pPr marL="3886200" indent="-228600" algn="l" defTabSz="914400" rtl="0" eaLnBrk="1" latinLnBrk="0" hangingPunct="1">
-              <a:lnSpc>
-                <a:spcPct val="90000"/>
-              </a:lnSpc>
-              <a:spcBef>
-                <a:spcPts val="500"/>
-              </a:spcBef>
-              <a:buFont typeface="Arial" panose="020B0604020202020204" pitchFamily="34" charset="0"/>
-              <a:buChar char="•"/>
-              <a:defRPr sz="1800" kern="1200">
-                <a:solidFill>
-                  <a:schemeClr val="tx1"/>
-                </a:solidFill>
-                <a:latin typeface="+mn-lt"/>
-                <a:ea typeface="+mn-ea"/>
-                <a:cs typeface="+mn-cs"/>
-              </a:defRPr>
-            </a:lvl9pPr>
-          </a:lstStyle>
-          <a:p>
-            <a:pPr marL="0" indent="0">
-              <a:lnSpc>
-                <a:spcPct val="150000"/>
-              </a:lnSpc>
-              <a:buNone/>
-            </a:pPr>
-            <a:r>
-              <a:rPr lang="zh-CN" altLang="en-US" sz="1800" dirty="0" smtClean="0">
-                <a:solidFill>
-                  <a:schemeClr val="tx1">
-                    <a:lumMod val="75000"/>
-                    <a:lumOff val="25000"/>
-                  </a:schemeClr>
-                </a:solidFill>
-                <a:latin typeface="微软雅黑" panose="020B0503020204020204" pitchFamily="34" charset="-122"/>
-                <a:ea typeface="微软雅黑" panose="020B0503020204020204" pitchFamily="34" charset="-122"/>
-              </a:rPr>
-              <a:t>上图是各项业务功能的开发顺序</a:t>
-            </a:r>
-            <a:endParaRPr lang="en-US" altLang="zh-CN" sz="1800" dirty="0" smtClean="0">
-              <a:solidFill>
-                <a:schemeClr val="tx1">
-                  <a:lumMod val="75000"/>
-                  <a:lumOff val="25000"/>
-                </a:schemeClr>
-              </a:solidFill>
-              <a:latin typeface="微软雅黑" panose="020B0503020204020204" pitchFamily="34" charset="-122"/>
-              <a:ea typeface="微软雅黑" panose="020B0503020204020204" pitchFamily="34" charset="-122"/>
-            </a:endParaRPr>
-          </a:p>
-        </p:txBody>
-      </p:sp>
-      <p:pic>
-        <p:nvPicPr>
-          <p:cNvPr id="2" name="图片 1"/>
-          <p:cNvPicPr>
-            <a:picLocks noChangeAspect="1"/>
-          </p:cNvPicPr>
-          <p:nvPr/>
-        </p:nvPicPr>
-        <p:blipFill>
-          <a:blip r:embed="rId2">
-            <a:extLst>
-              <a:ext uri="{28A0092B-C50C-407E-A947-70E740481C1C}">
-                <a14:useLocalDpi xmlns:a14="http://schemas.microsoft.com/office/drawing/2010/main" val="0"/>
-              </a:ext>
-            </a:extLst>
-          </a:blip>
-          <a:stretch>
-            <a:fillRect/>
-          </a:stretch>
-        </p:blipFill>
-        <p:spPr>
-          <a:xfrm>
-            <a:off x="200025" y="1738312"/>
-            <a:ext cx="8743950" cy="3381375"/>
-          </a:xfrm>
-          <a:prstGeom prst="rect">
-            <a:avLst/>
-          </a:prstGeom>
-        </p:spPr>
-      </p:pic>
-    </p:spTree>
-    <p:extLst>
-      <p:ext uri="{BB962C8B-B14F-4D97-AF65-F5344CB8AC3E}">
-        <p14:creationId xmlns:p14="http://schemas.microsoft.com/office/powerpoint/2010/main" val="3496587180"/>
-      </p:ext>
-    </p:extLst>
-  </p:cSld>
-  <p:clrMapOvr>
-    <a:masterClrMapping/>
-  </p:clrMapOvr>
-  <p:timing>
-    <p:tnLst>
-      <p:par>
-        <p:cTn id="1" dur="indefinite" restart="never" nodeType="tmRoot"/>
-      </p:par>
-    </p:tnLst>
-  </p:timing>
-</p:sld>
-</file>
-
-<file path=ppt/slides/slide13.xml><?xml version="1.0" encoding="utf-8"?>
-<p:sld xmlns:a="http://schemas.openxmlformats.org/drawingml/2006/main" xmlns:r="http://schemas.openxmlformats.org/officeDocument/2006/relationships" xmlns:p="http://schemas.openxmlformats.org/presentationml/2006/main">
-  <p:cSld>
-    <p:spTree>
-      <p:nvGrpSpPr>
-        <p:cNvPr id="1" name=""/>
-        <p:cNvGrpSpPr/>
-        <p:nvPr/>
-      </p:nvGrpSpPr>
-      <p:grpSpPr>
-        <a:xfrm>
-          <a:off x="0" y="0"/>
-          <a:ext cx="0" cy="0"/>
-          <a:chOff x="0" y="0"/>
-          <a:chExt cx="0" cy="0"/>
-        </a:xfrm>
-      </p:grpSpPr>
-      <p:sp>
-        <p:nvSpPr>
-          <p:cNvPr id="5" name="标题 1"/>
-          <p:cNvSpPr txBox="1">
-            <a:spLocks/>
-          </p:cNvSpPr>
-          <p:nvPr/>
-        </p:nvSpPr>
-        <p:spPr>
-          <a:xfrm>
-            <a:off x="300037" y="205470"/>
-            <a:ext cx="7890926" cy="1325563"/>
-          </a:xfrm>
-          <a:prstGeom prst="rect">
-            <a:avLst/>
-          </a:prstGeom>
-          <a:noFill/>
-        </p:spPr>
-        <p:txBody>
-          <a:bodyPr vert="horz" lIns="91440" tIns="45720" rIns="91440" bIns="45720" rtlCol="0" anchor="ctr">
-            <a:normAutofit/>
-          </a:bodyPr>
-          <a:lstStyle>
-            <a:lvl1pPr algn="l" defTabSz="914400" rtl="0" eaLnBrk="1" latinLnBrk="0" hangingPunct="1">
-              <a:lnSpc>
-                <a:spcPct val="90000"/>
-              </a:lnSpc>
-              <a:spcBef>
-                <a:spcPct val="0"/>
-              </a:spcBef>
-              <a:buNone/>
-              <a:defRPr sz="4400" kern="1200">
-                <a:solidFill>
-                  <a:schemeClr val="tx1"/>
-                </a:solidFill>
-                <a:latin typeface="+mj-lt"/>
-                <a:ea typeface="+mj-ea"/>
-                <a:cs typeface="+mj-cs"/>
-              </a:defRPr>
-            </a:lvl1pPr>
-          </a:lstStyle>
-          <a:p>
-            <a:r>
-              <a:rPr lang="zh-CN" altLang="en-US" dirty="0" smtClean="0">
-                <a:solidFill>
-                  <a:schemeClr val="accent5"/>
-                </a:solidFill>
-                <a:latin typeface="微软雅黑" panose="020B0503020204020204" pitchFamily="34" charset="-122"/>
-                <a:ea typeface="微软雅黑" panose="020B0503020204020204" pitchFamily="34" charset="-122"/>
-              </a:rPr>
-              <a:t>架构</a:t>
-            </a:r>
-            <a:endParaRPr lang="en-US" altLang="zh-CN" dirty="0" smtClean="0">
-              <a:solidFill>
-                <a:schemeClr val="accent5"/>
-              </a:solidFill>
-              <a:latin typeface="微软雅黑" panose="020B0503020204020204" pitchFamily="34" charset="-122"/>
-              <a:ea typeface="微软雅黑" panose="020B0503020204020204" pitchFamily="34" charset="-122"/>
-            </a:endParaRPr>
-          </a:p>
-          <a:p>
-            <a:r>
-              <a:rPr lang="en-US" altLang="zh-CN" sz="2800" dirty="0" smtClean="0">
-                <a:solidFill>
-                  <a:schemeClr val="accent5"/>
-                </a:solidFill>
-                <a:latin typeface="微软雅黑" panose="020B0503020204020204" pitchFamily="34" charset="-122"/>
-                <a:ea typeface="微软雅黑" panose="020B0503020204020204" pitchFamily="34" charset="-122"/>
-              </a:rPr>
-              <a:t>Architecture</a:t>
-            </a:r>
-            <a:endParaRPr lang="zh-CN" altLang="en-US" sz="2800" dirty="0">
-              <a:solidFill>
-                <a:schemeClr val="accent5"/>
-              </a:solidFill>
-              <a:latin typeface="微软雅黑" panose="020B0503020204020204" pitchFamily="34" charset="-122"/>
-              <a:ea typeface="微软雅黑" panose="020B0503020204020204" pitchFamily="34" charset="-122"/>
-            </a:endParaRPr>
-          </a:p>
-        </p:txBody>
-      </p:sp>
-      <p:pic>
-        <p:nvPicPr>
-          <p:cNvPr id="3" name="图片 2"/>
-          <p:cNvPicPr>
-            <a:picLocks noChangeAspect="1"/>
-          </p:cNvPicPr>
-          <p:nvPr/>
-        </p:nvPicPr>
-        <p:blipFill>
-          <a:blip r:embed="rId2"/>
-          <a:stretch>
-            <a:fillRect/>
-          </a:stretch>
-        </p:blipFill>
-        <p:spPr>
-          <a:xfrm>
-            <a:off x="1133341" y="1427301"/>
-            <a:ext cx="7508384" cy="5089408"/>
-          </a:xfrm>
-          <a:prstGeom prst="rect">
-            <a:avLst/>
-          </a:prstGeom>
-        </p:spPr>
-      </p:pic>
-    </p:spTree>
-    <p:extLst>
-      <p:ext uri="{BB962C8B-B14F-4D97-AF65-F5344CB8AC3E}">
-        <p14:creationId xmlns:p14="http://schemas.microsoft.com/office/powerpoint/2010/main" val="2016231396"/>
       </p:ext>
     </p:extLst>
   </p:cSld>
@@ -4128,14 +5049,14 @@
           <p:nvPr>
             <p:extLst>
               <p:ext uri="{D42A27DB-BD31-4B8C-83A1-F6EECF244321}">
-                <p14:modId xmlns:p14="http://schemas.microsoft.com/office/powerpoint/2010/main" val="481739314"/>
+                <p14:modId xmlns:p14="http://schemas.microsoft.com/office/powerpoint/2010/main" val="3556204913"/>
               </p:ext>
             </p:extLst>
           </p:nvPr>
         </p:nvGraphicFramePr>
         <p:xfrm>
-          <a:off x="3159148" y="119772"/>
-          <a:ext cx="5791670" cy="6583680"/>
+          <a:off x="2888692" y="506138"/>
+          <a:ext cx="5791670" cy="5832000"/>
         </p:xfrm>
         <a:graphic>
           <a:graphicData uri="http://schemas.openxmlformats.org/drawingml/2006/table">
@@ -4149,7 +5070,7 @@
                 <a:gridCol w="1028262"/>
                 <a:gridCol w="2565499"/>
               </a:tblGrid>
-              <a:tr h="302287">
+              <a:tr h="324000">
                 <a:tc>
                   <a:txBody>
                     <a:bodyPr/>
@@ -4176,7 +5097,7 @@
                       </a:endParaRPr>
                     </a:p>
                   </a:txBody>
-                  <a:tcPr anchor="b">
+                  <a:tcPr marL="45720" marR="45720" anchor="b">
                     <a:lnL w="3175" cap="flat" cmpd="sng" algn="ctr">
                       <a:solidFill>
                         <a:schemeClr val="tx1"/>
@@ -4241,7 +5162,7 @@
                       </a:endParaRPr>
                     </a:p>
                   </a:txBody>
-                  <a:tcPr anchor="b">
+                  <a:tcPr marL="45720" marR="45720" anchor="b">
                     <a:lnL w="3175" cap="flat" cmpd="sng" algn="ctr">
                       <a:solidFill>
                         <a:schemeClr val="tx1"/>
@@ -4306,7 +5227,7 @@
                       </a:endParaRPr>
                     </a:p>
                   </a:txBody>
-                  <a:tcPr anchor="b">
+                  <a:tcPr marL="45720" marR="45720" anchor="b">
                     <a:lnL w="3175" cap="flat" cmpd="sng" algn="ctr">
                       <a:solidFill>
                         <a:schemeClr val="tx1"/>
@@ -4371,7 +5292,7 @@
                       </a:endParaRPr>
                     </a:p>
                   </a:txBody>
-                  <a:tcPr anchor="ctr">
+                  <a:tcPr marL="45720" marR="45720" anchor="ctr">
                     <a:lnL w="3175" cap="flat" cmpd="sng" algn="ctr">
                       <a:solidFill>
                         <a:schemeClr val="tx1"/>
@@ -4411,7 +5332,7 @@
                   </a:tcPr>
                 </a:tc>
               </a:tr>
-              <a:tr h="302287">
+              <a:tr h="324000">
                 <a:tc rowSpan="3">
                   <a:txBody>
                     <a:bodyPr/>
@@ -4438,7 +5359,7 @@
                       </a:endParaRPr>
                     </a:p>
                   </a:txBody>
-                  <a:tcPr anchor="ctr">
+                  <a:tcPr marL="45720" marR="45720" anchor="ctr">
                     <a:lnL w="3175" cap="flat" cmpd="sng" algn="ctr">
                       <a:solidFill>
                         <a:schemeClr val="tx1"/>
@@ -4503,7 +5424,7 @@
                       </a:endParaRPr>
                     </a:p>
                   </a:txBody>
-                  <a:tcPr anchor="b">
+                  <a:tcPr marL="45720" marR="45720" anchor="b">
                     <a:lnL w="3175" cap="flat" cmpd="sng" algn="ctr">
                       <a:solidFill>
                         <a:schemeClr val="tx1"/>
@@ -4568,7 +5489,7 @@
                       </a:endParaRPr>
                     </a:p>
                   </a:txBody>
-                  <a:tcPr anchor="b">
+                  <a:tcPr marL="45720" marR="45720" anchor="b">
                     <a:lnL w="3175" cap="flat" cmpd="sng" algn="ctr">
                       <a:solidFill>
                         <a:schemeClr val="tx1"/>
@@ -4618,45 +5539,15 @@
                         </a:lnSpc>
                       </a:pPr>
                       <a:r>
-                        <a:rPr lang="zh-CN" altLang="en-US" sz="1200" u="none" strike="noStrike" dirty="0">
+                        <a:rPr lang="zh-CN" altLang="en-US" sz="1200" b="0" i="0" u="none" strike="noStrike" dirty="0" smtClean="0">
+                          <a:solidFill>
+                            <a:srgbClr val="000000"/>
+                          </a:solidFill>
                           <a:effectLst/>
+                          <a:latin typeface="微软雅黑" panose="020B0503020204020204" pitchFamily="34" charset="-122"/>
+                          <a:ea typeface="微软雅黑" panose="020B0503020204020204" pitchFamily="34" charset="-122"/>
                         </a:rPr>
-                        <a:t>完成</a:t>
-                      </a:r>
-                      <a:r>
-                        <a:rPr lang="en-US" altLang="zh-CN" sz="1200" u="none" strike="noStrike" dirty="0">
-                          <a:effectLst/>
-                        </a:rPr>
-                        <a:t>1</a:t>
-                      </a:r>
-                      <a:r>
-                        <a:rPr lang="zh-CN" altLang="en-US" sz="1200" u="none" strike="noStrike" dirty="0">
-                          <a:effectLst/>
-                        </a:rPr>
-                        <a:t>、</a:t>
-                      </a:r>
-                      <a:r>
-                        <a:rPr lang="en-US" altLang="zh-CN" sz="1200" u="none" strike="noStrike" dirty="0">
-                          <a:effectLst/>
-                        </a:rPr>
-                        <a:t>2</a:t>
-                      </a:r>
-                      <a:r>
-                        <a:rPr lang="zh-CN" altLang="en-US" sz="1200" u="none" strike="noStrike" dirty="0">
-                          <a:effectLst/>
-                        </a:rPr>
-                        <a:t>两项业务功能</a:t>
-                      </a:r>
-                      <a:br>
-                        <a:rPr lang="zh-CN" altLang="en-US" sz="1200" u="none" strike="noStrike" dirty="0">
-                          <a:effectLst/>
-                        </a:rPr>
-                      </a:br>
-                      <a:r>
-                        <a:rPr lang="zh-CN" altLang="en-US" sz="1200" u="none" strike="noStrike" dirty="0">
-                          <a:effectLst/>
-                        </a:rPr>
-                        <a:t>网站开始上线测试</a:t>
+                        <a:t>完成基础的核心功能开发。</a:t>
                       </a:r>
                       <a:endParaRPr lang="zh-CN" altLang="en-US" sz="1200" b="0" i="0" u="none" strike="noStrike" dirty="0">
                         <a:solidFill>
@@ -4668,7 +5559,7 @@
                       </a:endParaRPr>
                     </a:p>
                   </a:txBody>
-                  <a:tcPr anchor="ctr">
+                  <a:tcPr marL="45720" marR="45720" anchor="ctr">
                     <a:lnL w="3175" cap="flat" cmpd="sng" algn="ctr">
                       <a:solidFill>
                         <a:schemeClr val="tx1"/>
@@ -4708,7 +5599,7 @@
                   </a:tcPr>
                 </a:tc>
               </a:tr>
-              <a:tr h="302287">
+              <a:tr h="324000">
                 <a:tc vMerge="1">
                   <a:txBody>
                     <a:bodyPr/>
@@ -4745,7 +5636,7 @@
                       </a:endParaRPr>
                     </a:p>
                   </a:txBody>
-                  <a:tcPr anchor="b">
+                  <a:tcPr marL="45720" marR="45720" anchor="b">
                     <a:lnL w="3175" cap="flat" cmpd="sng" algn="ctr">
                       <a:solidFill>
                         <a:schemeClr val="tx1"/>
@@ -4810,7 +5701,7 @@
                       </a:endParaRPr>
                     </a:p>
                   </a:txBody>
-                  <a:tcPr anchor="b">
+                  <a:tcPr marL="45720" marR="45720" anchor="b">
                     <a:lnL w="3175" cap="flat" cmpd="sng" algn="ctr">
                       <a:solidFill>
                         <a:schemeClr val="tx1"/>
@@ -4860,7 +5751,7 @@
                   <a:tcPr/>
                 </a:tc>
               </a:tr>
-              <a:tr h="302287">
+              <a:tr h="324000">
                 <a:tc vMerge="1">
                   <a:txBody>
                     <a:bodyPr/>
@@ -4897,7 +5788,7 @@
                       </a:endParaRPr>
                     </a:p>
                   </a:txBody>
-                  <a:tcPr anchor="b">
+                  <a:tcPr marL="45720" marR="45720" anchor="b">
                     <a:lnL w="3175" cap="flat" cmpd="sng" algn="ctr">
                       <a:solidFill>
                         <a:schemeClr val="tx1"/>
@@ -4962,7 +5853,7 @@
                       </a:endParaRPr>
                     </a:p>
                   </a:txBody>
-                  <a:tcPr anchor="b">
+                  <a:tcPr marL="45720" marR="45720" anchor="b">
                     <a:lnL w="3175" cap="flat" cmpd="sng" algn="ctr">
                       <a:solidFill>
                         <a:schemeClr val="tx1"/>
@@ -5012,7 +5903,7 @@
                   <a:tcPr/>
                 </a:tc>
               </a:tr>
-              <a:tr h="302287">
+              <a:tr h="324000">
                 <a:tc rowSpan="6">
                   <a:txBody>
                     <a:bodyPr/>
@@ -5039,7 +5930,7 @@
                       </a:endParaRPr>
                     </a:p>
                   </a:txBody>
-                  <a:tcPr anchor="ctr">
+                  <a:tcPr marL="45720" marR="45720" anchor="ctr">
                     <a:lnL w="3175" cap="flat" cmpd="sng" algn="ctr">
                       <a:solidFill>
                         <a:schemeClr val="tx1"/>
@@ -5104,7 +5995,7 @@
                       </a:endParaRPr>
                     </a:p>
                   </a:txBody>
-                  <a:tcPr anchor="b">
+                  <a:tcPr marL="45720" marR="45720" anchor="b">
                     <a:lnL w="3175" cap="flat" cmpd="sng" algn="ctr">
                       <a:solidFill>
                         <a:schemeClr val="tx1"/>
@@ -5169,7 +6060,7 @@
                       </a:endParaRPr>
                     </a:p>
                   </a:txBody>
-                  <a:tcPr anchor="b">
+                  <a:tcPr marL="45720" marR="45720" anchor="b">
                     <a:lnL w="3175" cap="flat" cmpd="sng" algn="ctr">
                       <a:solidFill>
                         <a:schemeClr val="tx1"/>
@@ -5219,56 +6110,93 @@
                         </a:lnSpc>
                       </a:pPr>
                       <a:r>
-                        <a:rPr lang="zh-CN" altLang="en-US" sz="1200" u="none" strike="noStrike" dirty="0">
+                        <a:rPr lang="zh-CN" altLang="en-US" sz="1200" b="0" i="0" u="none" strike="noStrike" dirty="0" smtClean="0">
+                          <a:solidFill>
+                            <a:srgbClr val="000000"/>
+                          </a:solidFill>
                           <a:effectLst/>
+                          <a:latin typeface="微软雅黑" panose="020B0503020204020204" pitchFamily="34" charset="-122"/>
+                          <a:ea typeface="微软雅黑" panose="020B0503020204020204" pitchFamily="34" charset="-122"/>
                         </a:rPr>
-                        <a:t>完成</a:t>
+                        <a:t>完成分布式硬件架构</a:t>
                       </a:r>
+                      <a:endParaRPr lang="en-US" altLang="zh-CN" sz="1200" b="0" i="0" u="none" strike="noStrike" dirty="0" smtClean="0">
+                        <a:solidFill>
+                          <a:srgbClr val="000000"/>
+                        </a:solidFill>
+                        <a:effectLst/>
+                        <a:latin typeface="微软雅黑" panose="020B0503020204020204" pitchFamily="34" charset="-122"/>
+                        <a:ea typeface="微软雅黑" panose="020B0503020204020204" pitchFamily="34" charset="-122"/>
+                      </a:endParaRPr>
+                    </a:p>
+                    <a:p>
+                      <a:pPr algn="l" fontAlgn="ctr">
+                        <a:lnSpc>
+                          <a:spcPct val="150000"/>
+                        </a:lnSpc>
+                      </a:pPr>
                       <a:r>
-                        <a:rPr lang="en-US" altLang="zh-CN" sz="1200" u="none" strike="noStrike" dirty="0">
+                        <a:rPr lang="zh-CN" altLang="en-US" sz="1200" b="0" i="0" u="none" strike="noStrike" dirty="0" smtClean="0">
+                          <a:solidFill>
+                            <a:srgbClr val="000000"/>
+                          </a:solidFill>
                           <a:effectLst/>
+                          <a:latin typeface="微软雅黑" panose="020B0503020204020204" pitchFamily="34" charset="-122"/>
+                          <a:ea typeface="微软雅黑" panose="020B0503020204020204" pitchFamily="34" charset="-122"/>
                         </a:rPr>
-                        <a:t>3</a:t>
+                        <a:t>完整业务逻辑</a:t>
                       </a:r>
+                      <a:endParaRPr lang="en-US" altLang="zh-CN" sz="1200" b="0" i="0" u="none" strike="noStrike" dirty="0" smtClean="0">
+                        <a:solidFill>
+                          <a:srgbClr val="000000"/>
+                        </a:solidFill>
+                        <a:effectLst/>
+                        <a:latin typeface="微软雅黑" panose="020B0503020204020204" pitchFamily="34" charset="-122"/>
+                        <a:ea typeface="微软雅黑" panose="020B0503020204020204" pitchFamily="34" charset="-122"/>
+                      </a:endParaRPr>
+                    </a:p>
+                    <a:p>
+                      <a:pPr algn="l" fontAlgn="ctr">
+                        <a:lnSpc>
+                          <a:spcPct val="150000"/>
+                        </a:lnSpc>
+                      </a:pPr>
                       <a:r>
-                        <a:rPr lang="zh-CN" altLang="en-US" sz="1200" u="none" strike="noStrike" dirty="0">
+                        <a:rPr lang="zh-CN" altLang="en-US" sz="1200" b="0" i="0" u="none" strike="noStrike" dirty="0" smtClean="0">
+                          <a:solidFill>
+                            <a:srgbClr val="000000"/>
+                          </a:solidFill>
                           <a:effectLst/>
+                          <a:latin typeface="微软雅黑" panose="020B0503020204020204" pitchFamily="34" charset="-122"/>
+                          <a:ea typeface="微软雅黑" panose="020B0503020204020204" pitchFamily="34" charset="-122"/>
                         </a:rPr>
-                        <a:t>、</a:t>
+                        <a:t>新功能开发</a:t>
                       </a:r>
+                      <a:endParaRPr lang="en-US" altLang="zh-CN" sz="1200" b="0" i="0" u="none" strike="noStrike" dirty="0" smtClean="0">
+                        <a:solidFill>
+                          <a:srgbClr val="000000"/>
+                        </a:solidFill>
+                        <a:effectLst/>
+                        <a:latin typeface="微软雅黑" panose="020B0503020204020204" pitchFamily="34" charset="-122"/>
+                        <a:ea typeface="微软雅黑" panose="020B0503020204020204" pitchFamily="34" charset="-122"/>
+                      </a:endParaRPr>
+                    </a:p>
+                    <a:p>
+                      <a:pPr algn="l" fontAlgn="ctr">
+                        <a:lnSpc>
+                          <a:spcPct val="150000"/>
+                        </a:lnSpc>
+                      </a:pPr>
                       <a:r>
-                        <a:rPr lang="en-US" altLang="zh-CN" sz="1200" u="none" strike="noStrike" dirty="0">
+                        <a:rPr lang="zh-CN" altLang="en-US" sz="1200" b="0" i="0" u="none" strike="noStrike" dirty="0" smtClean="0">
+                          <a:solidFill>
+                            <a:srgbClr val="000000"/>
+                          </a:solidFill>
                           <a:effectLst/>
+                          <a:latin typeface="微软雅黑" panose="020B0503020204020204" pitchFamily="34" charset="-122"/>
+                          <a:ea typeface="微软雅黑" panose="020B0503020204020204" pitchFamily="34" charset="-122"/>
                         </a:rPr>
-                        <a:t>4</a:t>
-                      </a:r>
-                      <a:r>
-                        <a:rPr lang="zh-CN" altLang="en-US" sz="1200" u="none" strike="noStrike" dirty="0">
-                          <a:effectLst/>
-                        </a:rPr>
-                        <a:t>两项业务功能</a:t>
-                      </a:r>
-                      <a:br>
-                        <a:rPr lang="zh-CN" altLang="en-US" sz="1200" u="none" strike="noStrike" dirty="0">
-                          <a:effectLst/>
-                        </a:rPr>
-                      </a:br>
-                      <a:r>
-                        <a:rPr lang="zh-CN" altLang="en-US" sz="1200" u="none" strike="noStrike" dirty="0">
-                          <a:effectLst/>
-                        </a:rPr>
-                        <a:t>扩展架构</a:t>
-                      </a:r>
-                      <a:br>
-                        <a:rPr lang="zh-CN" altLang="en-US" sz="1200" u="none" strike="noStrike" dirty="0">
-                          <a:effectLst/>
-                        </a:rPr>
-                      </a:br>
-                      <a:r>
-                        <a:rPr lang="zh-CN" altLang="en-US" sz="1200" u="none" strike="noStrike" dirty="0">
-                          <a:effectLst/>
-                        </a:rPr>
-                        <a:t>丰富网站内容</a:t>
+                        <a:t>网站上线</a:t>
                       </a:r>
                       <a:endParaRPr lang="zh-CN" altLang="en-US" sz="1200" b="0" i="0" u="none" strike="noStrike" dirty="0">
                         <a:solidFill>
@@ -5280,7 +6208,7 @@
                       </a:endParaRPr>
                     </a:p>
                   </a:txBody>
-                  <a:tcPr anchor="ctr">
+                  <a:tcPr marL="45720" marR="45720" anchor="ctr">
                     <a:lnL w="3175" cap="flat" cmpd="sng" algn="ctr">
                       <a:solidFill>
                         <a:schemeClr val="tx1"/>
@@ -5320,7 +6248,7 @@
                   </a:tcPr>
                 </a:tc>
               </a:tr>
-              <a:tr h="302287">
+              <a:tr h="324000">
                 <a:tc vMerge="1">
                   <a:txBody>
                     <a:bodyPr/>
@@ -5357,7 +6285,7 @@
                       </a:endParaRPr>
                     </a:p>
                   </a:txBody>
-                  <a:tcPr anchor="b">
+                  <a:tcPr marL="45720" marR="45720" anchor="b">
                     <a:lnL w="3175" cap="flat" cmpd="sng" algn="ctr">
                       <a:solidFill>
                         <a:schemeClr val="tx1"/>
@@ -5422,7 +6350,7 @@
                       </a:endParaRPr>
                     </a:p>
                   </a:txBody>
-                  <a:tcPr anchor="b">
+                  <a:tcPr marL="45720" marR="45720" anchor="b">
                     <a:lnL w="3175" cap="flat" cmpd="sng" algn="ctr">
                       <a:solidFill>
                         <a:schemeClr val="tx1"/>
@@ -5472,7 +6400,7 @@
                   <a:tcPr/>
                 </a:tc>
               </a:tr>
-              <a:tr h="302287">
+              <a:tr h="324000">
                 <a:tc vMerge="1">
                   <a:txBody>
                     <a:bodyPr/>
@@ -5509,7 +6437,7 @@
                       </a:endParaRPr>
                     </a:p>
                   </a:txBody>
-                  <a:tcPr anchor="b">
+                  <a:tcPr marL="45720" marR="45720" anchor="b">
                     <a:lnL w="3175" cap="flat" cmpd="sng" algn="ctr">
                       <a:solidFill>
                         <a:schemeClr val="tx1"/>
@@ -5574,7 +6502,7 @@
                       </a:endParaRPr>
                     </a:p>
                   </a:txBody>
-                  <a:tcPr anchor="b">
+                  <a:tcPr marL="45720" marR="45720" anchor="b">
                     <a:lnL w="3175" cap="flat" cmpd="sng" algn="ctr">
                       <a:solidFill>
                         <a:schemeClr val="tx1"/>
@@ -5624,7 +6552,7 @@
                   <a:tcPr/>
                 </a:tc>
               </a:tr>
-              <a:tr h="302287">
+              <a:tr h="324000">
                 <a:tc vMerge="1">
                   <a:txBody>
                     <a:bodyPr/>
@@ -5661,7 +6589,7 @@
                       </a:endParaRPr>
                     </a:p>
                   </a:txBody>
-                  <a:tcPr anchor="b">
+                  <a:tcPr marL="45720" marR="45720" anchor="b">
                     <a:lnL w="3175" cap="flat" cmpd="sng" algn="ctr">
                       <a:solidFill>
                         <a:schemeClr val="tx1"/>
@@ -5726,7 +6654,7 @@
                       </a:endParaRPr>
                     </a:p>
                   </a:txBody>
-                  <a:tcPr anchor="b">
+                  <a:tcPr marL="45720" marR="45720" anchor="b">
                     <a:lnL w="3175" cap="flat" cmpd="sng" algn="ctr">
                       <a:solidFill>
                         <a:schemeClr val="tx1"/>
@@ -5776,7 +6704,7 @@
                   <a:tcPr/>
                 </a:tc>
               </a:tr>
-              <a:tr h="302287">
+              <a:tr h="324000">
                 <a:tc vMerge="1">
                   <a:txBody>
                     <a:bodyPr/>
@@ -5813,7 +6741,7 @@
                       </a:endParaRPr>
                     </a:p>
                   </a:txBody>
-                  <a:tcPr anchor="b">
+                  <a:tcPr marL="45720" marR="45720" anchor="b">
                     <a:lnL w="3175" cap="flat" cmpd="sng" algn="ctr">
                       <a:solidFill>
                         <a:schemeClr val="tx1"/>
@@ -5863,12 +6791,12 @@
                         </a:lnSpc>
                       </a:pPr>
                       <a:r>
-                        <a:rPr lang="en-US" altLang="zh-CN" sz="1200" u="none" strike="noStrike">
+                        <a:rPr lang="en-US" altLang="zh-CN" sz="1200" u="none" strike="noStrike" dirty="0">
                           <a:effectLst/>
                         </a:rPr>
                         <a:t>1</a:t>
                       </a:r>
-                      <a:endParaRPr lang="en-US" altLang="zh-CN" sz="1200" b="0" i="0" u="none" strike="noStrike">
+                      <a:endParaRPr lang="en-US" altLang="zh-CN" sz="1200" b="0" i="0" u="none" strike="noStrike" dirty="0">
                         <a:solidFill>
                           <a:srgbClr val="000000"/>
                         </a:solidFill>
@@ -5878,7 +6806,7 @@
                       </a:endParaRPr>
                     </a:p>
                   </a:txBody>
-                  <a:tcPr anchor="b">
+                  <a:tcPr marL="45720" marR="45720" anchor="b">
                     <a:lnL w="3175" cap="flat" cmpd="sng" algn="ctr">
                       <a:solidFill>
                         <a:schemeClr val="tx1"/>
@@ -5928,7 +6856,7 @@
                   <a:tcPr/>
                 </a:tc>
               </a:tr>
-              <a:tr h="302287">
+              <a:tr h="324000">
                 <a:tc vMerge="1">
                   <a:txBody>
                     <a:bodyPr/>
@@ -5965,7 +6893,7 @@
                       </a:endParaRPr>
                     </a:p>
                   </a:txBody>
-                  <a:tcPr anchor="b">
+                  <a:tcPr marL="45720" marR="45720" anchor="b">
                     <a:lnL w="3175" cap="flat" cmpd="sng" algn="ctr">
                       <a:solidFill>
                         <a:schemeClr val="tx1"/>
@@ -6030,7 +6958,7 @@
                       </a:endParaRPr>
                     </a:p>
                   </a:txBody>
-                  <a:tcPr anchor="b">
+                  <a:tcPr marL="45720" marR="45720" anchor="b">
                     <a:lnL w="3175" cap="flat" cmpd="sng" algn="ctr">
                       <a:solidFill>
                         <a:schemeClr val="tx1"/>
@@ -6080,7 +7008,7 @@
                   <a:tcPr/>
                 </a:tc>
               </a:tr>
-              <a:tr h="302287">
+              <a:tr h="324000">
                 <a:tc rowSpan="8">
                   <a:txBody>
                     <a:bodyPr/>
@@ -6107,7 +7035,7 @@
                       </a:endParaRPr>
                     </a:p>
                   </a:txBody>
-                  <a:tcPr anchor="ctr">
+                  <a:tcPr marL="45720" marR="45720" anchor="ctr">
                     <a:lnL w="3175" cap="flat" cmpd="sng" algn="ctr">
                       <a:solidFill>
                         <a:schemeClr val="tx1"/>
@@ -6172,7 +7100,7 @@
                       </a:endParaRPr>
                     </a:p>
                   </a:txBody>
-                  <a:tcPr anchor="b">
+                  <a:tcPr marL="45720" marR="45720" anchor="b">
                     <a:lnL w="3175" cap="flat" cmpd="sng" algn="ctr">
                       <a:solidFill>
                         <a:schemeClr val="tx1"/>
@@ -6237,7 +7165,7 @@
                       </a:endParaRPr>
                     </a:p>
                   </a:txBody>
-                  <a:tcPr anchor="b">
+                  <a:tcPr marL="45720" marR="45720" anchor="b">
                     <a:lnL w="3175" cap="flat" cmpd="sng" algn="ctr">
                       <a:solidFill>
                         <a:schemeClr val="tx1"/>
@@ -6287,38 +7215,16 @@
                         </a:lnSpc>
                       </a:pPr>
                       <a:r>
-                        <a:rPr lang="zh-CN" altLang="en-US" sz="1200" u="none" strike="noStrike" dirty="0">
+                        <a:rPr lang="zh-CN" altLang="en-US" sz="1200" b="0" i="0" u="none" strike="noStrike" dirty="0" smtClean="0">
+                          <a:solidFill>
+                            <a:srgbClr val="000000"/>
+                          </a:solidFill>
                           <a:effectLst/>
+                          <a:latin typeface="微软雅黑" panose="020B0503020204020204" pitchFamily="34" charset="-122"/>
+                          <a:ea typeface="微软雅黑" panose="020B0503020204020204" pitchFamily="34" charset="-122"/>
                         </a:rPr>
-                        <a:t>完成其余业务功能</a:t>
+                        <a:t>网站后续的开发、运维</a:t>
                       </a:r>
-                      <a:br>
-                        <a:rPr lang="zh-CN" altLang="en-US" sz="1200" u="none" strike="noStrike" dirty="0">
-                          <a:effectLst/>
-                        </a:rPr>
-                      </a:br>
-                      <a:r>
-                        <a:rPr lang="zh-CN" altLang="en-US" sz="1200" u="none" strike="noStrike" dirty="0">
-                          <a:effectLst/>
-                        </a:rPr>
-                        <a:t>扩展架构</a:t>
-                      </a:r>
-                      <a:br>
-                        <a:rPr lang="zh-CN" altLang="en-US" sz="1200" u="none" strike="noStrike" dirty="0">
-                          <a:effectLst/>
-                        </a:rPr>
-                      </a:br>
-                      <a:r>
-                        <a:rPr lang="zh-CN" altLang="en-US" sz="1200" u="none" strike="noStrike" dirty="0">
-                          <a:effectLst/>
-                        </a:rPr>
-                        <a:t>丰富网站内容</a:t>
-                      </a:r>
-                      <a:br>
-                        <a:rPr lang="zh-CN" altLang="en-US" sz="1200" u="none" strike="noStrike" dirty="0">
-                          <a:effectLst/>
-                        </a:rPr>
-                      </a:br>
                       <a:endParaRPr lang="zh-CN" altLang="en-US" sz="1200" b="0" i="0" u="none" strike="noStrike" dirty="0">
                         <a:solidFill>
                           <a:srgbClr val="000000"/>
@@ -6329,7 +7235,7 @@
                       </a:endParaRPr>
                     </a:p>
                   </a:txBody>
-                  <a:tcPr anchor="ctr">
+                  <a:tcPr marL="45720" marR="45720" anchor="ctr">
                     <a:lnL w="3175" cap="flat" cmpd="sng" algn="ctr">
                       <a:solidFill>
                         <a:schemeClr val="tx1"/>
@@ -6369,7 +7275,7 @@
                   </a:tcPr>
                 </a:tc>
               </a:tr>
-              <a:tr h="302287">
+              <a:tr h="324000">
                 <a:tc vMerge="1">
                   <a:txBody>
                     <a:bodyPr/>
@@ -6406,7 +7312,7 @@
                       </a:endParaRPr>
                     </a:p>
                   </a:txBody>
-                  <a:tcPr anchor="b">
+                  <a:tcPr marL="45720" marR="45720" anchor="b">
                     <a:lnL w="3175" cap="flat" cmpd="sng" algn="ctr">
                       <a:solidFill>
                         <a:schemeClr val="tx1"/>
@@ -6471,7 +7377,7 @@
                       </a:endParaRPr>
                     </a:p>
                   </a:txBody>
-                  <a:tcPr anchor="b">
+                  <a:tcPr marL="45720" marR="45720" anchor="b">
                     <a:lnL w="3175" cap="flat" cmpd="sng" algn="ctr">
                       <a:solidFill>
                         <a:schemeClr val="tx1"/>
@@ -6521,7 +7427,7 @@
                   <a:tcPr/>
                 </a:tc>
               </a:tr>
-              <a:tr h="302287">
+              <a:tr h="324000">
                 <a:tc vMerge="1">
                   <a:txBody>
                     <a:bodyPr/>
@@ -6558,7 +7464,7 @@
                       </a:endParaRPr>
                     </a:p>
                   </a:txBody>
-                  <a:tcPr anchor="b">
+                  <a:tcPr marL="45720" marR="45720" anchor="b">
                     <a:lnL w="3175" cap="flat" cmpd="sng" algn="ctr">
                       <a:solidFill>
                         <a:schemeClr val="tx1"/>
@@ -6623,7 +7529,7 @@
                       </a:endParaRPr>
                     </a:p>
                   </a:txBody>
-                  <a:tcPr anchor="b">
+                  <a:tcPr marL="45720" marR="45720" anchor="b">
                     <a:lnL w="3175" cap="flat" cmpd="sng" algn="ctr">
                       <a:solidFill>
                         <a:schemeClr val="tx1"/>
@@ -6673,7 +7579,7 @@
                   <a:tcPr/>
                 </a:tc>
               </a:tr>
-              <a:tr h="302287">
+              <a:tr h="324000">
                 <a:tc vMerge="1">
                   <a:txBody>
                     <a:bodyPr/>
@@ -6710,7 +7616,7 @@
                       </a:endParaRPr>
                     </a:p>
                   </a:txBody>
-                  <a:tcPr anchor="b">
+                  <a:tcPr marL="45720" marR="45720" anchor="b">
                     <a:lnL w="3175" cap="flat" cmpd="sng" algn="ctr">
                       <a:solidFill>
                         <a:schemeClr val="tx1"/>
@@ -6775,7 +7681,7 @@
                       </a:endParaRPr>
                     </a:p>
                   </a:txBody>
-                  <a:tcPr anchor="b">
+                  <a:tcPr marL="45720" marR="45720" anchor="b">
                     <a:lnL w="3175" cap="flat" cmpd="sng" algn="ctr">
                       <a:solidFill>
                         <a:schemeClr val="tx1"/>
@@ -6825,7 +7731,7 @@
                   <a:tcPr/>
                 </a:tc>
               </a:tr>
-              <a:tr h="302287">
+              <a:tr h="324000">
                 <a:tc vMerge="1">
                   <a:txBody>
                     <a:bodyPr/>
@@ -6862,7 +7768,7 @@
                       </a:endParaRPr>
                     </a:p>
                   </a:txBody>
-                  <a:tcPr anchor="b">
+                  <a:tcPr marL="45720" marR="45720" anchor="b">
                     <a:lnL w="3175" cap="flat" cmpd="sng" algn="ctr">
                       <a:solidFill>
                         <a:schemeClr val="tx1"/>
@@ -6927,7 +7833,7 @@
                       </a:endParaRPr>
                     </a:p>
                   </a:txBody>
-                  <a:tcPr anchor="b">
+                  <a:tcPr marL="45720" marR="45720" anchor="b">
                     <a:lnL w="3175" cap="flat" cmpd="sng" algn="ctr">
                       <a:solidFill>
                         <a:schemeClr val="tx1"/>
@@ -6977,7 +7883,7 @@
                   <a:tcPr/>
                 </a:tc>
               </a:tr>
-              <a:tr h="302287">
+              <a:tr h="324000">
                 <a:tc vMerge="1">
                   <a:txBody>
                     <a:bodyPr/>
@@ -7014,7 +7920,7 @@
                       </a:endParaRPr>
                     </a:p>
                   </a:txBody>
-                  <a:tcPr anchor="b">
+                  <a:tcPr marL="45720" marR="45720" anchor="b">
                     <a:lnL w="3175" cap="flat" cmpd="sng" algn="ctr">
                       <a:solidFill>
                         <a:schemeClr val="tx1"/>
@@ -7064,12 +7970,17 @@
                         </a:lnSpc>
                       </a:pPr>
                       <a:r>
-                        <a:rPr lang="en-US" altLang="zh-CN" sz="1200" u="none" strike="noStrike">
+                        <a:rPr lang="en-US" altLang="zh-CN" sz="1200" b="0" i="0" u="none" strike="noStrike" dirty="0" smtClean="0">
+                          <a:solidFill>
+                            <a:schemeClr val="dk1"/>
+                          </a:solidFill>
                           <a:effectLst/>
+                          <a:latin typeface="+mn-lt"/>
+                          <a:ea typeface="+mn-ea"/>
                         </a:rPr>
-                        <a:t>2</a:t>
+                        <a:t>4</a:t>
                       </a:r>
-                      <a:endParaRPr lang="en-US" altLang="zh-CN" sz="1200" b="0" i="0" u="none" strike="noStrike">
+                      <a:endParaRPr lang="en-US" altLang="zh-CN" sz="1200" b="0" i="0" u="none" strike="noStrike" dirty="0">
                         <a:solidFill>
                           <a:srgbClr val="000000"/>
                         </a:solidFill>
@@ -7079,7 +7990,7 @@
                       </a:endParaRPr>
                     </a:p>
                   </a:txBody>
-                  <a:tcPr anchor="b">
+                  <a:tcPr marL="45720" marR="45720" anchor="b">
                     <a:lnL w="3175" cap="flat" cmpd="sng" algn="ctr">
                       <a:solidFill>
                         <a:schemeClr val="tx1"/>
@@ -7129,7 +8040,7 @@
                   <a:tcPr/>
                 </a:tc>
               </a:tr>
-              <a:tr h="302287">
+              <a:tr h="324000">
                 <a:tc vMerge="1">
                   <a:txBody>
                     <a:bodyPr/>
@@ -7166,7 +8077,7 @@
                       </a:endParaRPr>
                     </a:p>
                   </a:txBody>
-                  <a:tcPr anchor="b">
+                  <a:tcPr marL="45720" marR="45720" anchor="b">
                     <a:lnL w="3175" cap="flat" cmpd="sng" algn="ctr">
                       <a:solidFill>
                         <a:schemeClr val="tx1"/>
@@ -7231,7 +8142,7 @@
                       </a:endParaRPr>
                     </a:p>
                   </a:txBody>
-                  <a:tcPr anchor="b">
+                  <a:tcPr marL="45720" marR="45720" anchor="b">
                     <a:lnL w="3175" cap="flat" cmpd="sng" algn="ctr">
                       <a:solidFill>
                         <a:schemeClr val="tx1"/>
@@ -7281,7 +8192,7 @@
                   <a:tcPr/>
                 </a:tc>
               </a:tr>
-              <a:tr h="302287">
+              <a:tr h="324000">
                 <a:tc vMerge="1">
                   <a:txBody>
                     <a:bodyPr/>
@@ -7318,7 +8229,7 @@
                       </a:endParaRPr>
                     </a:p>
                   </a:txBody>
-                  <a:tcPr anchor="b">
+                  <a:tcPr marL="45720" marR="45720" anchor="b">
                     <a:lnL w="3175" cap="flat" cmpd="sng" algn="ctr">
                       <a:solidFill>
                         <a:schemeClr val="tx1"/>
@@ -7383,7 +8294,7 @@
                       </a:endParaRPr>
                     </a:p>
                   </a:txBody>
-                  <a:tcPr anchor="b">
+                  <a:tcPr marL="45720" marR="45720" anchor="b">
                     <a:lnL w="3175" cap="flat" cmpd="sng" algn="ctr">
                       <a:solidFill>
                         <a:schemeClr val="tx1"/>
@@ -7460,6 +8371,438 @@
 <file path=ppt/slides/slide15.xml><?xml version="1.0" encoding="utf-8"?>
 <p:sld xmlns:a="http://schemas.openxmlformats.org/drawingml/2006/main" xmlns:r="http://schemas.openxmlformats.org/officeDocument/2006/relationships" xmlns:p="http://schemas.openxmlformats.org/presentationml/2006/main">
   <p:cSld>
+    <p:spTree>
+      <p:nvGrpSpPr>
+        <p:cNvPr id="1" name=""/>
+        <p:cNvGrpSpPr/>
+        <p:nvPr/>
+      </p:nvGrpSpPr>
+      <p:grpSpPr>
+        <a:xfrm>
+          <a:off x="0" y="0"/>
+          <a:ext cx="0" cy="0"/>
+          <a:chOff x="0" y="0"/>
+          <a:chExt cx="0" cy="0"/>
+        </a:xfrm>
+      </p:grpSpPr>
+      <p:sp>
+        <p:nvSpPr>
+          <p:cNvPr id="5" name="标题 1"/>
+          <p:cNvSpPr txBox="1">
+            <a:spLocks/>
+          </p:cNvSpPr>
+          <p:nvPr/>
+        </p:nvSpPr>
+        <p:spPr>
+          <a:xfrm>
+            <a:off x="300037" y="205470"/>
+            <a:ext cx="7890926" cy="1325563"/>
+          </a:xfrm>
+          <a:prstGeom prst="rect">
+            <a:avLst/>
+          </a:prstGeom>
+          <a:noFill/>
+        </p:spPr>
+        <p:txBody>
+          <a:bodyPr vert="horz" lIns="91440" tIns="45720" rIns="91440" bIns="45720" rtlCol="0" anchor="ctr">
+            <a:normAutofit/>
+          </a:bodyPr>
+          <a:lstStyle>
+            <a:lvl1pPr algn="l" defTabSz="914400" rtl="0" eaLnBrk="1" latinLnBrk="0" hangingPunct="1">
+              <a:lnSpc>
+                <a:spcPct val="90000"/>
+              </a:lnSpc>
+              <a:spcBef>
+                <a:spcPct val="0"/>
+              </a:spcBef>
+              <a:buNone/>
+              <a:defRPr sz="4400" kern="1200">
+                <a:solidFill>
+                  <a:schemeClr val="tx1"/>
+                </a:solidFill>
+                <a:latin typeface="+mj-lt"/>
+                <a:ea typeface="+mj-ea"/>
+                <a:cs typeface="+mj-cs"/>
+              </a:defRPr>
+            </a:lvl1pPr>
+          </a:lstStyle>
+          <a:p>
+            <a:r>
+              <a:rPr lang="zh-CN" altLang="en-US" dirty="0" smtClean="0">
+                <a:solidFill>
+                  <a:schemeClr val="accent5"/>
+                </a:solidFill>
+                <a:latin typeface="微软雅黑" panose="020B0503020204020204" pitchFamily="34" charset="-122"/>
+                <a:ea typeface="微软雅黑" panose="020B0503020204020204" pitchFamily="34" charset="-122"/>
+              </a:rPr>
+              <a:t>架构</a:t>
+            </a:r>
+            <a:endParaRPr lang="en-US" altLang="zh-CN" dirty="0" smtClean="0">
+              <a:solidFill>
+                <a:schemeClr val="accent5"/>
+              </a:solidFill>
+              <a:latin typeface="微软雅黑" panose="020B0503020204020204" pitchFamily="34" charset="-122"/>
+              <a:ea typeface="微软雅黑" panose="020B0503020204020204" pitchFamily="34" charset="-122"/>
+            </a:endParaRPr>
+          </a:p>
+          <a:p>
+            <a:r>
+              <a:rPr lang="en-US" altLang="zh-CN" sz="2800" dirty="0" smtClean="0">
+                <a:solidFill>
+                  <a:schemeClr val="accent5"/>
+                </a:solidFill>
+                <a:latin typeface="微软雅黑" panose="020B0503020204020204" pitchFamily="34" charset="-122"/>
+                <a:ea typeface="微软雅黑" panose="020B0503020204020204" pitchFamily="34" charset="-122"/>
+              </a:rPr>
+              <a:t>Architecture</a:t>
+            </a:r>
+            <a:endParaRPr lang="zh-CN" altLang="en-US" sz="2800" dirty="0">
+              <a:solidFill>
+                <a:schemeClr val="accent5"/>
+              </a:solidFill>
+              <a:latin typeface="微软雅黑" panose="020B0503020204020204" pitchFamily="34" charset="-122"/>
+              <a:ea typeface="微软雅黑" panose="020B0503020204020204" pitchFamily="34" charset="-122"/>
+            </a:endParaRPr>
+          </a:p>
+        </p:txBody>
+      </p:sp>
+      <p:pic>
+        <p:nvPicPr>
+          <p:cNvPr id="3" name="图片 2"/>
+          <p:cNvPicPr>
+            <a:picLocks noChangeAspect="1"/>
+          </p:cNvPicPr>
+          <p:nvPr/>
+        </p:nvPicPr>
+        <p:blipFill>
+          <a:blip r:embed="rId2"/>
+          <a:stretch>
+            <a:fillRect/>
+          </a:stretch>
+        </p:blipFill>
+        <p:spPr>
+          <a:xfrm>
+            <a:off x="1133341" y="1427301"/>
+            <a:ext cx="7508384" cy="5089408"/>
+          </a:xfrm>
+          <a:prstGeom prst="rect">
+            <a:avLst/>
+          </a:prstGeom>
+        </p:spPr>
+      </p:pic>
+    </p:spTree>
+    <p:extLst>
+      <p:ext uri="{BB962C8B-B14F-4D97-AF65-F5344CB8AC3E}">
+        <p14:creationId xmlns:p14="http://schemas.microsoft.com/office/powerpoint/2010/main" val="2016231396"/>
+      </p:ext>
+    </p:extLst>
+  </p:cSld>
+  <p:clrMapOvr>
+    <a:masterClrMapping/>
+  </p:clrMapOvr>
+  <p:timing>
+    <p:tnLst>
+      <p:par>
+        <p:cTn id="1" dur="indefinite" restart="never" nodeType="tmRoot"/>
+      </p:par>
+    </p:tnLst>
+  </p:timing>
+</p:sld>
+</file>
+
+<file path=ppt/slides/slide16.xml><?xml version="1.0" encoding="utf-8"?>
+<p:sld xmlns:a="http://schemas.openxmlformats.org/drawingml/2006/main" xmlns:r="http://schemas.openxmlformats.org/officeDocument/2006/relationships" xmlns:p="http://schemas.openxmlformats.org/presentationml/2006/main">
+  <p:cSld>
+    <p:spTree>
+      <p:nvGrpSpPr>
+        <p:cNvPr id="1" name=""/>
+        <p:cNvGrpSpPr/>
+        <p:nvPr/>
+      </p:nvGrpSpPr>
+      <p:grpSpPr>
+        <a:xfrm>
+          <a:off x="0" y="0"/>
+          <a:ext cx="0" cy="0"/>
+          <a:chOff x="0" y="0"/>
+          <a:chExt cx="0" cy="0"/>
+        </a:xfrm>
+      </p:grpSpPr>
+      <p:sp>
+        <p:nvSpPr>
+          <p:cNvPr id="5" name="标题 1"/>
+          <p:cNvSpPr txBox="1">
+            <a:spLocks/>
+          </p:cNvSpPr>
+          <p:nvPr/>
+        </p:nvSpPr>
+        <p:spPr>
+          <a:xfrm>
+            <a:off x="300037" y="205470"/>
+            <a:ext cx="7890926" cy="1325563"/>
+          </a:xfrm>
+          <a:prstGeom prst="rect">
+            <a:avLst/>
+          </a:prstGeom>
+          <a:noFill/>
+        </p:spPr>
+        <p:txBody>
+          <a:bodyPr vert="horz" lIns="91440" tIns="45720" rIns="91440" bIns="45720" rtlCol="0" anchor="ctr">
+            <a:normAutofit/>
+          </a:bodyPr>
+          <a:lstStyle>
+            <a:lvl1pPr algn="l" defTabSz="914400" rtl="0" eaLnBrk="1" latinLnBrk="0" hangingPunct="1">
+              <a:lnSpc>
+                <a:spcPct val="90000"/>
+              </a:lnSpc>
+              <a:spcBef>
+                <a:spcPct val="0"/>
+              </a:spcBef>
+              <a:buNone/>
+              <a:defRPr sz="4400" kern="1200">
+                <a:solidFill>
+                  <a:schemeClr val="tx1"/>
+                </a:solidFill>
+                <a:latin typeface="+mj-lt"/>
+                <a:ea typeface="+mj-ea"/>
+                <a:cs typeface="+mj-cs"/>
+              </a:defRPr>
+            </a:lvl1pPr>
+          </a:lstStyle>
+          <a:p>
+            <a:r>
+              <a:rPr lang="zh-CN" altLang="en-US" dirty="0" smtClean="0">
+                <a:solidFill>
+                  <a:schemeClr val="accent5"/>
+                </a:solidFill>
+                <a:latin typeface="微软雅黑" panose="020B0503020204020204" pitchFamily="34" charset="-122"/>
+                <a:ea typeface="微软雅黑" panose="020B0503020204020204" pitchFamily="34" charset="-122"/>
+              </a:rPr>
+              <a:t>产品的不同维度</a:t>
+            </a:r>
+            <a:endParaRPr lang="en-US" altLang="zh-CN" dirty="0" smtClean="0">
+              <a:solidFill>
+                <a:schemeClr val="accent5"/>
+              </a:solidFill>
+              <a:latin typeface="微软雅黑" panose="020B0503020204020204" pitchFamily="34" charset="-122"/>
+              <a:ea typeface="微软雅黑" panose="020B0503020204020204" pitchFamily="34" charset="-122"/>
+            </a:endParaRPr>
+          </a:p>
+          <a:p>
+            <a:r>
+              <a:rPr lang="en-US" altLang="zh-CN" sz="2800" dirty="0" smtClean="0">
+                <a:solidFill>
+                  <a:schemeClr val="accent5"/>
+                </a:solidFill>
+                <a:latin typeface="微软雅黑" panose="020B0503020204020204" pitchFamily="34" charset="-122"/>
+                <a:ea typeface="微软雅黑" panose="020B0503020204020204" pitchFamily="34" charset="-122"/>
+              </a:rPr>
+              <a:t>Trinity</a:t>
+            </a:r>
+            <a:endParaRPr lang="zh-CN" altLang="en-US" sz="2800" dirty="0">
+              <a:solidFill>
+                <a:schemeClr val="accent5"/>
+              </a:solidFill>
+              <a:latin typeface="微软雅黑" panose="020B0503020204020204" pitchFamily="34" charset="-122"/>
+              <a:ea typeface="微软雅黑" panose="020B0503020204020204" pitchFamily="34" charset="-122"/>
+            </a:endParaRPr>
+          </a:p>
+        </p:txBody>
+      </p:sp>
+      <p:pic>
+        <p:nvPicPr>
+          <p:cNvPr id="2" name="图片 1"/>
+          <p:cNvPicPr>
+            <a:picLocks noChangeAspect="1"/>
+          </p:cNvPicPr>
+          <p:nvPr/>
+        </p:nvPicPr>
+        <p:blipFill>
+          <a:blip r:embed="rId2"/>
+          <a:stretch>
+            <a:fillRect/>
+          </a:stretch>
+        </p:blipFill>
+        <p:spPr>
+          <a:xfrm>
+            <a:off x="515937" y="1531033"/>
+            <a:ext cx="7906739" cy="5171214"/>
+          </a:xfrm>
+          <a:prstGeom prst="rect">
+            <a:avLst/>
+          </a:prstGeom>
+        </p:spPr>
+      </p:pic>
+    </p:spTree>
+    <p:extLst>
+      <p:ext uri="{BB962C8B-B14F-4D97-AF65-F5344CB8AC3E}">
+        <p14:creationId xmlns:p14="http://schemas.microsoft.com/office/powerpoint/2010/main" val="4227453013"/>
+      </p:ext>
+    </p:extLst>
+  </p:cSld>
+  <p:clrMapOvr>
+    <a:masterClrMapping/>
+  </p:clrMapOvr>
+  <p:timing>
+    <p:tnLst>
+      <p:par>
+        <p:cTn id="1" dur="indefinite" restart="never" nodeType="tmRoot"/>
+      </p:par>
+    </p:tnLst>
+  </p:timing>
+</p:sld>
+</file>
+
+<file path=ppt/slides/slide17.xml><?xml version="1.0" encoding="utf-8"?>
+<p:sld xmlns:a="http://schemas.openxmlformats.org/drawingml/2006/main" xmlns:r="http://schemas.openxmlformats.org/officeDocument/2006/relationships" xmlns:p="http://schemas.openxmlformats.org/presentationml/2006/main">
+  <p:cSld>
+    <p:spTree>
+      <p:nvGrpSpPr>
+        <p:cNvPr id="1" name=""/>
+        <p:cNvGrpSpPr/>
+        <p:nvPr/>
+      </p:nvGrpSpPr>
+      <p:grpSpPr>
+        <a:xfrm>
+          <a:off x="0" y="0"/>
+          <a:ext cx="0" cy="0"/>
+          <a:chOff x="0" y="0"/>
+          <a:chExt cx="0" cy="0"/>
+        </a:xfrm>
+      </p:grpSpPr>
+      <p:sp>
+        <p:nvSpPr>
+          <p:cNvPr id="5" name="标题 1"/>
+          <p:cNvSpPr txBox="1">
+            <a:spLocks/>
+          </p:cNvSpPr>
+          <p:nvPr/>
+        </p:nvSpPr>
+        <p:spPr>
+          <a:xfrm>
+            <a:off x="300037" y="205470"/>
+            <a:ext cx="7890926" cy="1325563"/>
+          </a:xfrm>
+          <a:prstGeom prst="rect">
+            <a:avLst/>
+          </a:prstGeom>
+          <a:noFill/>
+        </p:spPr>
+        <p:txBody>
+          <a:bodyPr vert="horz" lIns="91440" tIns="45720" rIns="91440" bIns="45720" rtlCol="0" anchor="ctr">
+            <a:normAutofit/>
+          </a:bodyPr>
+          <a:lstStyle>
+            <a:lvl1pPr algn="l" defTabSz="914400" rtl="0" eaLnBrk="1" latinLnBrk="0" hangingPunct="1">
+              <a:lnSpc>
+                <a:spcPct val="90000"/>
+              </a:lnSpc>
+              <a:spcBef>
+                <a:spcPct val="0"/>
+              </a:spcBef>
+              <a:buNone/>
+              <a:defRPr sz="4400" kern="1200">
+                <a:solidFill>
+                  <a:schemeClr val="tx1"/>
+                </a:solidFill>
+                <a:latin typeface="+mj-lt"/>
+                <a:ea typeface="+mj-ea"/>
+                <a:cs typeface="+mj-cs"/>
+              </a:defRPr>
+            </a:lvl1pPr>
+          </a:lstStyle>
+          <a:p>
+            <a:r>
+              <a:rPr lang="zh-CN" altLang="en-US" dirty="0" smtClean="0">
+                <a:solidFill>
+                  <a:schemeClr val="accent5"/>
+                </a:solidFill>
+                <a:latin typeface="微软雅黑" panose="020B0503020204020204" pitchFamily="34" charset="-122"/>
+                <a:ea typeface="微软雅黑" panose="020B0503020204020204" pitchFamily="34" charset="-122"/>
+              </a:rPr>
+              <a:t>盈利点</a:t>
+            </a:r>
+            <a:endParaRPr lang="en-US" altLang="zh-CN" dirty="0" smtClean="0">
+              <a:solidFill>
+                <a:schemeClr val="accent5"/>
+              </a:solidFill>
+              <a:latin typeface="微软雅黑" panose="020B0503020204020204" pitchFamily="34" charset="-122"/>
+              <a:ea typeface="微软雅黑" panose="020B0503020204020204" pitchFamily="34" charset="-122"/>
+            </a:endParaRPr>
+          </a:p>
+          <a:p>
+            <a:r>
+              <a:rPr lang="en-US" altLang="zh-CN" sz="2800" dirty="0" smtClean="0">
+                <a:solidFill>
+                  <a:schemeClr val="accent5"/>
+                </a:solidFill>
+                <a:latin typeface="微软雅黑" panose="020B0503020204020204" pitchFamily="34" charset="-122"/>
+                <a:ea typeface="微软雅黑" panose="020B0503020204020204" pitchFamily="34" charset="-122"/>
+              </a:rPr>
+              <a:t>Profit Point</a:t>
+            </a:r>
+            <a:endParaRPr lang="zh-CN" altLang="en-US" sz="2800" dirty="0">
+              <a:solidFill>
+                <a:schemeClr val="accent5"/>
+              </a:solidFill>
+              <a:latin typeface="微软雅黑" panose="020B0503020204020204" pitchFamily="34" charset="-122"/>
+              <a:ea typeface="微软雅黑" panose="020B0503020204020204" pitchFamily="34" charset="-122"/>
+            </a:endParaRPr>
+          </a:p>
+        </p:txBody>
+      </p:sp>
+      <p:pic>
+        <p:nvPicPr>
+          <p:cNvPr id="6" name="图片 5"/>
+          <p:cNvPicPr>
+            <a:picLocks noChangeAspect="1"/>
+          </p:cNvPicPr>
+          <p:nvPr/>
+        </p:nvPicPr>
+        <p:blipFill>
+          <a:blip r:embed="rId2">
+            <a:extLst>
+              <a:ext uri="{28A0092B-C50C-407E-A947-70E740481C1C}">
+                <a14:useLocalDpi xmlns:a14="http://schemas.microsoft.com/office/drawing/2010/main" val="0"/>
+              </a:ext>
+            </a:extLst>
+          </a:blip>
+          <a:stretch>
+            <a:fillRect/>
+          </a:stretch>
+        </p:blipFill>
+        <p:spPr>
+          <a:xfrm>
+            <a:off x="300037" y="2013632"/>
+            <a:ext cx="8503967" cy="3460067"/>
+          </a:xfrm>
+          <a:prstGeom prst="rect">
+            <a:avLst/>
+          </a:prstGeom>
+        </p:spPr>
+      </p:pic>
+    </p:spTree>
+    <p:extLst>
+      <p:ext uri="{BB962C8B-B14F-4D97-AF65-F5344CB8AC3E}">
+        <p14:creationId xmlns:p14="http://schemas.microsoft.com/office/powerpoint/2010/main" val="3356137468"/>
+      </p:ext>
+    </p:extLst>
+  </p:cSld>
+  <p:clrMapOvr>
+    <a:masterClrMapping/>
+  </p:clrMapOvr>
+  <p:timing>
+    <p:tnLst>
+      <p:par>
+        <p:cTn id="1" dur="indefinite" restart="never" nodeType="tmRoot"/>
+      </p:par>
+    </p:tnLst>
+  </p:timing>
+</p:sld>
+</file>
+
+<file path=ppt/slides/slide18.xml><?xml version="1.0" encoding="utf-8"?>
+<p:sld xmlns:a="http://schemas.openxmlformats.org/drawingml/2006/main" xmlns:r="http://schemas.openxmlformats.org/officeDocument/2006/relationships" xmlns:p="http://schemas.openxmlformats.org/presentationml/2006/main">
+  <p:cSld>
     <p:bg>
       <p:bgPr>
         <a:solidFill>
@@ -7486,23 +8829,45 @@
       </p:grpSpPr>
       <p:sp>
         <p:nvSpPr>
-          <p:cNvPr id="2" name="标题 1"/>
-          <p:cNvSpPr>
-            <a:spLocks noGrp="1"/>
+          <p:cNvPr id="5" name="标题 1"/>
+          <p:cNvSpPr txBox="1">
+            <a:spLocks/>
           </p:cNvSpPr>
-          <p:nvPr>
-            <p:ph type="title"/>
-          </p:nvPr>
+          <p:nvPr/>
         </p:nvSpPr>
         <p:spPr>
           <a:xfrm>
-            <a:off x="606616" y="2282061"/>
-            <a:ext cx="7886700" cy="1325563"/>
+            <a:off x="300037" y="205470"/>
+            <a:ext cx="7890926" cy="1325563"/>
           </a:xfrm>
+          <a:prstGeom prst="rect">
+            <a:avLst/>
+          </a:prstGeom>
+          <a:noFill/>
         </p:spPr>
         <p:txBody>
-          <a:bodyPr/>
-          <a:lstStyle/>
+          <a:bodyPr vert="horz" lIns="91440" tIns="45720" rIns="91440" bIns="45720" rtlCol="0" anchor="ctr">
+            <a:normAutofit/>
+          </a:bodyPr>
+          <a:lstStyle>
+            <a:lvl1pPr algn="l" defTabSz="914400" rtl="0" eaLnBrk="1" latinLnBrk="0" hangingPunct="1">
+              <a:lnSpc>
+                <a:spcPct val="90000"/>
+              </a:lnSpc>
+              <a:spcBef>
+                <a:spcPct val="0"/>
+              </a:spcBef>
+              <a:buNone/>
+              <a:defRPr sz="4400" kern="1200">
+                <a:solidFill>
+                  <a:schemeClr val="tx1"/>
+                </a:solidFill>
+                <a:latin typeface="+mj-lt"/>
+                <a:ea typeface="+mj-ea"/>
+                <a:cs typeface="+mj-cs"/>
+              </a:defRPr>
+            </a:lvl1pPr>
+          </a:lstStyle>
           <a:p>
             <a:r>
               <a:rPr lang="zh-CN" altLang="en-US" dirty="0" smtClean="0">
@@ -7514,9 +8879,9 @@
                 <a:latin typeface="微软雅黑" panose="020B0503020204020204" pitchFamily="34" charset="-122"/>
                 <a:ea typeface="微软雅黑" panose="020B0503020204020204" pitchFamily="34" charset="-122"/>
               </a:rPr>
-              <a:t>财务计划</a:t>
-            </a:r>
-            <a:endParaRPr lang="zh-CN" altLang="en-US" dirty="0">
+              <a:t>关键点</a:t>
+            </a:r>
+            <a:endParaRPr lang="en-US" altLang="zh-CN" dirty="0" smtClean="0">
               <a:solidFill>
                 <a:schemeClr val="bg1">
                   <a:lumMod val="95000"/>
@@ -7526,18 +8891,395 @@
               <a:ea typeface="微软雅黑" panose="020B0503020204020204" pitchFamily="34" charset="-122"/>
             </a:endParaRPr>
           </a:p>
+          <a:p>
+            <a:r>
+              <a:rPr lang="en-US" altLang="zh-CN" sz="2800" dirty="0" smtClean="0">
+                <a:solidFill>
+                  <a:schemeClr val="bg1">
+                    <a:lumMod val="95000"/>
+                  </a:schemeClr>
+                </a:solidFill>
+                <a:latin typeface="微软雅黑" panose="020B0503020204020204" pitchFamily="34" charset="-122"/>
+                <a:ea typeface="微软雅黑" panose="020B0503020204020204" pitchFamily="34" charset="-122"/>
+              </a:rPr>
+              <a:t>Key Point</a:t>
+            </a:r>
+            <a:endParaRPr lang="zh-CN" altLang="en-US" sz="2800" dirty="0">
+              <a:solidFill>
+                <a:schemeClr val="bg1">
+                  <a:lumMod val="95000"/>
+                </a:schemeClr>
+              </a:solidFill>
+              <a:latin typeface="微软雅黑" panose="020B0503020204020204" pitchFamily="34" charset="-122"/>
+              <a:ea typeface="微软雅黑" panose="020B0503020204020204" pitchFamily="34" charset="-122"/>
+            </a:endParaRPr>
+          </a:p>
+        </p:txBody>
+      </p:sp>
+      <p:sp>
+        <p:nvSpPr>
+          <p:cNvPr id="7" name="副标题 2"/>
+          <p:cNvSpPr txBox="1">
+            <a:spLocks/>
+          </p:cNvSpPr>
+          <p:nvPr/>
+        </p:nvSpPr>
+        <p:spPr>
+          <a:xfrm>
+            <a:off x="798490" y="2382592"/>
+            <a:ext cx="7521263" cy="3980108"/>
+          </a:xfrm>
+          <a:prstGeom prst="rect">
+            <a:avLst/>
+          </a:prstGeom>
+          <a:noFill/>
+        </p:spPr>
+        <p:txBody>
+          <a:bodyPr vert="horz" lIns="91440" tIns="45720" rIns="91440" bIns="45720" rtlCol="0">
+            <a:normAutofit/>
+          </a:bodyPr>
+          <a:lstStyle>
+            <a:lvl1pPr marL="228600" indent="-228600" algn="l" defTabSz="914400" rtl="0" eaLnBrk="1" latinLnBrk="0" hangingPunct="1">
+              <a:lnSpc>
+                <a:spcPct val="90000"/>
+              </a:lnSpc>
+              <a:spcBef>
+                <a:spcPts val="1000"/>
+              </a:spcBef>
+              <a:buFont typeface="Arial" panose="020B0604020202020204" pitchFamily="34" charset="0"/>
+              <a:buChar char="•"/>
+              <a:defRPr sz="2800" kern="1200">
+                <a:solidFill>
+                  <a:schemeClr val="tx1"/>
+                </a:solidFill>
+                <a:latin typeface="+mn-lt"/>
+                <a:ea typeface="+mn-ea"/>
+                <a:cs typeface="+mn-cs"/>
+              </a:defRPr>
+            </a:lvl1pPr>
+            <a:lvl2pPr marL="685800" indent="-228600" algn="l" defTabSz="914400" rtl="0" eaLnBrk="1" latinLnBrk="0" hangingPunct="1">
+              <a:lnSpc>
+                <a:spcPct val="90000"/>
+              </a:lnSpc>
+              <a:spcBef>
+                <a:spcPts val="500"/>
+              </a:spcBef>
+              <a:buFont typeface="Arial" panose="020B0604020202020204" pitchFamily="34" charset="0"/>
+              <a:buChar char="•"/>
+              <a:defRPr sz="2400" kern="1200">
+                <a:solidFill>
+                  <a:schemeClr val="tx1"/>
+                </a:solidFill>
+                <a:latin typeface="+mn-lt"/>
+                <a:ea typeface="+mn-ea"/>
+                <a:cs typeface="+mn-cs"/>
+              </a:defRPr>
+            </a:lvl2pPr>
+            <a:lvl3pPr marL="1143000" indent="-228600" algn="l" defTabSz="914400" rtl="0" eaLnBrk="1" latinLnBrk="0" hangingPunct="1">
+              <a:lnSpc>
+                <a:spcPct val="90000"/>
+              </a:lnSpc>
+              <a:spcBef>
+                <a:spcPts val="500"/>
+              </a:spcBef>
+              <a:buFont typeface="Arial" panose="020B0604020202020204" pitchFamily="34" charset="0"/>
+              <a:buChar char="•"/>
+              <a:defRPr sz="2000" kern="1200">
+                <a:solidFill>
+                  <a:schemeClr val="tx1"/>
+                </a:solidFill>
+                <a:latin typeface="+mn-lt"/>
+                <a:ea typeface="+mn-ea"/>
+                <a:cs typeface="+mn-cs"/>
+              </a:defRPr>
+            </a:lvl3pPr>
+            <a:lvl4pPr marL="1600200" indent="-228600" algn="l" defTabSz="914400" rtl="0" eaLnBrk="1" latinLnBrk="0" hangingPunct="1">
+              <a:lnSpc>
+                <a:spcPct val="90000"/>
+              </a:lnSpc>
+              <a:spcBef>
+                <a:spcPts val="500"/>
+              </a:spcBef>
+              <a:buFont typeface="Arial" panose="020B0604020202020204" pitchFamily="34" charset="0"/>
+              <a:buChar char="•"/>
+              <a:defRPr sz="1800" kern="1200">
+                <a:solidFill>
+                  <a:schemeClr val="tx1"/>
+                </a:solidFill>
+                <a:latin typeface="+mn-lt"/>
+                <a:ea typeface="+mn-ea"/>
+                <a:cs typeface="+mn-cs"/>
+              </a:defRPr>
+            </a:lvl4pPr>
+            <a:lvl5pPr marL="2057400" indent="-228600" algn="l" defTabSz="914400" rtl="0" eaLnBrk="1" latinLnBrk="0" hangingPunct="1">
+              <a:lnSpc>
+                <a:spcPct val="90000"/>
+              </a:lnSpc>
+              <a:spcBef>
+                <a:spcPts val="500"/>
+              </a:spcBef>
+              <a:buFont typeface="Arial" panose="020B0604020202020204" pitchFamily="34" charset="0"/>
+              <a:buChar char="•"/>
+              <a:defRPr sz="1800" kern="1200">
+                <a:solidFill>
+                  <a:schemeClr val="tx1"/>
+                </a:solidFill>
+                <a:latin typeface="+mn-lt"/>
+                <a:ea typeface="+mn-ea"/>
+                <a:cs typeface="+mn-cs"/>
+              </a:defRPr>
+            </a:lvl5pPr>
+            <a:lvl6pPr marL="2514600" indent="-228600" algn="l" defTabSz="914400" rtl="0" eaLnBrk="1" latinLnBrk="0" hangingPunct="1">
+              <a:lnSpc>
+                <a:spcPct val="90000"/>
+              </a:lnSpc>
+              <a:spcBef>
+                <a:spcPts val="500"/>
+              </a:spcBef>
+              <a:buFont typeface="Arial" panose="020B0604020202020204" pitchFamily="34" charset="0"/>
+              <a:buChar char="•"/>
+              <a:defRPr sz="1800" kern="1200">
+                <a:solidFill>
+                  <a:schemeClr val="tx1"/>
+                </a:solidFill>
+                <a:latin typeface="+mn-lt"/>
+                <a:ea typeface="+mn-ea"/>
+                <a:cs typeface="+mn-cs"/>
+              </a:defRPr>
+            </a:lvl6pPr>
+            <a:lvl7pPr marL="2971800" indent="-228600" algn="l" defTabSz="914400" rtl="0" eaLnBrk="1" latinLnBrk="0" hangingPunct="1">
+              <a:lnSpc>
+                <a:spcPct val="90000"/>
+              </a:lnSpc>
+              <a:spcBef>
+                <a:spcPts val="500"/>
+              </a:spcBef>
+              <a:buFont typeface="Arial" panose="020B0604020202020204" pitchFamily="34" charset="0"/>
+              <a:buChar char="•"/>
+              <a:defRPr sz="1800" kern="1200">
+                <a:solidFill>
+                  <a:schemeClr val="tx1"/>
+                </a:solidFill>
+                <a:latin typeface="+mn-lt"/>
+                <a:ea typeface="+mn-ea"/>
+                <a:cs typeface="+mn-cs"/>
+              </a:defRPr>
+            </a:lvl7pPr>
+            <a:lvl8pPr marL="3429000" indent="-228600" algn="l" defTabSz="914400" rtl="0" eaLnBrk="1" latinLnBrk="0" hangingPunct="1">
+              <a:lnSpc>
+                <a:spcPct val="90000"/>
+              </a:lnSpc>
+              <a:spcBef>
+                <a:spcPts val="500"/>
+              </a:spcBef>
+              <a:buFont typeface="Arial" panose="020B0604020202020204" pitchFamily="34" charset="0"/>
+              <a:buChar char="•"/>
+              <a:defRPr sz="1800" kern="1200">
+                <a:solidFill>
+                  <a:schemeClr val="tx1"/>
+                </a:solidFill>
+                <a:latin typeface="+mn-lt"/>
+                <a:ea typeface="+mn-ea"/>
+                <a:cs typeface="+mn-cs"/>
+              </a:defRPr>
+            </a:lvl8pPr>
+            <a:lvl9pPr marL="3886200" indent="-228600" algn="l" defTabSz="914400" rtl="0" eaLnBrk="1" latinLnBrk="0" hangingPunct="1">
+              <a:lnSpc>
+                <a:spcPct val="90000"/>
+              </a:lnSpc>
+              <a:spcBef>
+                <a:spcPts val="500"/>
+              </a:spcBef>
+              <a:buFont typeface="Arial" panose="020B0604020202020204" pitchFamily="34" charset="0"/>
+              <a:buChar char="•"/>
+              <a:defRPr sz="1800" kern="1200">
+                <a:solidFill>
+                  <a:schemeClr val="tx1"/>
+                </a:solidFill>
+                <a:latin typeface="+mn-lt"/>
+                <a:ea typeface="+mn-ea"/>
+                <a:cs typeface="+mn-cs"/>
+              </a:defRPr>
+            </a:lvl9pPr>
+          </a:lstStyle>
+          <a:p>
+            <a:pPr marL="0" indent="0">
+              <a:lnSpc>
+                <a:spcPct val="150000"/>
+              </a:lnSpc>
+              <a:buNone/>
+            </a:pPr>
+            <a:r>
+              <a:rPr lang="zh-CN" altLang="en-US" sz="2400" dirty="0" smtClean="0">
+                <a:solidFill>
+                  <a:schemeClr val="bg1">
+                    <a:lumMod val="95000"/>
+                  </a:schemeClr>
+                </a:solidFill>
+                <a:latin typeface="微软雅黑" panose="020B0503020204020204" pitchFamily="34" charset="-122"/>
+                <a:ea typeface="微软雅黑" panose="020B0503020204020204" pitchFamily="34" charset="-122"/>
+              </a:rPr>
+              <a:t>垂直</a:t>
+            </a:r>
+            <a:r>
+              <a:rPr lang="en-US" altLang="zh-CN" sz="2400" dirty="0" smtClean="0">
+                <a:solidFill>
+                  <a:schemeClr val="bg1">
+                    <a:lumMod val="95000"/>
+                  </a:schemeClr>
+                </a:solidFill>
+                <a:latin typeface="微软雅黑" panose="020B0503020204020204" pitchFamily="34" charset="-122"/>
+                <a:ea typeface="微软雅黑" panose="020B0503020204020204" pitchFamily="34" charset="-122"/>
+              </a:rPr>
+              <a:t>——</a:t>
+            </a:r>
+            <a:r>
+              <a:rPr lang="zh-CN" altLang="en-US" sz="2400" smtClean="0">
+                <a:solidFill>
+                  <a:schemeClr val="bg1">
+                    <a:lumMod val="95000"/>
+                  </a:schemeClr>
+                </a:solidFill>
+                <a:latin typeface="微软雅黑" panose="020B0503020204020204" pitchFamily="34" charset="-122"/>
+                <a:ea typeface="微软雅黑" panose="020B0503020204020204" pitchFamily="34" charset="-122"/>
+              </a:rPr>
+              <a:t>宠物的垂直类平台。</a:t>
+            </a:r>
+            <a:endParaRPr lang="en-US" altLang="zh-CN" sz="2400" smtClean="0">
+              <a:solidFill>
+                <a:schemeClr val="bg1">
+                  <a:lumMod val="95000"/>
+                </a:schemeClr>
+              </a:solidFill>
+              <a:latin typeface="微软雅黑" panose="020B0503020204020204" pitchFamily="34" charset="-122"/>
+              <a:ea typeface="微软雅黑" panose="020B0503020204020204" pitchFamily="34" charset="-122"/>
+            </a:endParaRPr>
+          </a:p>
+          <a:p>
+            <a:pPr marL="0" indent="0">
+              <a:lnSpc>
+                <a:spcPct val="150000"/>
+              </a:lnSpc>
+              <a:buNone/>
+            </a:pPr>
+            <a:r>
+              <a:rPr lang="zh-CN" altLang="en-US" sz="2400" dirty="0" smtClean="0">
+                <a:solidFill>
+                  <a:schemeClr val="bg1">
+                    <a:lumMod val="95000"/>
+                  </a:schemeClr>
+                </a:solidFill>
+                <a:latin typeface="微软雅黑" panose="020B0503020204020204" pitchFamily="34" charset="-122"/>
+                <a:ea typeface="微软雅黑" panose="020B0503020204020204" pitchFamily="34" charset="-122"/>
+              </a:rPr>
+              <a:t>长尾</a:t>
+            </a:r>
+            <a:r>
+              <a:rPr lang="en-US" altLang="zh-CN" sz="2400" dirty="0" smtClean="0">
+                <a:solidFill>
+                  <a:schemeClr val="bg1">
+                    <a:lumMod val="95000"/>
+                  </a:schemeClr>
+                </a:solidFill>
+                <a:latin typeface="微软雅黑" panose="020B0503020204020204" pitchFamily="34" charset="-122"/>
+                <a:ea typeface="微软雅黑" panose="020B0503020204020204" pitchFamily="34" charset="-122"/>
+              </a:rPr>
+              <a:t>——</a:t>
+            </a:r>
+            <a:r>
+              <a:rPr lang="zh-CN" altLang="en-US" sz="2400" dirty="0" smtClean="0">
+                <a:solidFill>
+                  <a:schemeClr val="bg1">
+                    <a:lumMod val="95000"/>
+                  </a:schemeClr>
+                </a:solidFill>
+                <a:latin typeface="微软雅黑" panose="020B0503020204020204" pitchFamily="34" charset="-122"/>
+                <a:ea typeface="微软雅黑" panose="020B0503020204020204" pitchFamily="34" charset="-122"/>
+              </a:rPr>
+              <a:t>狗的购买只是消费的开始，而后期消费的规模会远远大于一次购买狗的费用。且无论狗的贵贱，饲养成本差异并不是很大。</a:t>
+            </a:r>
+            <a:endParaRPr lang="en-US" altLang="zh-CN" sz="2400" dirty="0" smtClean="0">
+              <a:solidFill>
+                <a:schemeClr val="bg1">
+                  <a:lumMod val="95000"/>
+                </a:schemeClr>
+              </a:solidFill>
+              <a:latin typeface="微软雅黑" panose="020B0503020204020204" pitchFamily="34" charset="-122"/>
+              <a:ea typeface="微软雅黑" panose="020B0503020204020204" pitchFamily="34" charset="-122"/>
+            </a:endParaRPr>
+          </a:p>
+          <a:p>
+            <a:pPr marL="0" indent="0">
+              <a:lnSpc>
+                <a:spcPct val="150000"/>
+              </a:lnSpc>
+              <a:buNone/>
+            </a:pPr>
+            <a:r>
+              <a:rPr lang="zh-CN" altLang="en-US" sz="2400" dirty="0" smtClean="0">
+                <a:solidFill>
+                  <a:schemeClr val="bg1">
+                    <a:lumMod val="95000"/>
+                  </a:schemeClr>
+                </a:solidFill>
+                <a:latin typeface="微软雅黑" panose="020B0503020204020204" pitchFamily="34" charset="-122"/>
+                <a:ea typeface="微软雅黑" panose="020B0503020204020204" pitchFamily="34" charset="-122"/>
+              </a:rPr>
+              <a:t>闭环</a:t>
+            </a:r>
+            <a:r>
+              <a:rPr lang="en-US" altLang="zh-CN" sz="2400" dirty="0" smtClean="0">
+                <a:solidFill>
+                  <a:schemeClr val="bg1">
+                    <a:lumMod val="95000"/>
+                  </a:schemeClr>
+                </a:solidFill>
+                <a:latin typeface="微软雅黑" panose="020B0503020204020204" pitchFamily="34" charset="-122"/>
+                <a:ea typeface="微软雅黑" panose="020B0503020204020204" pitchFamily="34" charset="-122"/>
+              </a:rPr>
+              <a:t>——</a:t>
+            </a:r>
+            <a:r>
+              <a:rPr lang="zh-CN" altLang="en-US" sz="2400" dirty="0" smtClean="0">
+                <a:solidFill>
+                  <a:schemeClr val="bg1">
+                    <a:lumMod val="95000"/>
+                  </a:schemeClr>
+                </a:solidFill>
+                <a:latin typeface="微软雅黑" panose="020B0503020204020204" pitchFamily="34" charset="-122"/>
+                <a:ea typeface="微软雅黑" panose="020B0503020204020204" pitchFamily="34" charset="-122"/>
+              </a:rPr>
+              <a:t>通过对市场的专业化理解，让每一个环节的数据最终都会流向平台。</a:t>
+            </a:r>
+            <a:endParaRPr lang="en-US" altLang="zh-CN" sz="2400" dirty="0" smtClean="0">
+              <a:solidFill>
+                <a:schemeClr val="bg1">
+                  <a:lumMod val="95000"/>
+                </a:schemeClr>
+              </a:solidFill>
+              <a:latin typeface="微软雅黑" panose="020B0503020204020204" pitchFamily="34" charset="-122"/>
+              <a:ea typeface="微软雅黑" panose="020B0503020204020204" pitchFamily="34" charset="-122"/>
+            </a:endParaRPr>
+          </a:p>
         </p:txBody>
       </p:sp>
     </p:spTree>
     <p:extLst>
       <p:ext uri="{BB962C8B-B14F-4D97-AF65-F5344CB8AC3E}">
-        <p14:creationId xmlns:p14="http://schemas.microsoft.com/office/powerpoint/2010/main" val="2161706093"/>
+        <p14:creationId xmlns:p14="http://schemas.microsoft.com/office/powerpoint/2010/main" val="2000724383"/>
       </p:ext>
     </p:extLst>
   </p:cSld>
   <p:clrMapOvr>
     <a:masterClrMapping/>
   </p:clrMapOvr>
+  <p:timing>
+    <p:tnLst>
+      <p:par>
+        <p:cTn id="1" dur="indefinite" restart="never" nodeType="tmRoot"/>
+      </p:par>
+    </p:tnLst>
+  </p:timing>
 </p:sld>
 </file>
 
@@ -7888,7 +9630,7 @@
         </p:spPr>
         <p:txBody>
           <a:bodyPr>
-            <a:normAutofit fontScale="77500" lnSpcReduction="20000"/>
+            <a:normAutofit/>
           </a:bodyPr>
           <a:lstStyle/>
           <a:p>
@@ -7899,7 +9641,7 @@
               <a:buNone/>
             </a:pPr>
             <a:r>
-              <a:rPr lang="zh-CN" altLang="en-US" dirty="0" smtClean="0">
+              <a:rPr lang="zh-CN" altLang="en-US" sz="2400" dirty="0" smtClean="0">
                 <a:solidFill>
                   <a:schemeClr val="tx1">
                     <a:lumMod val="75000"/>
@@ -7911,7 +9653,7 @@
               </a:rPr>
               <a:t>海外宠物代购</a:t>
             </a:r>
-            <a:endParaRPr lang="en-US" altLang="zh-CN" dirty="0" smtClean="0">
+            <a:endParaRPr lang="en-US" altLang="zh-CN" sz="2400" dirty="0" smtClean="0">
               <a:solidFill>
                 <a:schemeClr val="tx1">
                   <a:lumMod val="75000"/>
@@ -7930,7 +9672,7 @@
               <a:buNone/>
             </a:pPr>
             <a:r>
-              <a:rPr lang="en-US" altLang="zh-CN" sz="2000" dirty="0" smtClean="0">
+              <a:rPr lang="zh-CN" altLang="en-US" sz="2400" dirty="0" smtClean="0">
                 <a:solidFill>
                   <a:schemeClr val="tx1">
                     <a:lumMod val="75000"/>
@@ -7940,10 +9682,10 @@
                 <a:latin typeface="微软雅黑" panose="020B0503020204020204" pitchFamily="34" charset="-122"/>
                 <a:ea typeface="微软雅黑" panose="020B0503020204020204" pitchFamily="34" charset="-122"/>
               </a:rPr>
-              <a:t>	</a:t>
-            </a:r>
-            <a:r>
-              <a:rPr lang="zh-CN" altLang="en-US" sz="2000" dirty="0" smtClean="0">
+              <a:t>专业</a:t>
+            </a:r>
+            <a:r>
+              <a:rPr lang="zh-CN" altLang="en-US" sz="2400" dirty="0" smtClean="0">
                 <a:solidFill>
                   <a:schemeClr val="tx1">
                     <a:lumMod val="75000"/>
@@ -7953,9 +9695,9 @@
                 <a:latin typeface="微软雅黑" panose="020B0503020204020204" pitchFamily="34" charset="-122"/>
                 <a:ea typeface="微软雅黑" panose="020B0503020204020204" pitchFamily="34" charset="-122"/>
               </a:rPr>
-              <a:t>提供海外著名犬舍的宠物代购服务。</a:t>
-            </a:r>
-            <a:endParaRPr lang="en-US" altLang="zh-CN" sz="2000" dirty="0" smtClean="0">
+              <a:t>宠物交易</a:t>
+            </a:r>
+            <a:endParaRPr lang="en-US" altLang="zh-CN" sz="2400" dirty="0" smtClean="0">
               <a:solidFill>
                 <a:schemeClr val="tx1">
                   <a:lumMod val="75000"/>
@@ -7974,7 +9716,7 @@
               <a:buNone/>
             </a:pPr>
             <a:r>
-              <a:rPr lang="zh-CN" altLang="en-US" dirty="0" smtClean="0">
+              <a:rPr lang="zh-CN" altLang="en-US" sz="2400" dirty="0" smtClean="0">
                 <a:solidFill>
                   <a:schemeClr val="tx1">
                     <a:lumMod val="75000"/>
@@ -7984,9 +9726,35 @@
                 <a:latin typeface="微软雅黑" panose="020B0503020204020204" pitchFamily="34" charset="-122"/>
                 <a:ea typeface="微软雅黑" panose="020B0503020204020204" pitchFamily="34" charset="-122"/>
               </a:rPr>
-              <a:t>专业宠物交易</a:t>
-            </a:r>
-            <a:endParaRPr lang="en-US" altLang="zh-CN" dirty="0" smtClean="0">
+              <a:t>终身</a:t>
+            </a:r>
+            <a:r>
+              <a:rPr lang="zh-CN" altLang="en-US" sz="2400" dirty="0">
+                <a:solidFill>
+                  <a:schemeClr val="tx1">
+                    <a:lumMod val="75000"/>
+                    <a:lumOff val="25000"/>
+                  </a:schemeClr>
+                </a:solidFill>
+                <a:latin typeface="微软雅黑" panose="020B0503020204020204" pitchFamily="34" charset="-122"/>
+                <a:ea typeface="微软雅黑" panose="020B0503020204020204" pitchFamily="34" charset="-122"/>
+              </a:rPr>
+              <a:t>包疫苗、驱</a:t>
+            </a:r>
+            <a:r>
+              <a:rPr lang="zh-CN" altLang="en-US" sz="2400" dirty="0" smtClean="0">
+                <a:solidFill>
+                  <a:schemeClr val="tx1">
+                    <a:lumMod val="75000"/>
+                    <a:lumOff val="25000"/>
+                  </a:schemeClr>
+                </a:solidFill>
+                <a:latin typeface="微软雅黑" panose="020B0503020204020204" pitchFamily="34" charset="-122"/>
+                <a:ea typeface="微软雅黑" panose="020B0503020204020204" pitchFamily="34" charset="-122"/>
+              </a:rPr>
+              <a:t>虫</a:t>
+            </a:r>
+            <a:endParaRPr lang="en-US" altLang="zh-CN" sz="2400" dirty="0">
               <a:solidFill>
                 <a:schemeClr val="tx1">
                   <a:lumMod val="75000"/>
@@ -8005,7 +9773,7 @@
               <a:buNone/>
             </a:pPr>
             <a:r>
-              <a:rPr lang="en-US" altLang="zh-CN" dirty="0" smtClean="0">
+              <a:rPr lang="zh-CN" altLang="en-US" sz="2400" dirty="0" smtClean="0">
                 <a:solidFill>
                   <a:schemeClr val="tx1">
                     <a:lumMod val="75000"/>
@@ -8015,118 +9783,9 @@
                 <a:latin typeface="微软雅黑" panose="020B0503020204020204" pitchFamily="34" charset="-122"/>
                 <a:ea typeface="微软雅黑" panose="020B0503020204020204" pitchFamily="34" charset="-122"/>
               </a:rPr>
-              <a:t>	</a:t>
-            </a:r>
-            <a:r>
-              <a:rPr lang="zh-CN" altLang="en-US" sz="2000" dirty="0" smtClean="0">
-                <a:solidFill>
-                  <a:schemeClr val="tx1">
-                    <a:lumMod val="75000"/>
-                    <a:lumOff val="25000"/>
-                  </a:schemeClr>
-                </a:solidFill>
-                <a:latin typeface="微软雅黑" panose="020B0503020204020204" pitchFamily="34" charset="-122"/>
-                <a:ea typeface="微软雅黑" panose="020B0503020204020204" pitchFamily="34" charset="-122"/>
-              </a:rPr>
-              <a:t>涵盖赛级、繁殖级、宠物级等不同需求，包括预售，跟踪客服、健康保障、运输安全、交易担保等不同交易阶段的专业化服务。以保证客户能够简单、放心的买到自己心仪的宠物。</a:t>
-            </a:r>
-            <a:endParaRPr lang="en-US" altLang="zh-CN" dirty="0" smtClean="0">
-              <a:solidFill>
-                <a:schemeClr val="tx1">
-                  <a:lumMod val="75000"/>
-                  <a:lumOff val="25000"/>
-                </a:schemeClr>
-              </a:solidFill>
-              <a:latin typeface="微软雅黑" panose="020B0503020204020204" pitchFamily="34" charset="-122"/>
-              <a:ea typeface="微软雅黑" panose="020B0503020204020204" pitchFamily="34" charset="-122"/>
-            </a:endParaRPr>
-          </a:p>
-          <a:p>
-            <a:pPr marL="0" indent="0">
-              <a:lnSpc>
-                <a:spcPct val="150000"/>
-              </a:lnSpc>
-              <a:buNone/>
-            </a:pPr>
-            <a:r>
-              <a:rPr lang="zh-CN" altLang="en-US" dirty="0" smtClean="0">
-                <a:solidFill>
-                  <a:schemeClr val="tx1">
-                    <a:lumMod val="75000"/>
-                    <a:lumOff val="25000"/>
-                  </a:schemeClr>
-                </a:solidFill>
-                <a:latin typeface="微软雅黑" panose="020B0503020204020204" pitchFamily="34" charset="-122"/>
-                <a:ea typeface="微软雅黑" panose="020B0503020204020204" pitchFamily="34" charset="-122"/>
-              </a:rPr>
               <a:t>宠物保险</a:t>
             </a:r>
-            <a:endParaRPr lang="en-US" altLang="zh-CN" dirty="0" smtClean="0">
-              <a:solidFill>
-                <a:schemeClr val="tx1">
-                  <a:lumMod val="75000"/>
-                  <a:lumOff val="25000"/>
-                </a:schemeClr>
-              </a:solidFill>
-              <a:latin typeface="微软雅黑" panose="020B0503020204020204" pitchFamily="34" charset="-122"/>
-              <a:ea typeface="微软雅黑" panose="020B0503020204020204" pitchFamily="34" charset="-122"/>
-            </a:endParaRPr>
-          </a:p>
-          <a:p>
-            <a:pPr marL="0" indent="0">
-              <a:lnSpc>
-                <a:spcPct val="150000"/>
-              </a:lnSpc>
-              <a:buNone/>
-            </a:pPr>
-            <a:r>
-              <a:rPr lang="en-US" altLang="zh-CN" dirty="0" smtClean="0">
-                <a:solidFill>
-                  <a:schemeClr val="tx1">
-                    <a:lumMod val="75000"/>
-                    <a:lumOff val="25000"/>
-                  </a:schemeClr>
-                </a:solidFill>
-                <a:latin typeface="微软雅黑" panose="020B0503020204020204" pitchFamily="34" charset="-122"/>
-                <a:ea typeface="微软雅黑" panose="020B0503020204020204" pitchFamily="34" charset="-122"/>
-              </a:rPr>
-              <a:t>	</a:t>
-            </a:r>
-            <a:r>
-              <a:rPr lang="zh-CN" altLang="en-US" sz="2200" dirty="0" smtClean="0">
-                <a:solidFill>
-                  <a:schemeClr val="tx1">
-                    <a:lumMod val="75000"/>
-                    <a:lumOff val="25000"/>
-                  </a:schemeClr>
-                </a:solidFill>
-                <a:latin typeface="微软雅黑" panose="020B0503020204020204" pitchFamily="34" charset="-122"/>
-                <a:ea typeface="微软雅黑" panose="020B0503020204020204" pitchFamily="34" charset="-122"/>
-              </a:rPr>
-              <a:t>提供宠物相关的保险服务。可以考虑的包括重大疾病险、意外死亡险、生育险</a:t>
-            </a:r>
-            <a:r>
-              <a:rPr lang="en-US" altLang="zh-CN" sz="2200" dirty="0" smtClean="0">
-                <a:solidFill>
-                  <a:schemeClr val="tx1">
-                    <a:lumMod val="75000"/>
-                    <a:lumOff val="25000"/>
-                  </a:schemeClr>
-                </a:solidFill>
-                <a:latin typeface="微软雅黑" panose="020B0503020204020204" pitchFamily="34" charset="-122"/>
-                <a:ea typeface="微软雅黑" panose="020B0503020204020204" pitchFamily="34" charset="-122"/>
-              </a:rPr>
-              <a:t>……</a:t>
-            </a:r>
-          </a:p>
-          <a:p>
-            <a:pPr marL="0" indent="0">
-              <a:lnSpc>
-                <a:spcPct val="150000"/>
-              </a:lnSpc>
-              <a:buNone/>
-            </a:pPr>
-            <a:endParaRPr lang="zh-CN" altLang="en-US" dirty="0">
+            <a:endParaRPr lang="en-US" altLang="zh-CN" sz="2400" dirty="0">
               <a:solidFill>
                 <a:schemeClr val="tx1">
                   <a:lumMod val="75000"/>
@@ -8259,7 +9918,226 @@
       </p:grpSpPr>
       <p:sp>
         <p:nvSpPr>
-          <p:cNvPr id="5" name="标题 1"/>
+          <p:cNvPr id="7" name="副标题 2"/>
+          <p:cNvSpPr txBox="1">
+            <a:spLocks/>
+          </p:cNvSpPr>
+          <p:nvPr/>
+        </p:nvSpPr>
+        <p:spPr>
+          <a:xfrm>
+            <a:off x="300037" y="5563518"/>
+            <a:ext cx="8543925" cy="833364"/>
+          </a:xfrm>
+          <a:prstGeom prst="rect">
+            <a:avLst/>
+          </a:prstGeom>
+          <a:noFill/>
+        </p:spPr>
+        <p:txBody>
+          <a:bodyPr vert="horz" lIns="91440" tIns="45720" rIns="91440" bIns="45720" rtlCol="0">
+            <a:normAutofit/>
+          </a:bodyPr>
+          <a:lstStyle>
+            <a:lvl1pPr marL="228600" indent="-228600" algn="l" defTabSz="914400" rtl="0" eaLnBrk="1" latinLnBrk="0" hangingPunct="1">
+              <a:lnSpc>
+                <a:spcPct val="90000"/>
+              </a:lnSpc>
+              <a:spcBef>
+                <a:spcPts val="1000"/>
+              </a:spcBef>
+              <a:buFont typeface="Arial" panose="020B0604020202020204" pitchFamily="34" charset="0"/>
+              <a:buChar char="•"/>
+              <a:defRPr sz="2800" kern="1200">
+                <a:solidFill>
+                  <a:schemeClr val="tx1"/>
+                </a:solidFill>
+                <a:latin typeface="+mn-lt"/>
+                <a:ea typeface="+mn-ea"/>
+                <a:cs typeface="+mn-cs"/>
+              </a:defRPr>
+            </a:lvl1pPr>
+            <a:lvl2pPr marL="685800" indent="-228600" algn="l" defTabSz="914400" rtl="0" eaLnBrk="1" latinLnBrk="0" hangingPunct="1">
+              <a:lnSpc>
+                <a:spcPct val="90000"/>
+              </a:lnSpc>
+              <a:spcBef>
+                <a:spcPts val="500"/>
+              </a:spcBef>
+              <a:buFont typeface="Arial" panose="020B0604020202020204" pitchFamily="34" charset="0"/>
+              <a:buChar char="•"/>
+              <a:defRPr sz="2400" kern="1200">
+                <a:solidFill>
+                  <a:schemeClr val="tx1"/>
+                </a:solidFill>
+                <a:latin typeface="+mn-lt"/>
+                <a:ea typeface="+mn-ea"/>
+                <a:cs typeface="+mn-cs"/>
+              </a:defRPr>
+            </a:lvl2pPr>
+            <a:lvl3pPr marL="1143000" indent="-228600" algn="l" defTabSz="914400" rtl="0" eaLnBrk="1" latinLnBrk="0" hangingPunct="1">
+              <a:lnSpc>
+                <a:spcPct val="90000"/>
+              </a:lnSpc>
+              <a:spcBef>
+                <a:spcPts val="500"/>
+              </a:spcBef>
+              <a:buFont typeface="Arial" panose="020B0604020202020204" pitchFamily="34" charset="0"/>
+              <a:buChar char="•"/>
+              <a:defRPr sz="2000" kern="1200">
+                <a:solidFill>
+                  <a:schemeClr val="tx1"/>
+                </a:solidFill>
+                <a:latin typeface="+mn-lt"/>
+                <a:ea typeface="+mn-ea"/>
+                <a:cs typeface="+mn-cs"/>
+              </a:defRPr>
+            </a:lvl3pPr>
+            <a:lvl4pPr marL="1600200" indent="-228600" algn="l" defTabSz="914400" rtl="0" eaLnBrk="1" latinLnBrk="0" hangingPunct="1">
+              <a:lnSpc>
+                <a:spcPct val="90000"/>
+              </a:lnSpc>
+              <a:spcBef>
+                <a:spcPts val="500"/>
+              </a:spcBef>
+              <a:buFont typeface="Arial" panose="020B0604020202020204" pitchFamily="34" charset="0"/>
+              <a:buChar char="•"/>
+              <a:defRPr sz="1800" kern="1200">
+                <a:solidFill>
+                  <a:schemeClr val="tx1"/>
+                </a:solidFill>
+                <a:latin typeface="+mn-lt"/>
+                <a:ea typeface="+mn-ea"/>
+                <a:cs typeface="+mn-cs"/>
+              </a:defRPr>
+            </a:lvl4pPr>
+            <a:lvl5pPr marL="2057400" indent="-228600" algn="l" defTabSz="914400" rtl="0" eaLnBrk="1" latinLnBrk="0" hangingPunct="1">
+              <a:lnSpc>
+                <a:spcPct val="90000"/>
+              </a:lnSpc>
+              <a:spcBef>
+                <a:spcPts val="500"/>
+              </a:spcBef>
+              <a:buFont typeface="Arial" panose="020B0604020202020204" pitchFamily="34" charset="0"/>
+              <a:buChar char="•"/>
+              <a:defRPr sz="1800" kern="1200">
+                <a:solidFill>
+                  <a:schemeClr val="tx1"/>
+                </a:solidFill>
+                <a:latin typeface="+mn-lt"/>
+                <a:ea typeface="+mn-ea"/>
+                <a:cs typeface="+mn-cs"/>
+              </a:defRPr>
+            </a:lvl5pPr>
+            <a:lvl6pPr marL="2514600" indent="-228600" algn="l" defTabSz="914400" rtl="0" eaLnBrk="1" latinLnBrk="0" hangingPunct="1">
+              <a:lnSpc>
+                <a:spcPct val="90000"/>
+              </a:lnSpc>
+              <a:spcBef>
+                <a:spcPts val="500"/>
+              </a:spcBef>
+              <a:buFont typeface="Arial" panose="020B0604020202020204" pitchFamily="34" charset="0"/>
+              <a:buChar char="•"/>
+              <a:defRPr sz="1800" kern="1200">
+                <a:solidFill>
+                  <a:schemeClr val="tx1"/>
+                </a:solidFill>
+                <a:latin typeface="+mn-lt"/>
+                <a:ea typeface="+mn-ea"/>
+                <a:cs typeface="+mn-cs"/>
+              </a:defRPr>
+            </a:lvl6pPr>
+            <a:lvl7pPr marL="2971800" indent="-228600" algn="l" defTabSz="914400" rtl="0" eaLnBrk="1" latinLnBrk="0" hangingPunct="1">
+              <a:lnSpc>
+                <a:spcPct val="90000"/>
+              </a:lnSpc>
+              <a:spcBef>
+                <a:spcPts val="500"/>
+              </a:spcBef>
+              <a:buFont typeface="Arial" panose="020B0604020202020204" pitchFamily="34" charset="0"/>
+              <a:buChar char="•"/>
+              <a:defRPr sz="1800" kern="1200">
+                <a:solidFill>
+                  <a:schemeClr val="tx1"/>
+                </a:solidFill>
+                <a:latin typeface="+mn-lt"/>
+                <a:ea typeface="+mn-ea"/>
+                <a:cs typeface="+mn-cs"/>
+              </a:defRPr>
+            </a:lvl7pPr>
+            <a:lvl8pPr marL="3429000" indent="-228600" algn="l" defTabSz="914400" rtl="0" eaLnBrk="1" latinLnBrk="0" hangingPunct="1">
+              <a:lnSpc>
+                <a:spcPct val="90000"/>
+              </a:lnSpc>
+              <a:spcBef>
+                <a:spcPts val="500"/>
+              </a:spcBef>
+              <a:buFont typeface="Arial" panose="020B0604020202020204" pitchFamily="34" charset="0"/>
+              <a:buChar char="•"/>
+              <a:defRPr sz="1800" kern="1200">
+                <a:solidFill>
+                  <a:schemeClr val="tx1"/>
+                </a:solidFill>
+                <a:latin typeface="+mn-lt"/>
+                <a:ea typeface="+mn-ea"/>
+                <a:cs typeface="+mn-cs"/>
+              </a:defRPr>
+            </a:lvl8pPr>
+            <a:lvl9pPr marL="3886200" indent="-228600" algn="l" defTabSz="914400" rtl="0" eaLnBrk="1" latinLnBrk="0" hangingPunct="1">
+              <a:lnSpc>
+                <a:spcPct val="90000"/>
+              </a:lnSpc>
+              <a:spcBef>
+                <a:spcPts val="500"/>
+              </a:spcBef>
+              <a:buFont typeface="Arial" panose="020B0604020202020204" pitchFamily="34" charset="0"/>
+              <a:buChar char="•"/>
+              <a:defRPr sz="1800" kern="1200">
+                <a:solidFill>
+                  <a:schemeClr val="tx1"/>
+                </a:solidFill>
+                <a:latin typeface="+mn-lt"/>
+                <a:ea typeface="+mn-ea"/>
+                <a:cs typeface="+mn-cs"/>
+              </a:defRPr>
+            </a:lvl9pPr>
+          </a:lstStyle>
+          <a:p>
+            <a:pPr marL="0" indent="0">
+              <a:lnSpc>
+                <a:spcPct val="150000"/>
+              </a:lnSpc>
+              <a:buNone/>
+            </a:pPr>
+            <a:r>
+              <a:rPr lang="zh-CN" altLang="en-US" sz="1800" dirty="0" smtClean="0">
+                <a:solidFill>
+                  <a:schemeClr val="tx1">
+                    <a:lumMod val="75000"/>
+                    <a:lumOff val="25000"/>
+                  </a:schemeClr>
+                </a:solidFill>
+                <a:latin typeface="微软雅黑" panose="020B0503020204020204" pitchFamily="34" charset="-122"/>
+                <a:ea typeface="微软雅黑" panose="020B0503020204020204" pitchFamily="34" charset="-122"/>
+              </a:rPr>
+              <a:t>上图是各项业务功能的开发顺序</a:t>
+            </a:r>
+            <a:endParaRPr lang="en-US" altLang="zh-CN" sz="1800" dirty="0" smtClean="0">
+              <a:solidFill>
+                <a:schemeClr val="tx1">
+                  <a:lumMod val="75000"/>
+                  <a:lumOff val="25000"/>
+                </a:schemeClr>
+              </a:solidFill>
+              <a:latin typeface="微软雅黑" panose="020B0503020204020204" pitchFamily="34" charset="-122"/>
+              <a:ea typeface="微软雅黑" panose="020B0503020204020204" pitchFamily="34" charset="-122"/>
+            </a:endParaRPr>
+          </a:p>
+        </p:txBody>
+      </p:sp>
+      <p:sp>
+        <p:nvSpPr>
+          <p:cNvPr id="6" name="标题 1"/>
           <p:cNvSpPr txBox="1">
             <a:spLocks/>
           </p:cNvSpPr>
@@ -8329,414 +10207,9 @@
           </a:p>
         </p:txBody>
       </p:sp>
-      <p:sp>
-        <p:nvSpPr>
-          <p:cNvPr id="7" name="副标题 2"/>
-          <p:cNvSpPr txBox="1">
-            <a:spLocks/>
-          </p:cNvSpPr>
-          <p:nvPr/>
-        </p:nvSpPr>
-        <p:spPr>
-          <a:xfrm>
-            <a:off x="300037" y="4891866"/>
-            <a:ext cx="8543925" cy="1505016"/>
-          </a:xfrm>
-          <a:prstGeom prst="rect">
-            <a:avLst/>
-          </a:prstGeom>
-          <a:noFill/>
-        </p:spPr>
-        <p:txBody>
-          <a:bodyPr vert="horz" lIns="91440" tIns="45720" rIns="91440" bIns="45720" rtlCol="0">
-            <a:normAutofit lnSpcReduction="10000"/>
-          </a:bodyPr>
-          <a:lstStyle>
-            <a:lvl1pPr marL="228600" indent="-228600" algn="l" defTabSz="914400" rtl="0" eaLnBrk="1" latinLnBrk="0" hangingPunct="1">
-              <a:lnSpc>
-                <a:spcPct val="90000"/>
-              </a:lnSpc>
-              <a:spcBef>
-                <a:spcPts val="1000"/>
-              </a:spcBef>
-              <a:buFont typeface="Arial" panose="020B0604020202020204" pitchFamily="34" charset="0"/>
-              <a:buChar char="•"/>
-              <a:defRPr sz="2800" kern="1200">
-                <a:solidFill>
-                  <a:schemeClr val="tx1"/>
-                </a:solidFill>
-                <a:latin typeface="+mn-lt"/>
-                <a:ea typeface="+mn-ea"/>
-                <a:cs typeface="+mn-cs"/>
-              </a:defRPr>
-            </a:lvl1pPr>
-            <a:lvl2pPr marL="685800" indent="-228600" algn="l" defTabSz="914400" rtl="0" eaLnBrk="1" latinLnBrk="0" hangingPunct="1">
-              <a:lnSpc>
-                <a:spcPct val="90000"/>
-              </a:lnSpc>
-              <a:spcBef>
-                <a:spcPts val="500"/>
-              </a:spcBef>
-              <a:buFont typeface="Arial" panose="020B0604020202020204" pitchFamily="34" charset="0"/>
-              <a:buChar char="•"/>
-              <a:defRPr sz="2400" kern="1200">
-                <a:solidFill>
-                  <a:schemeClr val="tx1"/>
-                </a:solidFill>
-                <a:latin typeface="+mn-lt"/>
-                <a:ea typeface="+mn-ea"/>
-                <a:cs typeface="+mn-cs"/>
-              </a:defRPr>
-            </a:lvl2pPr>
-            <a:lvl3pPr marL="1143000" indent="-228600" algn="l" defTabSz="914400" rtl="0" eaLnBrk="1" latinLnBrk="0" hangingPunct="1">
-              <a:lnSpc>
-                <a:spcPct val="90000"/>
-              </a:lnSpc>
-              <a:spcBef>
-                <a:spcPts val="500"/>
-              </a:spcBef>
-              <a:buFont typeface="Arial" panose="020B0604020202020204" pitchFamily="34" charset="0"/>
-              <a:buChar char="•"/>
-              <a:defRPr sz="2000" kern="1200">
-                <a:solidFill>
-                  <a:schemeClr val="tx1"/>
-                </a:solidFill>
-                <a:latin typeface="+mn-lt"/>
-                <a:ea typeface="+mn-ea"/>
-                <a:cs typeface="+mn-cs"/>
-              </a:defRPr>
-            </a:lvl3pPr>
-            <a:lvl4pPr marL="1600200" indent="-228600" algn="l" defTabSz="914400" rtl="0" eaLnBrk="1" latinLnBrk="0" hangingPunct="1">
-              <a:lnSpc>
-                <a:spcPct val="90000"/>
-              </a:lnSpc>
-              <a:spcBef>
-                <a:spcPts val="500"/>
-              </a:spcBef>
-              <a:buFont typeface="Arial" panose="020B0604020202020204" pitchFamily="34" charset="0"/>
-              <a:buChar char="•"/>
-              <a:defRPr sz="1800" kern="1200">
-                <a:solidFill>
-                  <a:schemeClr val="tx1"/>
-                </a:solidFill>
-                <a:latin typeface="+mn-lt"/>
-                <a:ea typeface="+mn-ea"/>
-                <a:cs typeface="+mn-cs"/>
-              </a:defRPr>
-            </a:lvl4pPr>
-            <a:lvl5pPr marL="2057400" indent="-228600" algn="l" defTabSz="914400" rtl="0" eaLnBrk="1" latinLnBrk="0" hangingPunct="1">
-              <a:lnSpc>
-                <a:spcPct val="90000"/>
-              </a:lnSpc>
-              <a:spcBef>
-                <a:spcPts val="500"/>
-              </a:spcBef>
-              <a:buFont typeface="Arial" panose="020B0604020202020204" pitchFamily="34" charset="0"/>
-              <a:buChar char="•"/>
-              <a:defRPr sz="1800" kern="1200">
-                <a:solidFill>
-                  <a:schemeClr val="tx1"/>
-                </a:solidFill>
-                <a:latin typeface="+mn-lt"/>
-                <a:ea typeface="+mn-ea"/>
-                <a:cs typeface="+mn-cs"/>
-              </a:defRPr>
-            </a:lvl5pPr>
-            <a:lvl6pPr marL="2514600" indent="-228600" algn="l" defTabSz="914400" rtl="0" eaLnBrk="1" latinLnBrk="0" hangingPunct="1">
-              <a:lnSpc>
-                <a:spcPct val="90000"/>
-              </a:lnSpc>
-              <a:spcBef>
-                <a:spcPts val="500"/>
-              </a:spcBef>
-              <a:buFont typeface="Arial" panose="020B0604020202020204" pitchFamily="34" charset="0"/>
-              <a:buChar char="•"/>
-              <a:defRPr sz="1800" kern="1200">
-                <a:solidFill>
-                  <a:schemeClr val="tx1"/>
-                </a:solidFill>
-                <a:latin typeface="+mn-lt"/>
-                <a:ea typeface="+mn-ea"/>
-                <a:cs typeface="+mn-cs"/>
-              </a:defRPr>
-            </a:lvl6pPr>
-            <a:lvl7pPr marL="2971800" indent="-228600" algn="l" defTabSz="914400" rtl="0" eaLnBrk="1" latinLnBrk="0" hangingPunct="1">
-              <a:lnSpc>
-                <a:spcPct val="90000"/>
-              </a:lnSpc>
-              <a:spcBef>
-                <a:spcPts val="500"/>
-              </a:spcBef>
-              <a:buFont typeface="Arial" panose="020B0604020202020204" pitchFamily="34" charset="0"/>
-              <a:buChar char="•"/>
-              <a:defRPr sz="1800" kern="1200">
-                <a:solidFill>
-                  <a:schemeClr val="tx1"/>
-                </a:solidFill>
-                <a:latin typeface="+mn-lt"/>
-                <a:ea typeface="+mn-ea"/>
-                <a:cs typeface="+mn-cs"/>
-              </a:defRPr>
-            </a:lvl7pPr>
-            <a:lvl8pPr marL="3429000" indent="-228600" algn="l" defTabSz="914400" rtl="0" eaLnBrk="1" latinLnBrk="0" hangingPunct="1">
-              <a:lnSpc>
-                <a:spcPct val="90000"/>
-              </a:lnSpc>
-              <a:spcBef>
-                <a:spcPts val="500"/>
-              </a:spcBef>
-              <a:buFont typeface="Arial" panose="020B0604020202020204" pitchFamily="34" charset="0"/>
-              <a:buChar char="•"/>
-              <a:defRPr sz="1800" kern="1200">
-                <a:solidFill>
-                  <a:schemeClr val="tx1"/>
-                </a:solidFill>
-                <a:latin typeface="+mn-lt"/>
-                <a:ea typeface="+mn-ea"/>
-                <a:cs typeface="+mn-cs"/>
-              </a:defRPr>
-            </a:lvl8pPr>
-            <a:lvl9pPr marL="3886200" indent="-228600" algn="l" defTabSz="914400" rtl="0" eaLnBrk="1" latinLnBrk="0" hangingPunct="1">
-              <a:lnSpc>
-                <a:spcPct val="90000"/>
-              </a:lnSpc>
-              <a:spcBef>
-                <a:spcPts val="500"/>
-              </a:spcBef>
-              <a:buFont typeface="Arial" panose="020B0604020202020204" pitchFamily="34" charset="0"/>
-              <a:buChar char="•"/>
-              <a:defRPr sz="1800" kern="1200">
-                <a:solidFill>
-                  <a:schemeClr val="tx1"/>
-                </a:solidFill>
-                <a:latin typeface="+mn-lt"/>
-                <a:ea typeface="+mn-ea"/>
-                <a:cs typeface="+mn-cs"/>
-              </a:defRPr>
-            </a:lvl9pPr>
-          </a:lstStyle>
-          <a:p>
-            <a:pPr marL="0" indent="0">
-              <a:lnSpc>
-                <a:spcPct val="150000"/>
-              </a:lnSpc>
-              <a:buNone/>
-            </a:pPr>
-            <a:r>
-              <a:rPr lang="zh-CN" altLang="en-US" sz="1800" dirty="0">
-                <a:latin typeface="微软雅黑" panose="020B0503020204020204" pitchFamily="34" charset="-122"/>
-                <a:ea typeface="微软雅黑" panose="020B0503020204020204" pitchFamily="34" charset="-122"/>
-              </a:rPr>
-              <a:t>上</a:t>
-            </a:r>
-            <a:r>
-              <a:rPr lang="zh-CN" altLang="en-US" sz="1800" dirty="0" smtClean="0">
-                <a:latin typeface="微软雅黑" panose="020B0503020204020204" pitchFamily="34" charset="-122"/>
-                <a:ea typeface="微软雅黑" panose="020B0503020204020204" pitchFamily="34" charset="-122"/>
-              </a:rPr>
-              <a:t>图是平台的各项业务及相关的优先级，包括：</a:t>
-            </a:r>
-            <a:endParaRPr lang="en-US" altLang="zh-CN" sz="1800" dirty="0" smtClean="0">
-              <a:latin typeface="微软雅黑" panose="020B0503020204020204" pitchFamily="34" charset="-122"/>
-              <a:ea typeface="微软雅黑" panose="020B0503020204020204" pitchFamily="34" charset="-122"/>
-            </a:endParaRPr>
-          </a:p>
-          <a:p>
-            <a:pPr marL="0" indent="0">
-              <a:lnSpc>
-                <a:spcPct val="150000"/>
-              </a:lnSpc>
-              <a:buNone/>
-            </a:pPr>
-            <a:r>
-              <a:rPr lang="zh-CN" altLang="en-US" sz="1800" b="1" dirty="0">
-                <a:solidFill>
-                  <a:schemeClr val="accent6"/>
-                </a:solidFill>
-                <a:latin typeface="微软雅黑" panose="020B0503020204020204" pitchFamily="34" charset="-122"/>
-                <a:ea typeface="微软雅黑" panose="020B0503020204020204" pitchFamily="34" charset="-122"/>
-              </a:rPr>
-              <a:t>犬</a:t>
-            </a:r>
-            <a:r>
-              <a:rPr lang="zh-CN" altLang="en-US" sz="1800" b="1" dirty="0" smtClean="0">
-                <a:solidFill>
-                  <a:schemeClr val="accent6"/>
-                </a:solidFill>
-                <a:latin typeface="微软雅黑" panose="020B0503020204020204" pitchFamily="34" charset="-122"/>
-                <a:ea typeface="微软雅黑" panose="020B0503020204020204" pitchFamily="34" charset="-122"/>
-              </a:rPr>
-              <a:t>只交易</a:t>
-            </a:r>
-            <a:r>
-              <a:rPr lang="zh-CN" altLang="en-US" sz="1800" dirty="0" smtClean="0">
-                <a:latin typeface="微软雅黑" panose="020B0503020204020204" pitchFamily="34" charset="-122"/>
-                <a:ea typeface="微软雅黑" panose="020B0503020204020204" pitchFamily="34" charset="-122"/>
-              </a:rPr>
-              <a:t>、</a:t>
-            </a:r>
-            <a:r>
-              <a:rPr lang="zh-CN" altLang="en-US" sz="1800" b="1" dirty="0">
-                <a:solidFill>
-                  <a:schemeClr val="accent6"/>
-                </a:solidFill>
-                <a:latin typeface="微软雅黑" panose="020B0503020204020204" pitchFamily="34" charset="-122"/>
-                <a:ea typeface="微软雅黑" panose="020B0503020204020204" pitchFamily="34" charset="-122"/>
-              </a:rPr>
-              <a:t>社交</a:t>
-            </a:r>
-            <a:r>
-              <a:rPr lang="zh-CN" altLang="en-US" sz="1800" dirty="0" smtClean="0">
-                <a:latin typeface="微软雅黑" panose="020B0503020204020204" pitchFamily="34" charset="-122"/>
-                <a:ea typeface="微软雅黑" panose="020B0503020204020204" pitchFamily="34" charset="-122"/>
-              </a:rPr>
-              <a:t>、</a:t>
-            </a:r>
-            <a:r>
-              <a:rPr lang="zh-CN" altLang="en-US" sz="1800" b="1" dirty="0">
-                <a:solidFill>
-                  <a:schemeClr val="accent6"/>
-                </a:solidFill>
-                <a:latin typeface="微软雅黑" panose="020B0503020204020204" pitchFamily="34" charset="-122"/>
-                <a:ea typeface="微软雅黑" panose="020B0503020204020204" pitchFamily="34" charset="-122"/>
-              </a:rPr>
-              <a:t>商城</a:t>
-            </a:r>
-            <a:r>
-              <a:rPr lang="zh-CN" altLang="en-US" sz="1800" dirty="0" smtClean="0">
-                <a:latin typeface="微软雅黑" panose="020B0503020204020204" pitchFamily="34" charset="-122"/>
-                <a:ea typeface="微软雅黑" panose="020B0503020204020204" pitchFamily="34" charset="-122"/>
-              </a:rPr>
-              <a:t>、</a:t>
-            </a:r>
-            <a:r>
-              <a:rPr lang="zh-CN" altLang="en-US" sz="1800" b="1" dirty="0">
-                <a:solidFill>
-                  <a:schemeClr val="accent6"/>
-                </a:solidFill>
-                <a:latin typeface="微软雅黑" panose="020B0503020204020204" pitchFamily="34" charset="-122"/>
-                <a:ea typeface="微软雅黑" panose="020B0503020204020204" pitchFamily="34" charset="-122"/>
-              </a:rPr>
-              <a:t>广告</a:t>
-            </a:r>
-            <a:r>
-              <a:rPr lang="zh-CN" altLang="en-US" sz="1800" dirty="0" smtClean="0">
-                <a:latin typeface="微软雅黑" panose="020B0503020204020204" pitchFamily="34" charset="-122"/>
-                <a:ea typeface="微软雅黑" panose="020B0503020204020204" pitchFamily="34" charset="-122"/>
-              </a:rPr>
-              <a:t>、</a:t>
-            </a:r>
-            <a:r>
-              <a:rPr lang="en-US" altLang="zh-CN" sz="1800" b="1" dirty="0">
-                <a:solidFill>
-                  <a:schemeClr val="accent6"/>
-                </a:solidFill>
-                <a:latin typeface="微软雅黑" panose="020B0503020204020204" pitchFamily="34" charset="-122"/>
-                <a:ea typeface="微软雅黑" panose="020B0503020204020204" pitchFamily="34" charset="-122"/>
-              </a:rPr>
-              <a:t>O2O</a:t>
-            </a:r>
-            <a:r>
-              <a:rPr lang="zh-CN" altLang="en-US" sz="1800" dirty="0" smtClean="0">
-                <a:latin typeface="微软雅黑" panose="020B0503020204020204" pitchFamily="34" charset="-122"/>
-                <a:ea typeface="微软雅黑" panose="020B0503020204020204" pitchFamily="34" charset="-122"/>
-              </a:rPr>
-              <a:t>、</a:t>
-            </a:r>
-            <a:r>
-              <a:rPr lang="zh-CN" altLang="en-US" sz="1800" b="1" dirty="0">
-                <a:solidFill>
-                  <a:schemeClr val="accent6"/>
-                </a:solidFill>
-                <a:latin typeface="微软雅黑" panose="020B0503020204020204" pitchFamily="34" charset="-122"/>
-                <a:ea typeface="微软雅黑" panose="020B0503020204020204" pitchFamily="34" charset="-122"/>
-              </a:rPr>
-              <a:t>公益</a:t>
-            </a:r>
-            <a:r>
-              <a:rPr lang="zh-CN" altLang="en-US" sz="1800" dirty="0" smtClean="0">
-                <a:latin typeface="微软雅黑" panose="020B0503020204020204" pitchFamily="34" charset="-122"/>
-                <a:ea typeface="微软雅黑" panose="020B0503020204020204" pitchFamily="34" charset="-122"/>
-              </a:rPr>
-              <a:t>、</a:t>
-            </a:r>
-            <a:r>
-              <a:rPr lang="zh-CN" altLang="en-US" sz="1800" b="1" dirty="0">
-                <a:solidFill>
-                  <a:schemeClr val="accent6"/>
-                </a:solidFill>
-                <a:latin typeface="微软雅黑" panose="020B0503020204020204" pitchFamily="34" charset="-122"/>
-                <a:ea typeface="微软雅黑" panose="020B0503020204020204" pitchFamily="34" charset="-122"/>
-              </a:rPr>
-              <a:t>认证</a:t>
-            </a:r>
-            <a:r>
-              <a:rPr lang="zh-CN" altLang="en-US" sz="1800" dirty="0" smtClean="0">
-                <a:latin typeface="微软雅黑" panose="020B0503020204020204" pitchFamily="34" charset="-122"/>
-                <a:ea typeface="微软雅黑" panose="020B0503020204020204" pitchFamily="34" charset="-122"/>
-              </a:rPr>
-              <a:t>、</a:t>
-            </a:r>
-            <a:r>
-              <a:rPr lang="zh-CN" altLang="en-US" sz="1800" b="1" dirty="0">
-                <a:solidFill>
-                  <a:schemeClr val="accent6"/>
-                </a:solidFill>
-                <a:latin typeface="微软雅黑" panose="020B0503020204020204" pitchFamily="34" charset="-122"/>
-                <a:ea typeface="微软雅黑" panose="020B0503020204020204" pitchFamily="34" charset="-122"/>
-              </a:rPr>
-              <a:t>比赛</a:t>
-            </a:r>
-            <a:r>
-              <a:rPr lang="zh-CN" altLang="en-US" sz="1800" dirty="0" smtClean="0">
-                <a:latin typeface="微软雅黑" panose="020B0503020204020204" pitchFamily="34" charset="-122"/>
-                <a:ea typeface="微软雅黑" panose="020B0503020204020204" pitchFamily="34" charset="-122"/>
-              </a:rPr>
-              <a:t>等</a:t>
-            </a:r>
-            <a:r>
-              <a:rPr lang="en-US" altLang="zh-CN" sz="1800" dirty="0" smtClean="0">
-                <a:latin typeface="微软雅黑" panose="020B0503020204020204" pitchFamily="34" charset="-122"/>
-                <a:ea typeface="微软雅黑" panose="020B0503020204020204" pitchFamily="34" charset="-122"/>
-              </a:rPr>
-              <a:t>8</a:t>
-            </a:r>
-            <a:r>
-              <a:rPr lang="zh-CN" altLang="en-US" sz="1800" dirty="0" smtClean="0">
-                <a:latin typeface="微软雅黑" panose="020B0503020204020204" pitchFamily="34" charset="-122"/>
-                <a:ea typeface="微软雅黑" panose="020B0503020204020204" pitchFamily="34" charset="-122"/>
-              </a:rPr>
-              <a:t>个项目。</a:t>
-            </a:r>
-            <a:endParaRPr lang="en-US" altLang="zh-CN" sz="1800" dirty="0" smtClean="0">
-              <a:latin typeface="微软雅黑" panose="020B0503020204020204" pitchFamily="34" charset="-122"/>
-              <a:ea typeface="微软雅黑" panose="020B0503020204020204" pitchFamily="34" charset="-122"/>
-            </a:endParaRPr>
-          </a:p>
-          <a:p>
-            <a:pPr marL="0" indent="0">
-              <a:lnSpc>
-                <a:spcPct val="150000"/>
-              </a:lnSpc>
-              <a:buNone/>
-            </a:pPr>
-            <a:r>
-              <a:rPr lang="zh-CN" altLang="en-US" sz="1800" dirty="0" smtClean="0">
-                <a:latin typeface="微软雅黑" panose="020B0503020204020204" pitchFamily="34" charset="-122"/>
-                <a:ea typeface="微软雅黑" panose="020B0503020204020204" pitchFamily="34" charset="-122"/>
-              </a:rPr>
-              <a:t>图中的数字是该项业务的重要程度。</a:t>
-            </a:r>
-            <a:endParaRPr lang="en-US" altLang="zh-CN" sz="1800" dirty="0" smtClean="0">
-              <a:latin typeface="微软雅黑" panose="020B0503020204020204" pitchFamily="34" charset="-122"/>
-              <a:ea typeface="微软雅黑" panose="020B0503020204020204" pitchFamily="34" charset="-122"/>
-            </a:endParaRPr>
-          </a:p>
-        </p:txBody>
-      </p:sp>
       <p:pic>
         <p:nvPicPr>
-          <p:cNvPr id="11" name="图片 10"/>
+          <p:cNvPr id="4" name="图片 3"/>
           <p:cNvPicPr>
             <a:picLocks noChangeAspect="1"/>
           </p:cNvPicPr>
@@ -8756,8 +10229,8 @@
         </p:blipFill>
         <p:spPr>
           <a:xfrm>
-            <a:off x="1982403" y="1185017"/>
-            <a:ext cx="6486985" cy="3706849"/>
+            <a:off x="0" y="1774902"/>
+            <a:ext cx="9144000" cy="3308195"/>
           </a:xfrm>
           <a:prstGeom prst="rect">
             <a:avLst/>
@@ -8767,7 +10240,7 @@
     </p:spTree>
     <p:extLst>
       <p:ext uri="{BB962C8B-B14F-4D97-AF65-F5344CB8AC3E}">
-        <p14:creationId xmlns:p14="http://schemas.microsoft.com/office/powerpoint/2010/main" val="1514022421"/>
+        <p14:creationId xmlns:p14="http://schemas.microsoft.com/office/powerpoint/2010/main" val="3496587180"/>
       </p:ext>
     </p:extLst>
   </p:cSld>
@@ -9493,7 +10966,33 @@
                 <a:latin typeface="微软雅黑" panose="020B0503020204020204" pitchFamily="34" charset="-122"/>
                 <a:ea typeface="微软雅黑" panose="020B0503020204020204" pitchFamily="34" charset="-122"/>
               </a:rPr>
-              <a:t>分作繁殖、美容、医疗、娱乐四大类认证，完整生态圈。</a:t>
+              <a:t>分作繁殖、美容、医疗、</a:t>
+            </a:r>
+            <a:r>
+              <a:rPr lang="zh-CN" altLang="en-US" sz="1800" dirty="0" smtClean="0">
+                <a:solidFill>
+                  <a:schemeClr val="tx1">
+                    <a:lumMod val="75000"/>
+                    <a:lumOff val="25000"/>
+                  </a:schemeClr>
+                </a:solidFill>
+                <a:latin typeface="微软雅黑" panose="020B0503020204020204" pitchFamily="34" charset="-122"/>
+                <a:ea typeface="微软雅黑" panose="020B0503020204020204" pitchFamily="34" charset="-122"/>
+              </a:rPr>
+              <a:t>娱乐、教育五大</a:t>
+            </a:r>
+            <a:r>
+              <a:rPr lang="zh-CN" altLang="en-US" sz="1800" dirty="0" smtClean="0">
+                <a:solidFill>
+                  <a:schemeClr val="tx1">
+                    <a:lumMod val="75000"/>
+                    <a:lumOff val="25000"/>
+                  </a:schemeClr>
+                </a:solidFill>
+                <a:latin typeface="微软雅黑" panose="020B0503020204020204" pitchFamily="34" charset="-122"/>
+                <a:ea typeface="微软雅黑" panose="020B0503020204020204" pitchFamily="34" charset="-122"/>
+              </a:rPr>
+              <a:t>类认证，完整生态圈。</a:t>
             </a:r>
             <a:endParaRPr lang="en-US" altLang="zh-CN" sz="1800" dirty="0" smtClean="0">
               <a:solidFill>
@@ -9564,6 +11063,53 @@
                 <a:ea typeface="微软雅黑" panose="020B0503020204020204" pitchFamily="34" charset="-122"/>
               </a:rPr>
               <a:t>……</a:t>
+            </a:r>
+          </a:p>
+          <a:p>
+            <a:pPr marL="0" indent="0">
+              <a:lnSpc>
+                <a:spcPct val="150000"/>
+              </a:lnSpc>
+              <a:buNone/>
+            </a:pPr>
+            <a:r>
+              <a:rPr lang="zh-CN" altLang="en-US" sz="1800" dirty="0" smtClean="0">
+                <a:solidFill>
+                  <a:schemeClr val="tx1">
+                    <a:lumMod val="75000"/>
+                    <a:lumOff val="25000"/>
+                  </a:schemeClr>
+                </a:solidFill>
+                <a:latin typeface="微软雅黑" panose="020B0503020204020204" pitchFamily="34" charset="-122"/>
+                <a:ea typeface="微软雅黑" panose="020B0503020204020204" pitchFamily="34" charset="-122"/>
+              </a:rPr>
+              <a:t>宠物政务</a:t>
+            </a:r>
+            <a:r>
+              <a:rPr lang="en-US" altLang="zh-CN" sz="1800" dirty="0" smtClean="0">
+                <a:solidFill>
+                  <a:schemeClr val="tx1">
+                    <a:lumMod val="75000"/>
+                    <a:lumOff val="25000"/>
+                  </a:schemeClr>
+                </a:solidFill>
+                <a:latin typeface="微软雅黑" panose="020B0503020204020204" pitchFamily="34" charset="-122"/>
+                <a:ea typeface="微软雅黑" panose="020B0503020204020204" pitchFamily="34" charset="-122"/>
+              </a:rPr>
+              <a:t>——</a:t>
+            </a:r>
+            <a:r>
+              <a:rPr lang="zh-CN" altLang="en-US" sz="1800" dirty="0" smtClean="0">
+                <a:solidFill>
+                  <a:schemeClr val="tx1">
+                    <a:lumMod val="75000"/>
+                    <a:lumOff val="25000"/>
+                  </a:schemeClr>
+                </a:solidFill>
+                <a:latin typeface="微软雅黑" panose="020B0503020204020204" pitchFamily="34" charset="-122"/>
+                <a:ea typeface="微软雅黑" panose="020B0503020204020204" pitchFamily="34" charset="-122"/>
+              </a:rPr>
+              <a:t>与政府的接口，同时能带来很客观的用户流量。</a:t>
             </a:r>
             <a:endParaRPr lang="en-US" altLang="zh-CN" sz="1800" dirty="0">
               <a:solidFill>
@@ -9617,6 +11163,158 @@
 </file>
 
 <file path=ppt/slides/slide6.xml><?xml version="1.0" encoding="utf-8"?>
+<p:sld xmlns:a="http://schemas.openxmlformats.org/drawingml/2006/main" xmlns:r="http://schemas.openxmlformats.org/officeDocument/2006/relationships" xmlns:p="http://schemas.openxmlformats.org/presentationml/2006/main">
+  <p:cSld>
+    <p:spTree>
+      <p:nvGrpSpPr>
+        <p:cNvPr id="1" name=""/>
+        <p:cNvGrpSpPr/>
+        <p:nvPr/>
+      </p:nvGrpSpPr>
+      <p:grpSpPr>
+        <a:xfrm>
+          <a:off x="0" y="0"/>
+          <a:ext cx="0" cy="0"/>
+          <a:chOff x="0" y="0"/>
+          <a:chExt cx="0" cy="0"/>
+        </a:xfrm>
+      </p:grpSpPr>
+      <p:sp>
+        <p:nvSpPr>
+          <p:cNvPr id="5" name="标题 1"/>
+          <p:cNvSpPr txBox="1">
+            <a:spLocks/>
+          </p:cNvSpPr>
+          <p:nvPr/>
+        </p:nvSpPr>
+        <p:spPr>
+          <a:xfrm>
+            <a:off x="300037" y="205470"/>
+            <a:ext cx="7890926" cy="1325563"/>
+          </a:xfrm>
+          <a:prstGeom prst="rect">
+            <a:avLst/>
+          </a:prstGeom>
+          <a:noFill/>
+        </p:spPr>
+        <p:txBody>
+          <a:bodyPr vert="horz" lIns="91440" tIns="45720" rIns="91440" bIns="45720" rtlCol="0" anchor="ctr">
+            <a:normAutofit/>
+          </a:bodyPr>
+          <a:lstStyle>
+            <a:lvl1pPr algn="l" defTabSz="914400" rtl="0" eaLnBrk="1" latinLnBrk="0" hangingPunct="1">
+              <a:lnSpc>
+                <a:spcPct val="90000"/>
+              </a:lnSpc>
+              <a:spcBef>
+                <a:spcPct val="0"/>
+              </a:spcBef>
+              <a:buNone/>
+              <a:defRPr sz="4400" kern="1200">
+                <a:solidFill>
+                  <a:schemeClr val="tx1"/>
+                </a:solidFill>
+                <a:latin typeface="+mj-lt"/>
+                <a:ea typeface="+mj-ea"/>
+                <a:cs typeface="+mj-cs"/>
+              </a:defRPr>
+            </a:lvl1pPr>
+          </a:lstStyle>
+          <a:p>
+            <a:r>
+              <a:rPr lang="zh-CN" altLang="en-US" dirty="0">
+                <a:solidFill>
+                  <a:schemeClr val="accent5"/>
+                </a:solidFill>
+                <a:latin typeface="微软雅黑" panose="020B0503020204020204" pitchFamily="34" charset="-122"/>
+                <a:ea typeface="微软雅黑" panose="020B0503020204020204" pitchFamily="34" charset="-122"/>
+              </a:rPr>
+              <a:t>犬</a:t>
+            </a:r>
+            <a:r>
+              <a:rPr lang="zh-CN" altLang="en-US" dirty="0" smtClean="0">
+                <a:solidFill>
+                  <a:schemeClr val="accent5"/>
+                </a:solidFill>
+                <a:latin typeface="微软雅黑" panose="020B0503020204020204" pitchFamily="34" charset="-122"/>
+                <a:ea typeface="微软雅黑" panose="020B0503020204020204" pitchFamily="34" charset="-122"/>
+              </a:rPr>
+              <a:t>只交易流程</a:t>
+            </a:r>
+            <a:endParaRPr lang="en-US" altLang="zh-CN" dirty="0" smtClean="0">
+              <a:solidFill>
+                <a:schemeClr val="accent5"/>
+              </a:solidFill>
+              <a:latin typeface="微软雅黑" panose="020B0503020204020204" pitchFamily="34" charset="-122"/>
+              <a:ea typeface="微软雅黑" panose="020B0503020204020204" pitchFamily="34" charset="-122"/>
+            </a:endParaRPr>
+          </a:p>
+          <a:p>
+            <a:r>
+              <a:rPr lang="en-US" altLang="zh-CN" sz="2800" dirty="0">
+                <a:solidFill>
+                  <a:schemeClr val="accent5"/>
+                </a:solidFill>
+                <a:latin typeface="微软雅黑" panose="020B0503020204020204" pitchFamily="34" charset="-122"/>
+                <a:ea typeface="微软雅黑" panose="020B0503020204020204" pitchFamily="34" charset="-122"/>
+              </a:rPr>
+              <a:t>Trading Process</a:t>
+            </a:r>
+            <a:endParaRPr lang="zh-CN" altLang="en-US" sz="2800" dirty="0">
+              <a:solidFill>
+                <a:schemeClr val="accent5"/>
+              </a:solidFill>
+              <a:latin typeface="微软雅黑" panose="020B0503020204020204" pitchFamily="34" charset="-122"/>
+              <a:ea typeface="微软雅黑" panose="020B0503020204020204" pitchFamily="34" charset="-122"/>
+            </a:endParaRPr>
+          </a:p>
+        </p:txBody>
+      </p:sp>
+      <p:pic>
+        <p:nvPicPr>
+          <p:cNvPr id="4" name="图片 3"/>
+          <p:cNvPicPr>
+            <a:picLocks noChangeAspect="1"/>
+          </p:cNvPicPr>
+          <p:nvPr/>
+        </p:nvPicPr>
+        <p:blipFill>
+          <a:blip r:embed="rId2"/>
+          <a:stretch>
+            <a:fillRect/>
+          </a:stretch>
+        </p:blipFill>
+        <p:spPr>
+          <a:xfrm>
+            <a:off x="300036" y="1531033"/>
+            <a:ext cx="8642873" cy="3802967"/>
+          </a:xfrm>
+          <a:prstGeom prst="rect">
+            <a:avLst/>
+          </a:prstGeom>
+        </p:spPr>
+      </p:pic>
+    </p:spTree>
+    <p:extLst>
+      <p:ext uri="{BB962C8B-B14F-4D97-AF65-F5344CB8AC3E}">
+        <p14:creationId xmlns:p14="http://schemas.microsoft.com/office/powerpoint/2010/main" val="2988075787"/>
+      </p:ext>
+    </p:extLst>
+  </p:cSld>
+  <p:clrMapOvr>
+    <a:masterClrMapping/>
+  </p:clrMapOvr>
+  <p:timing>
+    <p:tnLst>
+      <p:par>
+        <p:cTn id="1" dur="indefinite" restart="never" nodeType="tmRoot"/>
+      </p:par>
+    </p:tnLst>
+  </p:timing>
+</p:sld>
+</file>
+
+<file path=ppt/slides/slide7.xml><?xml version="1.0" encoding="utf-8"?>
 <p:sld xmlns:a="http://schemas.openxmlformats.org/drawingml/2006/main" xmlns:r="http://schemas.openxmlformats.org/officeDocument/2006/relationships" xmlns:p="http://schemas.openxmlformats.org/presentationml/2006/main">
   <p:cSld>
     <p:bg>
@@ -9691,522 +11389,6 @@
     <p:extLst>
       <p:ext uri="{BB962C8B-B14F-4D97-AF65-F5344CB8AC3E}">
         <p14:creationId xmlns:p14="http://schemas.microsoft.com/office/powerpoint/2010/main" val="2264163297"/>
-      </p:ext>
-    </p:extLst>
-  </p:cSld>
-  <p:clrMapOvr>
-    <a:masterClrMapping/>
-  </p:clrMapOvr>
-</p:sld>
-</file>
-
-<file path=ppt/slides/slide7.xml><?xml version="1.0" encoding="utf-8"?>
-<p:sld xmlns:a="http://schemas.openxmlformats.org/drawingml/2006/main" xmlns:r="http://schemas.openxmlformats.org/officeDocument/2006/relationships" xmlns:p="http://schemas.openxmlformats.org/presentationml/2006/main">
-  <p:cSld>
-    <p:spTree>
-      <p:nvGrpSpPr>
-        <p:cNvPr id="1" name=""/>
-        <p:cNvGrpSpPr/>
-        <p:nvPr/>
-      </p:nvGrpSpPr>
-      <p:grpSpPr>
-        <a:xfrm>
-          <a:off x="0" y="0"/>
-          <a:ext cx="0" cy="0"/>
-          <a:chOff x="0" y="0"/>
-          <a:chExt cx="0" cy="0"/>
-        </a:xfrm>
-      </p:grpSpPr>
-      <p:sp>
-        <p:nvSpPr>
-          <p:cNvPr id="5" name="标题 1"/>
-          <p:cNvSpPr txBox="1">
-            <a:spLocks/>
-          </p:cNvSpPr>
-          <p:nvPr/>
-        </p:nvSpPr>
-        <p:spPr>
-          <a:xfrm>
-            <a:off x="300037" y="205470"/>
-            <a:ext cx="7890926" cy="1325563"/>
-          </a:xfrm>
-          <a:prstGeom prst="rect">
-            <a:avLst/>
-          </a:prstGeom>
-          <a:noFill/>
-        </p:spPr>
-        <p:txBody>
-          <a:bodyPr vert="horz" lIns="91440" tIns="45720" rIns="91440" bIns="45720" rtlCol="0" anchor="ctr">
-            <a:normAutofit/>
-          </a:bodyPr>
-          <a:lstStyle>
-            <a:lvl1pPr algn="l" defTabSz="914400" rtl="0" eaLnBrk="1" latinLnBrk="0" hangingPunct="1">
-              <a:lnSpc>
-                <a:spcPct val="90000"/>
-              </a:lnSpc>
-              <a:spcBef>
-                <a:spcPct val="0"/>
-              </a:spcBef>
-              <a:buNone/>
-              <a:defRPr sz="4400" kern="1200">
-                <a:solidFill>
-                  <a:schemeClr val="tx1"/>
-                </a:solidFill>
-                <a:latin typeface="+mj-lt"/>
-                <a:ea typeface="+mj-ea"/>
-                <a:cs typeface="+mj-cs"/>
-              </a:defRPr>
-            </a:lvl1pPr>
-          </a:lstStyle>
-          <a:p>
-            <a:r>
-              <a:rPr lang="zh-CN" altLang="en-US" dirty="0" smtClean="0">
-                <a:solidFill>
-                  <a:schemeClr val="accent5"/>
-                </a:solidFill>
-                <a:latin typeface="微软雅黑" panose="020B0503020204020204" pitchFamily="34" charset="-122"/>
-                <a:ea typeface="微软雅黑" panose="020B0503020204020204" pitchFamily="34" charset="-122"/>
-              </a:rPr>
-              <a:t>利好因素</a:t>
-            </a:r>
-            <a:endParaRPr lang="en-US" altLang="zh-CN" dirty="0" smtClean="0">
-              <a:solidFill>
-                <a:schemeClr val="accent5"/>
-              </a:solidFill>
-              <a:latin typeface="微软雅黑" panose="020B0503020204020204" pitchFamily="34" charset="-122"/>
-              <a:ea typeface="微软雅黑" panose="020B0503020204020204" pitchFamily="34" charset="-122"/>
-            </a:endParaRPr>
-          </a:p>
-          <a:p>
-            <a:r>
-              <a:rPr lang="en-US" altLang="zh-CN" sz="2800" dirty="0" smtClean="0">
-                <a:solidFill>
-                  <a:schemeClr val="accent5"/>
-                </a:solidFill>
-                <a:latin typeface="微软雅黑" panose="020B0503020204020204" pitchFamily="34" charset="-122"/>
-                <a:ea typeface="微软雅黑" panose="020B0503020204020204" pitchFamily="34" charset="-122"/>
-              </a:rPr>
-              <a:t>Good News</a:t>
-            </a:r>
-            <a:endParaRPr lang="zh-CN" altLang="en-US" sz="2800" dirty="0">
-              <a:solidFill>
-                <a:schemeClr val="accent5"/>
-              </a:solidFill>
-              <a:latin typeface="微软雅黑" panose="020B0503020204020204" pitchFamily="34" charset="-122"/>
-              <a:ea typeface="微软雅黑" panose="020B0503020204020204" pitchFamily="34" charset="-122"/>
-            </a:endParaRPr>
-          </a:p>
-        </p:txBody>
-      </p:sp>
-      <p:sp>
-        <p:nvSpPr>
-          <p:cNvPr id="7" name="副标题 2"/>
-          <p:cNvSpPr txBox="1">
-            <a:spLocks/>
-          </p:cNvSpPr>
-          <p:nvPr/>
-        </p:nvSpPr>
-        <p:spPr>
-          <a:xfrm>
-            <a:off x="300037" y="1531033"/>
-            <a:ext cx="8543925" cy="4865849"/>
-          </a:xfrm>
-          <a:prstGeom prst="rect">
-            <a:avLst/>
-          </a:prstGeom>
-          <a:noFill/>
-        </p:spPr>
-        <p:txBody>
-          <a:bodyPr vert="horz" lIns="91440" tIns="45720" rIns="91440" bIns="45720" rtlCol="0">
-            <a:normAutofit/>
-          </a:bodyPr>
-          <a:lstStyle>
-            <a:lvl1pPr marL="228600" indent="-228600" algn="l" defTabSz="914400" rtl="0" eaLnBrk="1" latinLnBrk="0" hangingPunct="1">
-              <a:lnSpc>
-                <a:spcPct val="90000"/>
-              </a:lnSpc>
-              <a:spcBef>
-                <a:spcPts val="1000"/>
-              </a:spcBef>
-              <a:buFont typeface="Arial" panose="020B0604020202020204" pitchFamily="34" charset="0"/>
-              <a:buChar char="•"/>
-              <a:defRPr sz="2800" kern="1200">
-                <a:solidFill>
-                  <a:schemeClr val="tx1"/>
-                </a:solidFill>
-                <a:latin typeface="+mn-lt"/>
-                <a:ea typeface="+mn-ea"/>
-                <a:cs typeface="+mn-cs"/>
-              </a:defRPr>
-            </a:lvl1pPr>
-            <a:lvl2pPr marL="685800" indent="-228600" algn="l" defTabSz="914400" rtl="0" eaLnBrk="1" latinLnBrk="0" hangingPunct="1">
-              <a:lnSpc>
-                <a:spcPct val="90000"/>
-              </a:lnSpc>
-              <a:spcBef>
-                <a:spcPts val="500"/>
-              </a:spcBef>
-              <a:buFont typeface="Arial" panose="020B0604020202020204" pitchFamily="34" charset="0"/>
-              <a:buChar char="•"/>
-              <a:defRPr sz="2400" kern="1200">
-                <a:solidFill>
-                  <a:schemeClr val="tx1"/>
-                </a:solidFill>
-                <a:latin typeface="+mn-lt"/>
-                <a:ea typeface="+mn-ea"/>
-                <a:cs typeface="+mn-cs"/>
-              </a:defRPr>
-            </a:lvl2pPr>
-            <a:lvl3pPr marL="1143000" indent="-228600" algn="l" defTabSz="914400" rtl="0" eaLnBrk="1" latinLnBrk="0" hangingPunct="1">
-              <a:lnSpc>
-                <a:spcPct val="90000"/>
-              </a:lnSpc>
-              <a:spcBef>
-                <a:spcPts val="500"/>
-              </a:spcBef>
-              <a:buFont typeface="Arial" panose="020B0604020202020204" pitchFamily="34" charset="0"/>
-              <a:buChar char="•"/>
-              <a:defRPr sz="2000" kern="1200">
-                <a:solidFill>
-                  <a:schemeClr val="tx1"/>
-                </a:solidFill>
-                <a:latin typeface="+mn-lt"/>
-                <a:ea typeface="+mn-ea"/>
-                <a:cs typeface="+mn-cs"/>
-              </a:defRPr>
-            </a:lvl3pPr>
-            <a:lvl4pPr marL="1600200" indent="-228600" algn="l" defTabSz="914400" rtl="0" eaLnBrk="1" latinLnBrk="0" hangingPunct="1">
-              <a:lnSpc>
-                <a:spcPct val="90000"/>
-              </a:lnSpc>
-              <a:spcBef>
-                <a:spcPts val="500"/>
-              </a:spcBef>
-              <a:buFont typeface="Arial" panose="020B0604020202020204" pitchFamily="34" charset="0"/>
-              <a:buChar char="•"/>
-              <a:defRPr sz="1800" kern="1200">
-                <a:solidFill>
-                  <a:schemeClr val="tx1"/>
-                </a:solidFill>
-                <a:latin typeface="+mn-lt"/>
-                <a:ea typeface="+mn-ea"/>
-                <a:cs typeface="+mn-cs"/>
-              </a:defRPr>
-            </a:lvl4pPr>
-            <a:lvl5pPr marL="2057400" indent="-228600" algn="l" defTabSz="914400" rtl="0" eaLnBrk="1" latinLnBrk="0" hangingPunct="1">
-              <a:lnSpc>
-                <a:spcPct val="90000"/>
-              </a:lnSpc>
-              <a:spcBef>
-                <a:spcPts val="500"/>
-              </a:spcBef>
-              <a:buFont typeface="Arial" panose="020B0604020202020204" pitchFamily="34" charset="0"/>
-              <a:buChar char="•"/>
-              <a:defRPr sz="1800" kern="1200">
-                <a:solidFill>
-                  <a:schemeClr val="tx1"/>
-                </a:solidFill>
-                <a:latin typeface="+mn-lt"/>
-                <a:ea typeface="+mn-ea"/>
-                <a:cs typeface="+mn-cs"/>
-              </a:defRPr>
-            </a:lvl5pPr>
-            <a:lvl6pPr marL="2514600" indent="-228600" algn="l" defTabSz="914400" rtl="0" eaLnBrk="1" latinLnBrk="0" hangingPunct="1">
-              <a:lnSpc>
-                <a:spcPct val="90000"/>
-              </a:lnSpc>
-              <a:spcBef>
-                <a:spcPts val="500"/>
-              </a:spcBef>
-              <a:buFont typeface="Arial" panose="020B0604020202020204" pitchFamily="34" charset="0"/>
-              <a:buChar char="•"/>
-              <a:defRPr sz="1800" kern="1200">
-                <a:solidFill>
-                  <a:schemeClr val="tx1"/>
-                </a:solidFill>
-                <a:latin typeface="+mn-lt"/>
-                <a:ea typeface="+mn-ea"/>
-                <a:cs typeface="+mn-cs"/>
-              </a:defRPr>
-            </a:lvl6pPr>
-            <a:lvl7pPr marL="2971800" indent="-228600" algn="l" defTabSz="914400" rtl="0" eaLnBrk="1" latinLnBrk="0" hangingPunct="1">
-              <a:lnSpc>
-                <a:spcPct val="90000"/>
-              </a:lnSpc>
-              <a:spcBef>
-                <a:spcPts val="500"/>
-              </a:spcBef>
-              <a:buFont typeface="Arial" panose="020B0604020202020204" pitchFamily="34" charset="0"/>
-              <a:buChar char="•"/>
-              <a:defRPr sz="1800" kern="1200">
-                <a:solidFill>
-                  <a:schemeClr val="tx1"/>
-                </a:solidFill>
-                <a:latin typeface="+mn-lt"/>
-                <a:ea typeface="+mn-ea"/>
-                <a:cs typeface="+mn-cs"/>
-              </a:defRPr>
-            </a:lvl7pPr>
-            <a:lvl8pPr marL="3429000" indent="-228600" algn="l" defTabSz="914400" rtl="0" eaLnBrk="1" latinLnBrk="0" hangingPunct="1">
-              <a:lnSpc>
-                <a:spcPct val="90000"/>
-              </a:lnSpc>
-              <a:spcBef>
-                <a:spcPts val="500"/>
-              </a:spcBef>
-              <a:buFont typeface="Arial" panose="020B0604020202020204" pitchFamily="34" charset="0"/>
-              <a:buChar char="•"/>
-              <a:defRPr sz="1800" kern="1200">
-                <a:solidFill>
-                  <a:schemeClr val="tx1"/>
-                </a:solidFill>
-                <a:latin typeface="+mn-lt"/>
-                <a:ea typeface="+mn-ea"/>
-                <a:cs typeface="+mn-cs"/>
-              </a:defRPr>
-            </a:lvl8pPr>
-            <a:lvl9pPr marL="3886200" indent="-228600" algn="l" defTabSz="914400" rtl="0" eaLnBrk="1" latinLnBrk="0" hangingPunct="1">
-              <a:lnSpc>
-                <a:spcPct val="90000"/>
-              </a:lnSpc>
-              <a:spcBef>
-                <a:spcPts val="500"/>
-              </a:spcBef>
-              <a:buFont typeface="Arial" panose="020B0604020202020204" pitchFamily="34" charset="0"/>
-              <a:buChar char="•"/>
-              <a:defRPr sz="1800" kern="1200">
-                <a:solidFill>
-                  <a:schemeClr val="tx1"/>
-                </a:solidFill>
-                <a:latin typeface="+mn-lt"/>
-                <a:ea typeface="+mn-ea"/>
-                <a:cs typeface="+mn-cs"/>
-              </a:defRPr>
-            </a:lvl9pPr>
-          </a:lstStyle>
-          <a:p>
-            <a:pPr marL="0" indent="0">
-              <a:lnSpc>
-                <a:spcPct val="150000"/>
-              </a:lnSpc>
-              <a:buNone/>
-            </a:pPr>
-            <a:r>
-              <a:rPr lang="zh-CN" altLang="en-US" sz="1800" dirty="0" smtClean="0">
-                <a:solidFill>
-                  <a:schemeClr val="tx1">
-                    <a:lumMod val="75000"/>
-                    <a:lumOff val="25000"/>
-                  </a:schemeClr>
-                </a:solidFill>
-                <a:latin typeface="微软雅黑" panose="020B0503020204020204" pitchFamily="34" charset="-122"/>
-                <a:ea typeface="微软雅黑" panose="020B0503020204020204" pitchFamily="34" charset="-122"/>
-              </a:rPr>
-              <a:t>中国的人均收入在持续增长。</a:t>
-            </a:r>
-            <a:endParaRPr lang="en-US" altLang="zh-CN" sz="1800" dirty="0" smtClean="0">
-              <a:solidFill>
-                <a:schemeClr val="tx1">
-                  <a:lumMod val="75000"/>
-                  <a:lumOff val="25000"/>
-                </a:schemeClr>
-              </a:solidFill>
-              <a:latin typeface="微软雅黑" panose="020B0503020204020204" pitchFamily="34" charset="-122"/>
-              <a:ea typeface="微软雅黑" panose="020B0503020204020204" pitchFamily="34" charset="-122"/>
-            </a:endParaRPr>
-          </a:p>
-          <a:p>
-            <a:pPr marL="0" indent="0">
-              <a:lnSpc>
-                <a:spcPct val="150000"/>
-              </a:lnSpc>
-              <a:buNone/>
-            </a:pPr>
-            <a:r>
-              <a:rPr lang="zh-CN" altLang="en-US" sz="1800" dirty="0" smtClean="0">
-                <a:solidFill>
-                  <a:schemeClr val="tx1">
-                    <a:lumMod val="75000"/>
-                    <a:lumOff val="25000"/>
-                  </a:schemeClr>
-                </a:solidFill>
-                <a:latin typeface="微软雅黑" panose="020B0503020204020204" pitchFamily="34" charset="-122"/>
-                <a:ea typeface="微软雅黑" panose="020B0503020204020204" pitchFamily="34" charset="-122"/>
-              </a:rPr>
-              <a:t>年轻人的消费习惯与消费观念在急剧变化，从实用转向舒适和个性化。</a:t>
-            </a:r>
-            <a:endParaRPr lang="en-US" altLang="zh-CN" sz="1800" dirty="0" smtClean="0">
-              <a:solidFill>
-                <a:schemeClr val="tx1">
-                  <a:lumMod val="75000"/>
-                  <a:lumOff val="25000"/>
-                </a:schemeClr>
-              </a:solidFill>
-              <a:latin typeface="微软雅黑" panose="020B0503020204020204" pitchFamily="34" charset="-122"/>
-              <a:ea typeface="微软雅黑" panose="020B0503020204020204" pitchFamily="34" charset="-122"/>
-            </a:endParaRPr>
-          </a:p>
-          <a:p>
-            <a:pPr marL="0" indent="0">
-              <a:lnSpc>
-                <a:spcPct val="150000"/>
-              </a:lnSpc>
-              <a:buNone/>
-            </a:pPr>
-            <a:r>
-              <a:rPr lang="zh-CN" altLang="en-US" sz="1800" dirty="0" smtClean="0">
-                <a:solidFill>
-                  <a:schemeClr val="tx1">
-                    <a:lumMod val="75000"/>
-                    <a:lumOff val="25000"/>
-                  </a:schemeClr>
-                </a:solidFill>
-                <a:latin typeface="微软雅黑" panose="020B0503020204020204" pitchFamily="34" charset="-122"/>
-                <a:ea typeface="微软雅黑" panose="020B0503020204020204" pitchFamily="34" charset="-122"/>
-              </a:rPr>
-              <a:t>狗对于生活意义的不同，从奴仆、工具转为伙伴和宠物。</a:t>
-            </a:r>
-            <a:endParaRPr lang="en-US" altLang="zh-CN" sz="1800" dirty="0" smtClean="0">
-              <a:solidFill>
-                <a:schemeClr val="tx1">
-                  <a:lumMod val="75000"/>
-                  <a:lumOff val="25000"/>
-                </a:schemeClr>
-              </a:solidFill>
-              <a:latin typeface="微软雅黑" panose="020B0503020204020204" pitchFamily="34" charset="-122"/>
-              <a:ea typeface="微软雅黑" panose="020B0503020204020204" pitchFamily="34" charset="-122"/>
-            </a:endParaRPr>
-          </a:p>
-          <a:p>
-            <a:pPr marL="0" indent="0">
-              <a:lnSpc>
-                <a:spcPct val="150000"/>
-              </a:lnSpc>
-              <a:buNone/>
-            </a:pPr>
-            <a:r>
-              <a:rPr lang="zh-CN" altLang="en-US" sz="1800" dirty="0" smtClean="0">
-                <a:solidFill>
-                  <a:schemeClr val="tx1">
-                    <a:lumMod val="75000"/>
-                    <a:lumOff val="25000"/>
-                  </a:schemeClr>
-                </a:solidFill>
-                <a:latin typeface="微软雅黑" panose="020B0503020204020204" pitchFamily="34" charset="-122"/>
-                <a:ea typeface="微软雅黑" panose="020B0503020204020204" pitchFamily="34" charset="-122"/>
-              </a:rPr>
-              <a:t>空巢老人和单身青壮年人的数量急剧增加。</a:t>
-            </a:r>
-            <a:endParaRPr lang="en-US" altLang="zh-CN" sz="1800" dirty="0" smtClean="0">
-              <a:solidFill>
-                <a:schemeClr val="tx1">
-                  <a:lumMod val="75000"/>
-                  <a:lumOff val="25000"/>
-                </a:schemeClr>
-              </a:solidFill>
-              <a:latin typeface="微软雅黑" panose="020B0503020204020204" pitchFamily="34" charset="-122"/>
-              <a:ea typeface="微软雅黑" panose="020B0503020204020204" pitchFamily="34" charset="-122"/>
-            </a:endParaRPr>
-          </a:p>
-          <a:p>
-            <a:pPr marL="0" indent="0">
-              <a:lnSpc>
-                <a:spcPct val="150000"/>
-              </a:lnSpc>
-              <a:buNone/>
-            </a:pPr>
-            <a:r>
-              <a:rPr lang="zh-CN" altLang="en-US" sz="1800" dirty="0" smtClean="0">
-                <a:solidFill>
-                  <a:schemeClr val="tx1">
-                    <a:lumMod val="75000"/>
-                    <a:lumOff val="25000"/>
-                  </a:schemeClr>
-                </a:solidFill>
-                <a:latin typeface="微软雅黑" panose="020B0503020204020204" pitchFamily="34" charset="-122"/>
-                <a:ea typeface="微软雅黑" panose="020B0503020204020204" pitchFamily="34" charset="-122"/>
-              </a:rPr>
-              <a:t>婚姻失败的概率在急剧增加。</a:t>
-            </a:r>
-            <a:endParaRPr lang="en-US" altLang="zh-CN" sz="1800" dirty="0" smtClean="0">
-              <a:solidFill>
-                <a:schemeClr val="tx1">
-                  <a:lumMod val="75000"/>
-                  <a:lumOff val="25000"/>
-                </a:schemeClr>
-              </a:solidFill>
-              <a:latin typeface="微软雅黑" panose="020B0503020204020204" pitchFamily="34" charset="-122"/>
-              <a:ea typeface="微软雅黑" panose="020B0503020204020204" pitchFamily="34" charset="-122"/>
-            </a:endParaRPr>
-          </a:p>
-          <a:p>
-            <a:pPr marL="0" indent="0">
-              <a:lnSpc>
-                <a:spcPct val="150000"/>
-              </a:lnSpc>
-              <a:buNone/>
-            </a:pPr>
-            <a:r>
-              <a:rPr lang="zh-CN" altLang="en-US" sz="1800" dirty="0" smtClean="0">
-                <a:solidFill>
-                  <a:schemeClr val="tx1">
-                    <a:lumMod val="75000"/>
-                    <a:lumOff val="25000"/>
-                  </a:schemeClr>
-                </a:solidFill>
-                <a:latin typeface="微软雅黑" panose="020B0503020204020204" pitchFamily="34" charset="-122"/>
-                <a:ea typeface="微软雅黑" panose="020B0503020204020204" pitchFamily="34" charset="-122"/>
-              </a:rPr>
-              <a:t>亲子关系的矛盾在逐渐增加。</a:t>
-            </a:r>
-            <a:endParaRPr lang="en-US" altLang="zh-CN" sz="1800" dirty="0" smtClean="0">
-              <a:solidFill>
-                <a:schemeClr val="tx1">
-                  <a:lumMod val="75000"/>
-                  <a:lumOff val="25000"/>
-                </a:schemeClr>
-              </a:solidFill>
-              <a:latin typeface="微软雅黑" panose="020B0503020204020204" pitchFamily="34" charset="-122"/>
-              <a:ea typeface="微软雅黑" panose="020B0503020204020204" pitchFamily="34" charset="-122"/>
-            </a:endParaRPr>
-          </a:p>
-          <a:p>
-            <a:pPr marL="0" indent="0">
-              <a:lnSpc>
-                <a:spcPct val="150000"/>
-              </a:lnSpc>
-              <a:buNone/>
-            </a:pPr>
-            <a:r>
-              <a:rPr lang="zh-CN" altLang="en-US" sz="1800" dirty="0" smtClean="0">
-                <a:solidFill>
-                  <a:schemeClr val="tx1">
-                    <a:lumMod val="75000"/>
-                    <a:lumOff val="25000"/>
-                  </a:schemeClr>
-                </a:solidFill>
-                <a:latin typeface="微软雅黑" panose="020B0503020204020204" pitchFamily="34" charset="-122"/>
-                <a:ea typeface="微软雅黑" panose="020B0503020204020204" pitchFamily="34" charset="-122"/>
-              </a:rPr>
-              <a:t>医学证明，饲养宠物有利于健康，例如抚摸宠物，有明显的平稳血压效果。</a:t>
-            </a:r>
-            <a:endParaRPr lang="en-US" altLang="zh-CN" sz="1800" dirty="0" smtClean="0">
-              <a:solidFill>
-                <a:schemeClr val="tx1">
-                  <a:lumMod val="75000"/>
-                  <a:lumOff val="25000"/>
-                </a:schemeClr>
-              </a:solidFill>
-              <a:latin typeface="微软雅黑" panose="020B0503020204020204" pitchFamily="34" charset="-122"/>
-              <a:ea typeface="微软雅黑" panose="020B0503020204020204" pitchFamily="34" charset="-122"/>
-            </a:endParaRPr>
-          </a:p>
-        </p:txBody>
-      </p:sp>
-    </p:spTree>
-    <p:extLst>
-      <p:ext uri="{BB962C8B-B14F-4D97-AF65-F5344CB8AC3E}">
-        <p14:creationId xmlns:p14="http://schemas.microsoft.com/office/powerpoint/2010/main" val="3859646827"/>
       </p:ext>
     </p:extLst>
   </p:cSld>
@@ -10283,24 +11465,14 @@
           </a:lstStyle>
           <a:p>
             <a:r>
-              <a:rPr lang="zh-CN" altLang="en-US" dirty="0">
+              <a:rPr lang="zh-CN" altLang="en-US" dirty="0" smtClean="0">
                 <a:solidFill>
                   <a:schemeClr val="accent5"/>
                 </a:solidFill>
                 <a:latin typeface="微软雅黑" panose="020B0503020204020204" pitchFamily="34" charset="-122"/>
                 <a:ea typeface="微软雅黑" panose="020B0503020204020204" pitchFamily="34" charset="-122"/>
               </a:rPr>
-              <a:t>利</a:t>
-            </a:r>
-            <a:r>
-              <a:rPr lang="zh-CN" altLang="en-US" dirty="0" smtClean="0">
-                <a:solidFill>
-                  <a:schemeClr val="accent5"/>
-                </a:solidFill>
-                <a:latin typeface="微软雅黑" panose="020B0503020204020204" pitchFamily="34" charset="-122"/>
-                <a:ea typeface="微软雅黑" panose="020B0503020204020204" pitchFamily="34" charset="-122"/>
-              </a:rPr>
-              <a:t>空因素</a:t>
+              <a:t>利好因素</a:t>
             </a:r>
             <a:endParaRPr lang="en-US" altLang="zh-CN" dirty="0" smtClean="0">
               <a:solidFill>
@@ -10319,7 +11491,7 @@
                 <a:latin typeface="微软雅黑" panose="020B0503020204020204" pitchFamily="34" charset="-122"/>
                 <a:ea typeface="微软雅黑" panose="020B0503020204020204" pitchFamily="34" charset="-122"/>
               </a:rPr>
-              <a:t>Bad News</a:t>
+              <a:t>Good News</a:t>
             </a:r>
             <a:endParaRPr lang="zh-CN" altLang="en-US" sz="2800" dirty="0">
               <a:solidFill>
@@ -10535,7 +11707,7 @@
                 <a:latin typeface="微软雅黑" panose="020B0503020204020204" pitchFamily="34" charset="-122"/>
                 <a:ea typeface="微软雅黑" panose="020B0503020204020204" pitchFamily="34" charset="-122"/>
               </a:rPr>
-              <a:t>很多人认为宠物会影响生育安全。</a:t>
+              <a:t>中国的人均收入在持续增长。</a:t>
             </a:r>
             <a:endParaRPr lang="en-US" altLang="zh-CN" sz="1800" dirty="0" smtClean="0">
               <a:solidFill>
@@ -10566,7 +11738,7 @@
                 <a:latin typeface="微软雅黑" panose="020B0503020204020204" pitchFamily="34" charset="-122"/>
                 <a:ea typeface="微软雅黑" panose="020B0503020204020204" pitchFamily="34" charset="-122"/>
               </a:rPr>
-              <a:t>饲养一只宠物的成本会越来越高。</a:t>
+              <a:t>年轻人的消费习惯与消费观念在急剧变化，从实用转向舒适和个性化。</a:t>
             </a:r>
             <a:endParaRPr lang="en-US" altLang="zh-CN" sz="1800" dirty="0" smtClean="0">
               <a:solidFill>
@@ -10579,12 +11751,167 @@
               <a:ea typeface="微软雅黑" panose="020B0503020204020204" pitchFamily="34" charset="-122"/>
             </a:endParaRPr>
           </a:p>
+          <a:p>
+            <a:pPr marL="0" indent="0">
+              <a:lnSpc>
+                <a:spcPct val="150000"/>
+              </a:lnSpc>
+              <a:buNone/>
+            </a:pPr>
+            <a:r>
+              <a:rPr lang="zh-CN" altLang="en-US" sz="1800" dirty="0" smtClean="0">
+                <a:solidFill>
+                  <a:schemeClr val="tx1">
+                    <a:lumMod val="75000"/>
+                    <a:lumOff val="25000"/>
+                  </a:schemeClr>
+                </a:solidFill>
+                <a:latin typeface="微软雅黑" panose="020B0503020204020204" pitchFamily="34" charset="-122"/>
+                <a:ea typeface="微软雅黑" panose="020B0503020204020204" pitchFamily="34" charset="-122"/>
+              </a:rPr>
+              <a:t>狗对于生活意义的不同，从奴仆、工具转为伙伴和宠物。</a:t>
+            </a:r>
+            <a:endParaRPr lang="en-US" altLang="zh-CN" sz="1800" dirty="0" smtClean="0">
+              <a:solidFill>
+                <a:schemeClr val="tx1">
+                  <a:lumMod val="75000"/>
+                  <a:lumOff val="25000"/>
+                </a:schemeClr>
+              </a:solidFill>
+              <a:latin typeface="微软雅黑" panose="020B0503020204020204" pitchFamily="34" charset="-122"/>
+              <a:ea typeface="微软雅黑" panose="020B0503020204020204" pitchFamily="34" charset="-122"/>
+            </a:endParaRPr>
+          </a:p>
+          <a:p>
+            <a:pPr marL="0" indent="0">
+              <a:lnSpc>
+                <a:spcPct val="150000"/>
+              </a:lnSpc>
+              <a:buNone/>
+            </a:pPr>
+            <a:r>
+              <a:rPr lang="zh-CN" altLang="en-US" sz="1800" dirty="0" smtClean="0">
+                <a:solidFill>
+                  <a:schemeClr val="tx1">
+                    <a:lumMod val="75000"/>
+                    <a:lumOff val="25000"/>
+                  </a:schemeClr>
+                </a:solidFill>
+                <a:latin typeface="微软雅黑" panose="020B0503020204020204" pitchFamily="34" charset="-122"/>
+                <a:ea typeface="微软雅黑" panose="020B0503020204020204" pitchFamily="34" charset="-122"/>
+              </a:rPr>
+              <a:t>空巢老人和单身青壮年人的数量急剧增加。</a:t>
+            </a:r>
+            <a:endParaRPr lang="en-US" altLang="zh-CN" sz="1800" dirty="0" smtClean="0">
+              <a:solidFill>
+                <a:schemeClr val="tx1">
+                  <a:lumMod val="75000"/>
+                  <a:lumOff val="25000"/>
+                </a:schemeClr>
+              </a:solidFill>
+              <a:latin typeface="微软雅黑" panose="020B0503020204020204" pitchFamily="34" charset="-122"/>
+              <a:ea typeface="微软雅黑" panose="020B0503020204020204" pitchFamily="34" charset="-122"/>
+            </a:endParaRPr>
+          </a:p>
+          <a:p>
+            <a:pPr marL="0" indent="0">
+              <a:lnSpc>
+                <a:spcPct val="150000"/>
+              </a:lnSpc>
+              <a:buNone/>
+            </a:pPr>
+            <a:r>
+              <a:rPr lang="zh-CN" altLang="en-US" sz="1800" dirty="0" smtClean="0">
+                <a:solidFill>
+                  <a:schemeClr val="tx1">
+                    <a:lumMod val="75000"/>
+                    <a:lumOff val="25000"/>
+                  </a:schemeClr>
+                </a:solidFill>
+                <a:latin typeface="微软雅黑" panose="020B0503020204020204" pitchFamily="34" charset="-122"/>
+                <a:ea typeface="微软雅黑" panose="020B0503020204020204" pitchFamily="34" charset="-122"/>
+              </a:rPr>
+              <a:t>婚姻失败的概率在急剧增加。</a:t>
+            </a:r>
+            <a:endParaRPr lang="en-US" altLang="zh-CN" sz="1800" dirty="0" smtClean="0">
+              <a:solidFill>
+                <a:schemeClr val="tx1">
+                  <a:lumMod val="75000"/>
+                  <a:lumOff val="25000"/>
+                </a:schemeClr>
+              </a:solidFill>
+              <a:latin typeface="微软雅黑" panose="020B0503020204020204" pitchFamily="34" charset="-122"/>
+              <a:ea typeface="微软雅黑" panose="020B0503020204020204" pitchFamily="34" charset="-122"/>
+            </a:endParaRPr>
+          </a:p>
+          <a:p>
+            <a:pPr marL="0" indent="0">
+              <a:lnSpc>
+                <a:spcPct val="150000"/>
+              </a:lnSpc>
+              <a:buNone/>
+            </a:pPr>
+            <a:r>
+              <a:rPr lang="zh-CN" altLang="en-US" sz="1800" dirty="0" smtClean="0">
+                <a:solidFill>
+                  <a:schemeClr val="tx1">
+                    <a:lumMod val="75000"/>
+                    <a:lumOff val="25000"/>
+                  </a:schemeClr>
+                </a:solidFill>
+                <a:latin typeface="微软雅黑" panose="020B0503020204020204" pitchFamily="34" charset="-122"/>
+                <a:ea typeface="微软雅黑" panose="020B0503020204020204" pitchFamily="34" charset="-122"/>
+              </a:rPr>
+              <a:t>亲子关系的矛盾在逐渐增加。</a:t>
+            </a:r>
+            <a:endParaRPr lang="en-US" altLang="zh-CN" sz="1800" dirty="0" smtClean="0">
+              <a:solidFill>
+                <a:schemeClr val="tx1">
+                  <a:lumMod val="75000"/>
+                  <a:lumOff val="25000"/>
+                </a:schemeClr>
+              </a:solidFill>
+              <a:latin typeface="微软雅黑" panose="020B0503020204020204" pitchFamily="34" charset="-122"/>
+              <a:ea typeface="微软雅黑" panose="020B0503020204020204" pitchFamily="34" charset="-122"/>
+            </a:endParaRPr>
+          </a:p>
+          <a:p>
+            <a:pPr marL="0" indent="0">
+              <a:lnSpc>
+                <a:spcPct val="150000"/>
+              </a:lnSpc>
+              <a:buNone/>
+            </a:pPr>
+            <a:r>
+              <a:rPr lang="zh-CN" altLang="en-US" sz="1800" dirty="0" smtClean="0">
+                <a:solidFill>
+                  <a:schemeClr val="tx1">
+                    <a:lumMod val="75000"/>
+                    <a:lumOff val="25000"/>
+                  </a:schemeClr>
+                </a:solidFill>
+                <a:latin typeface="微软雅黑" panose="020B0503020204020204" pitchFamily="34" charset="-122"/>
+                <a:ea typeface="微软雅黑" panose="020B0503020204020204" pitchFamily="34" charset="-122"/>
+              </a:rPr>
+              <a:t>医学证明，饲养宠物有利于健康，例如抚摸宠物，有明显的平稳血压效果。</a:t>
+            </a:r>
+            <a:endParaRPr lang="en-US" altLang="zh-CN" sz="1800" dirty="0" smtClean="0">
+              <a:solidFill>
+                <a:schemeClr val="tx1">
+                  <a:lumMod val="75000"/>
+                  <a:lumOff val="25000"/>
+                </a:schemeClr>
+              </a:solidFill>
+              <a:latin typeface="微软雅黑" panose="020B0503020204020204" pitchFamily="34" charset="-122"/>
+              <a:ea typeface="微软雅黑" panose="020B0503020204020204" pitchFamily="34" charset="-122"/>
+            </a:endParaRPr>
+          </a:p>
         </p:txBody>
       </p:sp>
     </p:spTree>
     <p:extLst>
       <p:ext uri="{BB962C8B-B14F-4D97-AF65-F5344CB8AC3E}">
-        <p14:creationId xmlns:p14="http://schemas.microsoft.com/office/powerpoint/2010/main" val="3789152594"/>
+        <p14:creationId xmlns:p14="http://schemas.microsoft.com/office/powerpoint/2010/main" val="3859646827"/>
       </p:ext>
     </p:extLst>
   </p:cSld>
@@ -10661,6 +11988,16 @@
           </a:lstStyle>
           <a:p>
             <a:r>
+              <a:rPr lang="zh-CN" altLang="en-US" dirty="0">
+                <a:solidFill>
+                  <a:schemeClr val="accent5"/>
+                </a:solidFill>
+                <a:latin typeface="微软雅黑" panose="020B0503020204020204" pitchFamily="34" charset="-122"/>
+                <a:ea typeface="微软雅黑" panose="020B0503020204020204" pitchFamily="34" charset="-122"/>
+              </a:rPr>
+              <a:t>利</a:t>
+            </a:r>
+            <a:r>
               <a:rPr lang="zh-CN" altLang="en-US" dirty="0" smtClean="0">
                 <a:solidFill>
                   <a:schemeClr val="accent5"/>
@@ -10668,7 +12005,7 @@
                 <a:latin typeface="微软雅黑" panose="020B0503020204020204" pitchFamily="34" charset="-122"/>
                 <a:ea typeface="微软雅黑" panose="020B0503020204020204" pitchFamily="34" charset="-122"/>
               </a:rPr>
-              <a:t>竞争对手</a:t>
+              <a:t>空因素</a:t>
             </a:r>
             <a:endParaRPr lang="en-US" altLang="zh-CN" dirty="0" smtClean="0">
               <a:solidFill>
@@ -10680,14 +12017,14 @@
           </a:p>
           <a:p>
             <a:r>
-              <a:rPr lang="en-US" altLang="zh-CN" sz="2800" dirty="0">
+              <a:rPr lang="en-US" altLang="zh-CN" sz="2800" dirty="0" smtClean="0">
                 <a:solidFill>
                   <a:schemeClr val="accent5"/>
                 </a:solidFill>
                 <a:latin typeface="微软雅黑" panose="020B0503020204020204" pitchFamily="34" charset="-122"/>
                 <a:ea typeface="微软雅黑" panose="020B0503020204020204" pitchFamily="34" charset="-122"/>
               </a:rPr>
-              <a:t>Vision</a:t>
+              <a:t>Bad News</a:t>
             </a:r>
             <a:endParaRPr lang="zh-CN" altLang="en-US" sz="2800" dirty="0">
               <a:solidFill>
@@ -10893,7 +12230,7 @@
               <a:buNone/>
             </a:pPr>
             <a:r>
-              <a:rPr lang="zh-CN" altLang="en-US" sz="1800" dirty="0">
+              <a:rPr lang="zh-CN" altLang="en-US" sz="1800" dirty="0" smtClean="0">
                 <a:solidFill>
                   <a:schemeClr val="tx1">
                     <a:lumMod val="75000"/>
@@ -10903,20 +12240,7 @@
                 <a:latin typeface="微软雅黑" panose="020B0503020204020204" pitchFamily="34" charset="-122"/>
                 <a:ea typeface="微软雅黑" panose="020B0503020204020204" pitchFamily="34" charset="-122"/>
               </a:rPr>
-              <a:t>爱</a:t>
-            </a:r>
-            <a:r>
-              <a:rPr lang="zh-CN" altLang="en-US" sz="1800" dirty="0" smtClean="0">
-                <a:solidFill>
-                  <a:schemeClr val="tx1">
-                    <a:lumMod val="75000"/>
-                    <a:lumOff val="25000"/>
-                  </a:schemeClr>
-                </a:solidFill>
-                <a:latin typeface="微软雅黑" panose="020B0503020204020204" pitchFamily="34" charset="-122"/>
-                <a:ea typeface="微软雅黑" panose="020B0503020204020204" pitchFamily="34" charset="-122"/>
-              </a:rPr>
-              <a:t>狗网</a:t>
+              <a:t>很多人认为宠物会影响生育安全。</a:t>
             </a:r>
             <a:endParaRPr lang="en-US" altLang="zh-CN" sz="1800" dirty="0" smtClean="0">
               <a:solidFill>
@@ -10937,7 +12261,7 @@
               <a:buNone/>
             </a:pPr>
             <a:r>
-              <a:rPr lang="zh-CN" altLang="en-US" sz="1800" dirty="0">
+              <a:rPr lang="zh-CN" altLang="en-US" sz="1800" dirty="0" smtClean="0">
                 <a:solidFill>
                   <a:schemeClr val="tx1">
                     <a:lumMod val="75000"/>
@@ -10947,7 +12271,7 @@
                 <a:latin typeface="微软雅黑" panose="020B0503020204020204" pitchFamily="34" charset="-122"/>
                 <a:ea typeface="微软雅黑" panose="020B0503020204020204" pitchFamily="34" charset="-122"/>
               </a:rPr>
-              <a:t>狗民</a:t>
+              <a:t>饲养一只宠物的成本会越来越高</a:t>
             </a:r>
             <a:r>
               <a:rPr lang="zh-CN" altLang="en-US" sz="1800" dirty="0" smtClean="0">
@@ -10960,7 +12284,7 @@
                 <a:latin typeface="微软雅黑" panose="020B0503020204020204" pitchFamily="34" charset="-122"/>
                 <a:ea typeface="微软雅黑" panose="020B0503020204020204" pitchFamily="34" charset="-122"/>
               </a:rPr>
-              <a:t>网</a:t>
+              <a:t>。</a:t>
             </a:r>
             <a:endParaRPr lang="en-US" altLang="zh-CN" sz="1800" dirty="0" smtClean="0">
               <a:solidFill>
@@ -10981,7 +12305,7 @@
               <a:buNone/>
             </a:pPr>
             <a:r>
-              <a:rPr lang="zh-CN" altLang="en-US" sz="1800" dirty="0">
+              <a:rPr lang="zh-CN" altLang="en-US" sz="1800" dirty="0" smtClean="0">
                 <a:solidFill>
                   <a:schemeClr val="tx1">
                     <a:lumMod val="75000"/>
@@ -10991,20 +12315,7 @@
                 <a:latin typeface="微软雅黑" panose="020B0503020204020204" pitchFamily="34" charset="-122"/>
                 <a:ea typeface="微软雅黑" panose="020B0503020204020204" pitchFamily="34" charset="-122"/>
               </a:rPr>
-              <a:t>闻闻</a:t>
-            </a:r>
-            <a:r>
-              <a:rPr lang="zh-CN" altLang="en-US" sz="1800" dirty="0" smtClean="0">
-                <a:solidFill>
-                  <a:schemeClr val="tx1">
-                    <a:lumMod val="75000"/>
-                    <a:lumOff val="25000"/>
-                  </a:schemeClr>
-                </a:solidFill>
-                <a:latin typeface="微软雅黑" panose="020B0503020204020204" pitchFamily="34" charset="-122"/>
-                <a:ea typeface="微软雅黑" panose="020B0503020204020204" pitchFamily="34" charset="-122"/>
-              </a:rPr>
-              <a:t>窝</a:t>
+              <a:t>国家政策和相关法规严重滞后。</a:t>
             </a:r>
             <a:endParaRPr lang="en-US" altLang="zh-CN" sz="1800" dirty="0" smtClean="0">
               <a:solidFill>
@@ -11017,46 +12328,12 @@
               <a:ea typeface="微软雅黑" panose="020B0503020204020204" pitchFamily="34" charset="-122"/>
             </a:endParaRPr>
           </a:p>
-          <a:p>
-            <a:pPr marL="0" indent="0">
-              <a:lnSpc>
-                <a:spcPct val="150000"/>
-              </a:lnSpc>
-              <a:buNone/>
-            </a:pPr>
-            <a:r>
-              <a:rPr lang="zh-CN" altLang="en-US" sz="1800" dirty="0">
-                <a:solidFill>
-                  <a:schemeClr val="tx1">
-                    <a:lumMod val="75000"/>
-                    <a:lumOff val="25000"/>
-                  </a:schemeClr>
-                </a:solidFill>
-                <a:latin typeface="微软雅黑" panose="020B0503020204020204" pitchFamily="34" charset="-122"/>
-                <a:ea typeface="微软雅黑" panose="020B0503020204020204" pitchFamily="34" charset="-122"/>
-              </a:rPr>
-              <a:t>狗</a:t>
-            </a:r>
-            <a:r>
-              <a:rPr lang="zh-CN" altLang="en-US" sz="1800" dirty="0" smtClean="0">
-                <a:solidFill>
-                  <a:schemeClr val="tx1">
-                    <a:lumMod val="75000"/>
-                    <a:lumOff val="25000"/>
-                  </a:schemeClr>
-                </a:solidFill>
-                <a:latin typeface="微软雅黑" panose="020B0503020204020204" pitchFamily="34" charset="-122"/>
-                <a:ea typeface="微软雅黑" panose="020B0503020204020204" pitchFamily="34" charset="-122"/>
-              </a:rPr>
-              <a:t>迷杂志</a:t>
-            </a:r>
-          </a:p>
         </p:txBody>
       </p:sp>
     </p:spTree>
     <p:extLst>
       <p:ext uri="{BB962C8B-B14F-4D97-AF65-F5344CB8AC3E}">
-        <p14:creationId xmlns:p14="http://schemas.microsoft.com/office/powerpoint/2010/main" val="1934036027"/>
+        <p14:creationId xmlns:p14="http://schemas.microsoft.com/office/powerpoint/2010/main" val="3789152594"/>
       </p:ext>
     </p:extLst>
   </p:cSld>
